--- a/doc/jQuery源码鉴赏.pptx
+++ b/doc/jQuery源码鉴赏.pptx
@@ -8,30 +8,51 @@
     <p:sldId id="256" r:id="rId2"/>
     <p:sldId id="257" r:id="rId3"/>
     <p:sldId id="280" r:id="rId4"/>
-    <p:sldId id="277" r:id="rId5"/>
-    <p:sldId id="279" r:id="rId6"/>
-    <p:sldId id="258" r:id="rId7"/>
-    <p:sldId id="274" r:id="rId8"/>
-    <p:sldId id="275" r:id="rId9"/>
-    <p:sldId id="276" r:id="rId10"/>
-    <p:sldId id="281" r:id="rId11"/>
-    <p:sldId id="282" r:id="rId12"/>
-    <p:sldId id="283" r:id="rId13"/>
-    <p:sldId id="259" r:id="rId14"/>
-    <p:sldId id="260" r:id="rId15"/>
-    <p:sldId id="261" r:id="rId16"/>
-    <p:sldId id="262" r:id="rId17"/>
-    <p:sldId id="264" r:id="rId18"/>
-    <p:sldId id="263" r:id="rId19"/>
-    <p:sldId id="265" r:id="rId20"/>
-    <p:sldId id="266" r:id="rId21"/>
-    <p:sldId id="273" r:id="rId22"/>
-    <p:sldId id="267" r:id="rId23"/>
-    <p:sldId id="268" r:id="rId24"/>
-    <p:sldId id="269" r:id="rId25"/>
-    <p:sldId id="270" r:id="rId26"/>
-    <p:sldId id="271" r:id="rId27"/>
-    <p:sldId id="278" r:id="rId28"/>
+    <p:sldId id="314" r:id="rId5"/>
+    <p:sldId id="277" r:id="rId6"/>
+    <p:sldId id="279" r:id="rId7"/>
+    <p:sldId id="258" r:id="rId8"/>
+    <p:sldId id="274" r:id="rId9"/>
+    <p:sldId id="275" r:id="rId10"/>
+    <p:sldId id="276" r:id="rId11"/>
+    <p:sldId id="281" r:id="rId12"/>
+    <p:sldId id="282" r:id="rId13"/>
+    <p:sldId id="283" r:id="rId14"/>
+    <p:sldId id="312" r:id="rId15"/>
+    <p:sldId id="313" r:id="rId16"/>
+    <p:sldId id="284" r:id="rId17"/>
+    <p:sldId id="287" r:id="rId18"/>
+    <p:sldId id="288" r:id="rId19"/>
+    <p:sldId id="289" r:id="rId20"/>
+    <p:sldId id="290" r:id="rId21"/>
+    <p:sldId id="286" r:id="rId22"/>
+    <p:sldId id="291" r:id="rId23"/>
+    <p:sldId id="292" r:id="rId24"/>
+    <p:sldId id="293" r:id="rId25"/>
+    <p:sldId id="294" r:id="rId26"/>
+    <p:sldId id="295" r:id="rId27"/>
+    <p:sldId id="297" r:id="rId28"/>
+    <p:sldId id="298" r:id="rId29"/>
+    <p:sldId id="299" r:id="rId30"/>
+    <p:sldId id="300" r:id="rId31"/>
+    <p:sldId id="296" r:id="rId32"/>
+    <p:sldId id="301" r:id="rId33"/>
+    <p:sldId id="302" r:id="rId34"/>
+    <p:sldId id="303" r:id="rId35"/>
+    <p:sldId id="304" r:id="rId36"/>
+    <p:sldId id="305" r:id="rId37"/>
+    <p:sldId id="315" r:id="rId38"/>
+    <p:sldId id="308" r:id="rId39"/>
+    <p:sldId id="307" r:id="rId40"/>
+    <p:sldId id="309" r:id="rId41"/>
+    <p:sldId id="259" r:id="rId42"/>
+    <p:sldId id="260" r:id="rId43"/>
+    <p:sldId id="261" r:id="rId44"/>
+    <p:sldId id="262" r:id="rId45"/>
+    <p:sldId id="264" r:id="rId46"/>
+    <p:sldId id="263" r:id="rId47"/>
+    <p:sldId id="265" r:id="rId48"/>
+    <p:sldId id="316" r:id="rId49"/>
   </p:sldIdLst>
   <p:sldSz cx="9144000" cy="6858000" type="screen4x3"/>
   <p:notesSz cx="6858000" cy="9144000"/>
@@ -759,7 +780,7 @@
             <a:fld id="{453209C5-6305-4E5E-AA4F-F31C775F1FEF}" type="datetimeFigureOut">
               <a:rPr lang="zh-CN" altLang="en-US" smtClean="0"/>
               <a:pPr/>
-              <a:t>2016/10/14</a:t>
+              <a:t>2016/10/18</a:t>
             </a:fld>
             <a:endParaRPr lang="zh-CN" altLang="en-US"/>
           </a:p>
@@ -957,7 +978,7 @@
             <a:fld id="{453209C5-6305-4E5E-AA4F-F31C775F1FEF}" type="datetimeFigureOut">
               <a:rPr lang="zh-CN" altLang="en-US" smtClean="0"/>
               <a:pPr/>
-              <a:t>2016/10/14</a:t>
+              <a:t>2016/10/18</a:t>
             </a:fld>
             <a:endParaRPr lang="zh-CN" altLang="en-US"/>
           </a:p>
@@ -1144,7 +1165,7 @@
             <a:fld id="{453209C5-6305-4E5E-AA4F-F31C775F1FEF}" type="datetimeFigureOut">
               <a:rPr lang="zh-CN" altLang="en-US" smtClean="0"/>
               <a:pPr/>
-              <a:t>2016/10/14</a:t>
+              <a:t>2016/10/18</a:t>
             </a:fld>
             <a:endParaRPr lang="zh-CN" altLang="en-US"/>
           </a:p>
@@ -1296,7 +1317,7 @@
             <a:fld id="{453209C5-6305-4E5E-AA4F-F31C775F1FEF}" type="datetimeFigureOut">
               <a:rPr lang="zh-CN" altLang="en-US" smtClean="0"/>
               <a:pPr/>
-              <a:t>2016/10/14</a:t>
+              <a:t>2016/10/18</a:t>
             </a:fld>
             <a:endParaRPr lang="zh-CN" altLang="en-US"/>
           </a:p>
@@ -1553,7 +1574,7 @@
             <a:fld id="{453209C5-6305-4E5E-AA4F-F31C775F1FEF}" type="datetimeFigureOut">
               <a:rPr lang="zh-CN" altLang="en-US" smtClean="0"/>
               <a:pPr/>
-              <a:t>2016/10/14</a:t>
+              <a:t>2016/10/18</a:t>
             </a:fld>
             <a:endParaRPr lang="zh-CN" altLang="en-US"/>
           </a:p>
@@ -1964,7 +1985,7 @@
             <a:fld id="{453209C5-6305-4E5E-AA4F-F31C775F1FEF}" type="datetimeFigureOut">
               <a:rPr lang="zh-CN" altLang="en-US" smtClean="0"/>
               <a:pPr/>
-              <a:t>2016/10/14</a:t>
+              <a:t>2016/10/18</a:t>
             </a:fld>
             <a:endParaRPr lang="zh-CN" altLang="en-US"/>
           </a:p>
@@ -2412,7 +2433,7 @@
             <a:fld id="{453209C5-6305-4E5E-AA4F-F31C775F1FEF}" type="datetimeFigureOut">
               <a:rPr lang="zh-CN" altLang="en-US" smtClean="0"/>
               <a:pPr/>
-              <a:t>2016/10/14</a:t>
+              <a:t>2016/10/18</a:t>
             </a:fld>
             <a:endParaRPr lang="zh-CN" altLang="en-US"/>
           </a:p>
@@ -2515,7 +2536,7 @@
             <a:fld id="{453209C5-6305-4E5E-AA4F-F31C775F1FEF}" type="datetimeFigureOut">
               <a:rPr lang="zh-CN" altLang="en-US" smtClean="0"/>
               <a:pPr/>
-              <a:t>2016/10/14</a:t>
+              <a:t>2016/10/18</a:t>
             </a:fld>
             <a:endParaRPr lang="zh-CN" altLang="en-US"/>
           </a:p>
@@ -2638,7 +2659,7 @@
             <a:fld id="{453209C5-6305-4E5E-AA4F-F31C775F1FEF}" type="datetimeFigureOut">
               <a:rPr lang="zh-CN" altLang="en-US" smtClean="0"/>
               <a:pPr/>
-              <a:t>2016/10/14</a:t>
+              <a:t>2016/10/18</a:t>
             </a:fld>
             <a:endParaRPr lang="zh-CN" altLang="en-US"/>
           </a:p>
@@ -2914,7 +2935,7 @@
             <a:fld id="{453209C5-6305-4E5E-AA4F-F31C775F1FEF}" type="datetimeFigureOut">
               <a:rPr lang="zh-CN" altLang="en-US" smtClean="0"/>
               <a:pPr/>
-              <a:t>2016/10/14</a:t>
+              <a:t>2016/10/18</a:t>
             </a:fld>
             <a:endParaRPr lang="zh-CN" altLang="en-US"/>
           </a:p>
@@ -3121,7 +3142,7 @@
             <a:fld id="{453209C5-6305-4E5E-AA4F-F31C775F1FEF}" type="datetimeFigureOut">
               <a:rPr lang="zh-CN" altLang="en-US" smtClean="0"/>
               <a:pPr/>
-              <a:t>2016/10/14</a:t>
+              <a:t>2016/10/18</a:t>
             </a:fld>
             <a:endParaRPr lang="zh-CN" altLang="en-US"/>
           </a:p>
@@ -4232,7 +4253,7 @@
             <a:fld id="{453209C5-6305-4E5E-AA4F-F31C775F1FEF}" type="datetimeFigureOut">
               <a:rPr lang="zh-CN" altLang="en-US" smtClean="0"/>
               <a:pPr/>
-              <a:t>2016/10/14</a:t>
+              <a:t>2016/10/18</a:t>
             </a:fld>
             <a:endParaRPr lang="zh-CN" altLang="en-US"/>
           </a:p>
@@ -4686,6 +4707,13 @@
               <a:rPr lang="zh-CN" altLang="en-US" dirty="0" smtClean="0"/>
               <a:t>张斌</a:t>
             </a:r>
+            <a:endParaRPr lang="en-US" altLang="zh-CN" dirty="0" smtClean="0"/>
+          </a:p>
+          <a:p>
+            <a:r>
+              <a:rPr lang="en-US" altLang="zh-CN" dirty="0" smtClean="0"/>
+              <a:t>2016-10-21</a:t>
+            </a:r>
             <a:endParaRPr lang="zh-CN" altLang="en-US" dirty="0"/>
           </a:p>
         </p:txBody>
@@ -4695,6 +4723,13 @@
   <p:clrMapOvr>
     <a:masterClrMapping/>
   </p:clrMapOvr>
+  <p:timing>
+    <p:tnLst>
+      <p:par>
+        <p:cTn id="1" dur="indefinite" restart="never" nodeType="tmRoot"/>
+      </p:par>
+    </p:tnLst>
+  </p:timing>
 </p:sld>
 </file>
 
@@ -4736,7 +4771,11 @@
             </a:r>
             <a:r>
               <a:rPr lang="en-US" altLang="zh-CN" dirty="0" err="1" smtClean="0"/>
-              <a:t>parseHTML-buildFragment</a:t>
+              <a:t>makeArray</a:t>
+            </a:r>
+            <a:r>
+              <a:rPr lang="en-US" altLang="zh-CN" dirty="0" smtClean="0"/>
+              <a:t>-$.merge</a:t>
             </a:r>
             <a:endParaRPr lang="zh-CN" altLang="en-US" dirty="0"/>
           </a:p>
@@ -4744,7 +4783,7 @@
       </p:sp>
       <p:pic>
         <p:nvPicPr>
-          <p:cNvPr id="6146" name="Picture 2"/>
+          <p:cNvPr id="5123" name="Picture 3"/>
           <p:cNvPicPr>
             <a:picLocks noChangeAspect="1" noChangeArrowheads="1"/>
           </p:cNvPicPr>
@@ -4759,8 +4798,8 @@
         </p:blipFill>
         <p:spPr bwMode="auto">
           <a:xfrm>
-            <a:off x="1357290" y="1130151"/>
-            <a:ext cx="6643704" cy="5727849"/>
+            <a:off x="1647825" y="1333500"/>
+            <a:ext cx="5848350" cy="4191000"/>
           </a:xfrm>
           <a:prstGeom prst="rect">
             <a:avLst/>
@@ -4775,88 +4814,18 @@
           <a:effectLst/>
         </p:spPr>
       </p:pic>
-      <p:sp>
-        <p:nvSpPr>
-          <p:cNvPr id="5" name="矩形 4"/>
-          <p:cNvSpPr/>
-          <p:nvPr/>
-        </p:nvSpPr>
-        <p:spPr>
-          <a:xfrm>
-            <a:off x="2357422" y="2643182"/>
-            <a:ext cx="1214446" cy="285752"/>
-          </a:xfrm>
-          <a:prstGeom prst="rect">
-            <a:avLst/>
-          </a:prstGeom>
-          <a:noFill/>
-          <a:ln>
-            <a:solidFill>
-              <a:srgbClr val="FF0000"/>
-            </a:solidFill>
-          </a:ln>
-        </p:spPr>
-        <p:style>
-          <a:lnRef idx="2">
-            <a:schemeClr val="dk1"/>
-          </a:lnRef>
-          <a:fillRef idx="1">
-            <a:schemeClr val="lt1"/>
-          </a:fillRef>
-          <a:effectRef idx="0">
-            <a:schemeClr val="dk1"/>
-          </a:effectRef>
-          <a:fontRef idx="minor">
-            <a:schemeClr val="dk1"/>
-          </a:fontRef>
-        </p:style>
-        <p:txBody>
-          <a:bodyPr rtlCol="0" anchor="ctr"/>
-          <a:lstStyle/>
-          <a:p>
-            <a:pPr algn="ctr"/>
-            <a:endParaRPr lang="zh-CN" altLang="en-US"/>
-          </a:p>
-        </p:txBody>
-      </p:sp>
-      <p:pic>
-        <p:nvPicPr>
-          <p:cNvPr id="6147" name="Picture 3"/>
-          <p:cNvPicPr>
-            <a:picLocks noChangeAspect="1" noChangeArrowheads="1"/>
-          </p:cNvPicPr>
-          <p:nvPr/>
-        </p:nvPicPr>
-        <p:blipFill>
-          <a:blip r:embed="rId3"/>
-          <a:srcRect/>
-          <a:stretch>
-            <a:fillRect/>
-          </a:stretch>
-        </p:blipFill>
-        <p:spPr bwMode="auto">
-          <a:xfrm>
-            <a:off x="4772025" y="1357298"/>
-            <a:ext cx="4371975" cy="257175"/>
-          </a:xfrm>
-          <a:prstGeom prst="rect">
-            <a:avLst/>
-          </a:prstGeom>
-          <a:noFill/>
-          <a:ln w="9525">
-            <a:noFill/>
-            <a:miter lim="800000"/>
-            <a:headEnd/>
-            <a:tailEnd/>
-          </a:ln>
-          <a:effectLst/>
-        </p:spPr>
-      </p:pic>
     </p:spTree>
   </p:cSld>
   <p:clrMapOvr>
     <a:masterClrMapping/>
   </p:clrMapOvr>
+  <p:timing>
+    <p:tnLst>
+      <p:par>
+        <p:cTn id="1" dur="indefinite" restart="never" nodeType="tmRoot"/>
+      </p:par>
+    </p:tnLst>
+  </p:timing>
 </p:sld>
 </file>
 
@@ -4893,8 +4862,12 @@
           <a:lstStyle/>
           <a:p>
             <a:r>
+              <a:rPr lang="en-US" altLang="zh-CN" dirty="0" smtClean="0"/>
+              <a:t>$.</a:t>
+            </a:r>
+            <a:r>
               <a:rPr lang="en-US" altLang="zh-CN" dirty="0" err="1" smtClean="0"/>
-              <a:t>wrapMap</a:t>
+              <a:t>parseHTML-buildFragment</a:t>
             </a:r>
             <a:endParaRPr lang="zh-CN" altLang="en-US" dirty="0"/>
           </a:p>
@@ -4902,7 +4875,7 @@
       </p:sp>
       <p:pic>
         <p:nvPicPr>
-          <p:cNvPr id="7170" name="Picture 2"/>
+          <p:cNvPr id="14338" name="Picture 2"/>
           <p:cNvPicPr>
             <a:picLocks noChangeAspect="1" noChangeArrowheads="1"/>
           </p:cNvPicPr>
@@ -4917,8 +4890,8 @@
         </p:blipFill>
         <p:spPr bwMode="auto">
           <a:xfrm>
-            <a:off x="1428728" y="1285860"/>
-            <a:ext cx="6569372" cy="5286412"/>
+            <a:off x="3286117" y="1068763"/>
+            <a:ext cx="5857884" cy="5789237"/>
           </a:xfrm>
           <a:prstGeom prst="rect">
             <a:avLst/>
@@ -4933,11 +4906,95 @@
           <a:effectLst/>
         </p:spPr>
       </p:pic>
+      <p:sp>
+        <p:nvSpPr>
+          <p:cNvPr id="5" name="矩形 4"/>
+          <p:cNvSpPr/>
+          <p:nvPr/>
+        </p:nvSpPr>
+        <p:spPr>
+          <a:xfrm>
+            <a:off x="4214810" y="5929330"/>
+            <a:ext cx="1214446" cy="285752"/>
+          </a:xfrm>
+          <a:prstGeom prst="rect">
+            <a:avLst/>
+          </a:prstGeom>
+          <a:noFill/>
+          <a:ln>
+            <a:solidFill>
+              <a:srgbClr val="FF0000"/>
+            </a:solidFill>
+          </a:ln>
+        </p:spPr>
+        <p:style>
+          <a:lnRef idx="2">
+            <a:schemeClr val="dk1"/>
+          </a:lnRef>
+          <a:fillRef idx="1">
+            <a:schemeClr val="lt1"/>
+          </a:fillRef>
+          <a:effectRef idx="0">
+            <a:schemeClr val="dk1"/>
+          </a:effectRef>
+          <a:fontRef idx="minor">
+            <a:schemeClr val="dk1"/>
+          </a:fontRef>
+        </p:style>
+        <p:txBody>
+          <a:bodyPr rtlCol="0" anchor="ctr"/>
+          <a:lstStyle/>
+          <a:p>
+            <a:pPr algn="ctr"/>
+            <a:endParaRPr lang="zh-CN" altLang="en-US"/>
+          </a:p>
+        </p:txBody>
+      </p:sp>
+      <p:pic>
+        <p:nvPicPr>
+          <p:cNvPr id="14340" name="Picture 4"/>
+          <p:cNvPicPr>
+            <a:picLocks noChangeAspect="1" noChangeArrowheads="1"/>
+          </p:cNvPicPr>
+          <p:nvPr/>
+        </p:nvPicPr>
+        <p:blipFill>
+          <a:blip r:embed="rId3"/>
+          <a:srcRect/>
+          <a:stretch>
+            <a:fillRect/>
+          </a:stretch>
+        </p:blipFill>
+        <p:spPr bwMode="auto">
+          <a:xfrm>
+            <a:off x="571472" y="4786322"/>
+            <a:ext cx="1562100" cy="714375"/>
+          </a:xfrm>
+          <a:prstGeom prst="rect">
+            <a:avLst/>
+          </a:prstGeom>
+          <a:noFill/>
+          <a:ln w="9525">
+            <a:noFill/>
+            <a:miter lim="800000"/>
+            <a:headEnd/>
+            <a:tailEnd/>
+          </a:ln>
+          <a:effectLst/>
+        </p:spPr>
+      </p:pic>
     </p:spTree>
   </p:cSld>
   <p:clrMapOvr>
     <a:masterClrMapping/>
   </p:clrMapOvr>
+  <p:timing>
+    <p:tnLst>
+      <p:par>
+        <p:cTn id="1" dur="indefinite" restart="never" nodeType="tmRoot"/>
+      </p:par>
+    </p:tnLst>
+  </p:timing>
 </p:sld>
 </file>
 
@@ -4974,26 +5031,58 @@
           <a:lstStyle/>
           <a:p>
             <a:r>
-              <a:rPr lang="en-US" altLang="zh-CN" dirty="0" smtClean="0"/>
-              <a:t>$.</a:t>
-            </a:r>
-            <a:r>
               <a:rPr lang="en-US" altLang="zh-CN" dirty="0" err="1" smtClean="0"/>
-              <a:t>prototype.find</a:t>
-            </a:r>
-            <a:r>
-              <a:rPr lang="en-US" altLang="zh-CN" dirty="0" smtClean="0"/>
-              <a:t>-Sizzle</a:t>
+              <a:t>wrapMap</a:t>
             </a:r>
             <a:endParaRPr lang="zh-CN" altLang="en-US" dirty="0"/>
           </a:p>
         </p:txBody>
       </p:sp>
+      <p:pic>
+        <p:nvPicPr>
+          <p:cNvPr id="15362" name="Picture 2"/>
+          <p:cNvPicPr>
+            <a:picLocks noChangeAspect="1" noChangeArrowheads="1"/>
+          </p:cNvPicPr>
+          <p:nvPr/>
+        </p:nvPicPr>
+        <p:blipFill>
+          <a:blip r:embed="rId2"/>
+          <a:srcRect/>
+          <a:stretch>
+            <a:fillRect/>
+          </a:stretch>
+        </p:blipFill>
+        <p:spPr bwMode="auto">
+          <a:xfrm>
+            <a:off x="1214414" y="1428736"/>
+            <a:ext cx="6838950" cy="4905375"/>
+          </a:xfrm>
+          <a:prstGeom prst="rect">
+            <a:avLst/>
+          </a:prstGeom>
+          <a:noFill/>
+          <a:ln w="9525">
+            <a:noFill/>
+            <a:miter lim="800000"/>
+            <a:headEnd/>
+            <a:tailEnd/>
+          </a:ln>
+          <a:effectLst/>
+        </p:spPr>
+      </p:pic>
     </p:spTree>
   </p:cSld>
   <p:clrMapOvr>
     <a:masterClrMapping/>
   </p:clrMapOvr>
+  <p:timing>
+    <p:tnLst>
+      <p:par>
+        <p:cTn id="1" dur="indefinite" restart="never" nodeType="tmRoot"/>
+      </p:par>
+    </p:tnLst>
+  </p:timing>
 </p:sld>
 </file>
 
@@ -5016,102 +5105,6 @@
       </p:grpSpPr>
       <p:sp>
         <p:nvSpPr>
-          <p:cNvPr id="3" name="内容占位符 2"/>
-          <p:cNvSpPr>
-            <a:spLocks noGrp="1"/>
-          </p:cNvSpPr>
-          <p:nvPr>
-            <p:ph idx="1"/>
-          </p:nvPr>
-        </p:nvSpPr>
-        <p:spPr/>
-        <p:txBody>
-          <a:bodyPr>
-            <a:normAutofit/>
-          </a:bodyPr>
-          <a:lstStyle/>
-          <a:p>
-            <a:r>
-              <a:rPr lang="zh-CN" altLang="en-US" dirty="0" smtClean="0"/>
-              <a:t>编写更好的</a:t>
-            </a:r>
-            <a:r>
-              <a:rPr lang="en-US" altLang="zh-CN" dirty="0" err="1" smtClean="0"/>
-              <a:t>jQuery</a:t>
-            </a:r>
-            <a:r>
-              <a:rPr lang="zh-CN" altLang="en-US" dirty="0" smtClean="0"/>
-              <a:t>代码的建议</a:t>
-            </a:r>
-          </a:p>
-          <a:p>
-            <a:pPr>
-              <a:buNone/>
-            </a:pPr>
-            <a:r>
-              <a:rPr lang="en-US" altLang="zh-CN" dirty="0" smtClean="0">
-                <a:hlinkClick r:id="rId2"/>
-              </a:rPr>
-              <a:t>http://blog.jobbole.com/52770/</a:t>
-            </a:r>
-            <a:endParaRPr lang="en-US" altLang="zh-CN" dirty="0" smtClean="0"/>
-          </a:p>
-          <a:p>
-            <a:r>
-              <a:rPr lang="en-US" altLang="zh-CN" dirty="0" smtClean="0"/>
-              <a:t>50</a:t>
-            </a:r>
-            <a:r>
-              <a:rPr lang="zh-CN" altLang="en-US" dirty="0" smtClean="0"/>
-              <a:t>个</a:t>
-            </a:r>
-            <a:r>
-              <a:rPr lang="en-US" altLang="zh-CN" dirty="0" err="1" smtClean="0"/>
-              <a:t>jQuery</a:t>
-            </a:r>
-            <a:r>
-              <a:rPr lang="zh-CN" altLang="en-US" dirty="0" smtClean="0"/>
-              <a:t>代码段帮你成为更出色的</a:t>
-            </a:r>
-            <a:r>
-              <a:rPr lang="en-US" altLang="zh-CN" dirty="0" smtClean="0"/>
-              <a:t>JS</a:t>
-            </a:r>
-            <a:r>
-              <a:rPr lang="zh-CN" altLang="en-US" dirty="0" smtClean="0"/>
-              <a:t>开发者</a:t>
-            </a:r>
-            <a:r>
-              <a:rPr lang="en-US" altLang="zh-CN" dirty="0" smtClean="0">
-                <a:hlinkClick r:id="rId3"/>
-              </a:rPr>
-              <a:t>http://blog.jobbole.com/18513/</a:t>
-            </a:r>
-            <a:endParaRPr lang="en-US" altLang="zh-CN" dirty="0" smtClean="0"/>
-          </a:p>
-          <a:p>
-            <a:r>
-              <a:rPr lang="zh-CN" altLang="en-US" dirty="0" smtClean="0"/>
-              <a:t>了解</a:t>
-            </a:r>
-            <a:r>
-              <a:rPr lang="en-US" altLang="zh-CN" dirty="0" err="1" smtClean="0"/>
-              <a:t>jQuery</a:t>
-            </a:r>
-            <a:r>
-              <a:rPr lang="zh-CN" altLang="en-US" dirty="0" smtClean="0"/>
-              <a:t>技巧来提高你的代码</a:t>
-            </a:r>
-            <a:r>
-              <a:rPr lang="en-US" altLang="zh-CN" dirty="0" smtClean="0"/>
-              <a:t>http://blog.bingo929.com/jquery-javascript-tips-to-improve-code.html</a:t>
-            </a:r>
-            <a:endParaRPr lang="zh-CN" altLang="en-US" dirty="0"/>
-          </a:p>
-        </p:txBody>
-      </p:sp>
-      <p:sp>
-        <p:nvSpPr>
           <p:cNvPr id="2" name="标题 1"/>
           <p:cNvSpPr>
             <a:spLocks noGrp="1"/>
@@ -5126,10 +5119,143 @@
           <a:lstStyle/>
           <a:p>
             <a:r>
-              <a:rPr lang="zh-CN" altLang="en-US" dirty="0" smtClean="0"/>
-              <a:t>编码技巧</a:t>
+              <a:rPr lang="en-US" altLang="zh-CN" dirty="0" smtClean="0"/>
+              <a:t>$.</a:t>
+            </a:r>
+            <a:r>
+              <a:rPr lang="en-US" altLang="zh-CN" dirty="0" err="1" smtClean="0"/>
+              <a:t>prototype.find</a:t>
+            </a:r>
+            <a:r>
+              <a:rPr lang="en-US" altLang="zh-CN" dirty="0" smtClean="0"/>
+              <a:t>-Sizzle</a:t>
             </a:r>
             <a:endParaRPr lang="zh-CN" altLang="en-US" dirty="0"/>
+          </a:p>
+        </p:txBody>
+      </p:sp>
+      <p:pic>
+        <p:nvPicPr>
+          <p:cNvPr id="1026" name="Picture 2"/>
+          <p:cNvPicPr>
+            <a:picLocks noChangeAspect="1" noChangeArrowheads="1"/>
+          </p:cNvPicPr>
+          <p:nvPr/>
+        </p:nvPicPr>
+        <p:blipFill>
+          <a:blip r:embed="rId2"/>
+          <a:srcRect/>
+          <a:stretch>
+            <a:fillRect/>
+          </a:stretch>
+        </p:blipFill>
+        <p:spPr bwMode="auto">
+          <a:xfrm>
+            <a:off x="1708100" y="1142985"/>
+            <a:ext cx="5935734" cy="5715016"/>
+          </a:xfrm>
+          <a:prstGeom prst="rect">
+            <a:avLst/>
+          </a:prstGeom>
+          <a:noFill/>
+          <a:ln w="9525">
+            <a:noFill/>
+            <a:miter lim="800000"/>
+            <a:headEnd/>
+            <a:tailEnd/>
+          </a:ln>
+          <a:effectLst/>
+        </p:spPr>
+      </p:pic>
+      <p:sp>
+        <p:nvSpPr>
+          <p:cNvPr id="4" name="矩形 3"/>
+          <p:cNvSpPr/>
+          <p:nvPr/>
+        </p:nvSpPr>
+        <p:spPr>
+          <a:xfrm>
+            <a:off x="2071701" y="6500834"/>
+            <a:ext cx="4786346" cy="357166"/>
+          </a:xfrm>
+          <a:prstGeom prst="rect">
+            <a:avLst/>
+          </a:prstGeom>
+          <a:noFill/>
+          <a:ln>
+            <a:solidFill>
+              <a:srgbClr val="FF0000"/>
+            </a:solidFill>
+          </a:ln>
+        </p:spPr>
+        <p:style>
+          <a:lnRef idx="2">
+            <a:schemeClr val="accent1">
+              <a:shade val="50000"/>
+            </a:schemeClr>
+          </a:lnRef>
+          <a:fillRef idx="1">
+            <a:schemeClr val="accent1"/>
+          </a:fillRef>
+          <a:effectRef idx="0">
+            <a:schemeClr val="accent1"/>
+          </a:effectRef>
+          <a:fontRef idx="minor">
+            <a:schemeClr val="lt1"/>
+          </a:fontRef>
+        </p:style>
+        <p:txBody>
+          <a:bodyPr rtlCol="0" anchor="ctr"/>
+          <a:lstStyle/>
+          <a:p>
+            <a:pPr algn="ctr"/>
+            <a:endParaRPr lang="zh-CN" altLang="en-US"/>
+          </a:p>
+        </p:txBody>
+      </p:sp>
+      <p:sp>
+        <p:nvSpPr>
+          <p:cNvPr id="5" name="矩形 4"/>
+          <p:cNvSpPr/>
+          <p:nvPr/>
+        </p:nvSpPr>
+        <p:spPr>
+          <a:xfrm>
+            <a:off x="3000395" y="4286256"/>
+            <a:ext cx="4071966" cy="500066"/>
+          </a:xfrm>
+          <a:prstGeom prst="rect">
+            <a:avLst/>
+          </a:prstGeom>
+          <a:noFill/>
+          <a:ln>
+            <a:solidFill>
+              <a:srgbClr val="FF0000"/>
+            </a:solidFill>
+          </a:ln>
+        </p:spPr>
+        <p:style>
+          <a:lnRef idx="2">
+            <a:schemeClr val="accent1">
+              <a:shade val="50000"/>
+            </a:schemeClr>
+          </a:lnRef>
+          <a:fillRef idx="1">
+            <a:schemeClr val="accent1"/>
+          </a:fillRef>
+          <a:effectRef idx="0">
+            <a:schemeClr val="accent1"/>
+          </a:effectRef>
+          <a:fontRef idx="minor">
+            <a:schemeClr val="lt1"/>
+          </a:fontRef>
+        </p:style>
+        <p:txBody>
+          <a:bodyPr rtlCol="0" anchor="ctr"/>
+          <a:lstStyle/>
+          <a:p>
+            <a:pPr algn="ctr"/>
+            <a:endParaRPr lang="zh-CN" altLang="en-US"/>
           </a:p>
         </p:txBody>
       </p:sp>
@@ -5138,6 +5264,13 @@
   <p:clrMapOvr>
     <a:masterClrMapping/>
   </p:clrMapOvr>
+  <p:timing>
+    <p:tnLst>
+      <p:par>
+        <p:cTn id="1" dur="indefinite" restart="never" nodeType="tmRoot"/>
+      </p:par>
+    </p:tnLst>
+  </p:timing>
 </p:sld>
 </file>
 
@@ -5170,14 +5303,12 @@
         </p:nvSpPr>
         <p:spPr/>
         <p:txBody>
-          <a:bodyPr>
-            <a:normAutofit/>
-          </a:bodyPr>
+          <a:bodyPr/>
           <a:lstStyle/>
           <a:p>
             <a:r>
-              <a:rPr lang="zh-CN" altLang="en-US" b="1" dirty="0" smtClean="0"/>
-              <a:t>缓存变量</a:t>
+              <a:rPr lang="en-US" dirty="0" smtClean="0"/>
+              <a:t>select</a:t>
             </a:r>
             <a:endParaRPr lang="zh-CN" altLang="en-US" dirty="0"/>
           </a:p>
@@ -5185,7 +5316,7 @@
       </p:sp>
       <p:pic>
         <p:nvPicPr>
-          <p:cNvPr id="1026" name="Picture 2"/>
+          <p:cNvPr id="23554" name="Picture 2"/>
           <p:cNvPicPr>
             <a:picLocks noChangeAspect="1" noChangeArrowheads="1"/>
           </p:cNvPicPr>
@@ -5200,8 +5331,8 @@
         </p:blipFill>
         <p:spPr bwMode="auto">
           <a:xfrm>
-            <a:off x="1433513" y="2219325"/>
-            <a:ext cx="6276975" cy="2419350"/>
+            <a:off x="2492376" y="1214422"/>
+            <a:ext cx="6651623" cy="5643578"/>
           </a:xfrm>
           <a:prstGeom prst="rect">
             <a:avLst/>
@@ -5216,11 +5347,143 @@
           <a:effectLst/>
         </p:spPr>
       </p:pic>
+      <p:sp>
+        <p:nvSpPr>
+          <p:cNvPr id="5" name="矩形 4"/>
+          <p:cNvSpPr/>
+          <p:nvPr/>
+        </p:nvSpPr>
+        <p:spPr>
+          <a:xfrm>
+            <a:off x="3071802" y="1571612"/>
+            <a:ext cx="1857388" cy="214314"/>
+          </a:xfrm>
+          <a:prstGeom prst="rect">
+            <a:avLst/>
+          </a:prstGeom>
+          <a:noFill/>
+          <a:ln>
+            <a:solidFill>
+              <a:srgbClr val="FF0000"/>
+            </a:solidFill>
+          </a:ln>
+        </p:spPr>
+        <p:style>
+          <a:lnRef idx="2">
+            <a:schemeClr val="accent1">
+              <a:shade val="50000"/>
+            </a:schemeClr>
+          </a:lnRef>
+          <a:fillRef idx="1">
+            <a:schemeClr val="accent1"/>
+          </a:fillRef>
+          <a:effectRef idx="0">
+            <a:schemeClr val="accent1"/>
+          </a:effectRef>
+          <a:fontRef idx="minor">
+            <a:schemeClr val="lt1"/>
+          </a:fontRef>
+        </p:style>
+        <p:txBody>
+          <a:bodyPr rtlCol="0" anchor="ctr"/>
+          <a:lstStyle/>
+          <a:p>
+            <a:pPr algn="ctr"/>
+            <a:endParaRPr lang="zh-CN" altLang="en-US"/>
+          </a:p>
+        </p:txBody>
+      </p:sp>
+      <p:sp>
+        <p:nvSpPr>
+          <p:cNvPr id="6" name="矩形 5"/>
+          <p:cNvSpPr/>
+          <p:nvPr/>
+        </p:nvSpPr>
+        <p:spPr>
+          <a:xfrm>
+            <a:off x="3714744" y="4214818"/>
+            <a:ext cx="1857388" cy="214314"/>
+          </a:xfrm>
+          <a:prstGeom prst="rect">
+            <a:avLst/>
+          </a:prstGeom>
+          <a:noFill/>
+          <a:ln>
+            <a:solidFill>
+              <a:srgbClr val="FF0000"/>
+            </a:solidFill>
+          </a:ln>
+        </p:spPr>
+        <p:style>
+          <a:lnRef idx="2">
+            <a:schemeClr val="accent1">
+              <a:shade val="50000"/>
+            </a:schemeClr>
+          </a:lnRef>
+          <a:fillRef idx="1">
+            <a:schemeClr val="accent1"/>
+          </a:fillRef>
+          <a:effectRef idx="0">
+            <a:schemeClr val="accent1"/>
+          </a:effectRef>
+          <a:fontRef idx="minor">
+            <a:schemeClr val="lt1"/>
+          </a:fontRef>
+        </p:style>
+        <p:txBody>
+          <a:bodyPr rtlCol="0" anchor="ctr"/>
+          <a:lstStyle/>
+          <a:p>
+            <a:pPr algn="ctr"/>
+            <a:endParaRPr lang="zh-CN" altLang="en-US"/>
+          </a:p>
+        </p:txBody>
+      </p:sp>
+      <p:sp>
+        <p:nvSpPr>
+          <p:cNvPr id="7" name="矩形 6"/>
+          <p:cNvSpPr/>
+          <p:nvPr/>
+        </p:nvSpPr>
+        <p:spPr>
+          <a:xfrm>
+            <a:off x="357158" y="1857364"/>
+            <a:ext cx="1991251" cy="369332"/>
+          </a:xfrm>
+          <a:prstGeom prst="rect">
+            <a:avLst/>
+          </a:prstGeom>
+        </p:spPr>
+        <p:txBody>
+          <a:bodyPr wrap="none">
+            <a:spAutoFit/>
+          </a:bodyPr>
+          <a:lstStyle/>
+          <a:p>
+            <a:r>
+              <a:rPr lang="zh-CN" altLang="en-US" i="1" dirty="0" smtClean="0"/>
+              <a:t>解释器模式，</a:t>
+            </a:r>
+            <a:r>
+              <a:rPr lang="en-US" altLang="zh-CN" i="1" dirty="0" smtClean="0"/>
+              <a:t>DSL</a:t>
+            </a:r>
+            <a:endParaRPr lang="zh-CN" altLang="en-US" dirty="0"/>
+          </a:p>
+        </p:txBody>
+      </p:sp>
     </p:spTree>
   </p:cSld>
   <p:clrMapOvr>
     <a:masterClrMapping/>
   </p:clrMapOvr>
+  <p:timing>
+    <p:tnLst>
+      <p:par>
+        <p:cTn id="1" dur="indefinite" restart="never" nodeType="tmRoot"/>
+      </p:par>
+    </p:tnLst>
+  </p:timing>
 </p:sld>
 </file>
 
@@ -5253,14 +5516,12 @@
         </p:nvSpPr>
         <p:spPr/>
         <p:txBody>
-          <a:bodyPr>
-            <a:normAutofit/>
-          </a:bodyPr>
+          <a:bodyPr/>
           <a:lstStyle/>
           <a:p>
             <a:r>
-              <a:rPr lang="zh-CN" altLang="en-US" b="1" dirty="0" smtClean="0"/>
-              <a:t>使用匈牙利命名法</a:t>
+              <a:rPr lang="en-US" dirty="0" err="1" smtClean="0"/>
+              <a:t>Expr</a:t>
             </a:r>
             <a:endParaRPr lang="zh-CN" altLang="en-US" dirty="0"/>
           </a:p>
@@ -5268,7 +5529,7 @@
       </p:sp>
       <p:pic>
         <p:nvPicPr>
-          <p:cNvPr id="2050" name="Picture 2"/>
+          <p:cNvPr id="24578" name="Picture 2"/>
           <p:cNvPicPr>
             <a:picLocks noChangeAspect="1" noChangeArrowheads="1"/>
           </p:cNvPicPr>
@@ -5283,8 +5544,8 @@
         </p:blipFill>
         <p:spPr bwMode="auto">
           <a:xfrm>
-            <a:off x="1557338" y="2233613"/>
-            <a:ext cx="6029325" cy="2390775"/>
+            <a:off x="2143108" y="1142984"/>
+            <a:ext cx="5625370" cy="5715016"/>
           </a:xfrm>
           <a:prstGeom prst="rect">
             <a:avLst/>
@@ -5304,6 +5565,13 @@
   <p:clrMapOvr>
     <a:masterClrMapping/>
   </p:clrMapOvr>
+  <p:timing>
+    <p:tnLst>
+      <p:par>
+        <p:cTn id="1" dur="indefinite" restart="never" nodeType="tmRoot"/>
+      </p:par>
+    </p:tnLst>
+  </p:timing>
 </p:sld>
 </file>
 
@@ -5336,18 +5604,28 @@
         </p:nvSpPr>
         <p:spPr/>
         <p:txBody>
-          <a:bodyPr>
-            <a:normAutofit/>
-          </a:bodyPr>
+          <a:bodyPr/>
           <a:lstStyle/>
           <a:p>
             <a:r>
-              <a:rPr lang="zh-CN" altLang="en-US" b="1" dirty="0" smtClean="0"/>
-              <a:t>请使用’</a:t>
-            </a:r>
-            <a:r>
-              <a:rPr lang="en-US" b="1" dirty="0" smtClean="0"/>
-              <a:t>On’</a:t>
+              <a:rPr lang="zh-CN" altLang="en-US" dirty="0" smtClean="0"/>
+              <a:t>属性</a:t>
+            </a:r>
+            <a:r>
+              <a:rPr lang="en-US" altLang="zh-CN" dirty="0" smtClean="0"/>
+              <a:t>-$().</a:t>
+            </a:r>
+            <a:r>
+              <a:rPr lang="en-US" altLang="zh-CN" dirty="0" err="1" smtClean="0"/>
+              <a:t>attr</a:t>
+            </a:r>
+            <a:r>
+              <a:rPr lang="zh-CN" altLang="en-US" dirty="0" smtClean="0"/>
+              <a:t>、</a:t>
+            </a:r>
+            <a:r>
+              <a:rPr lang="en-US" altLang="zh-CN" dirty="0" smtClean="0"/>
+              <a:t>prop</a:t>
             </a:r>
             <a:endParaRPr lang="zh-CN" altLang="en-US" dirty="0"/>
           </a:p>
@@ -5370,8 +5648,8 @@
         </p:blipFill>
         <p:spPr bwMode="auto">
           <a:xfrm>
-            <a:off x="1528763" y="1300163"/>
-            <a:ext cx="6086475" cy="4257675"/>
+            <a:off x="1571604" y="1928802"/>
+            <a:ext cx="6019800" cy="933450"/>
           </a:xfrm>
           <a:prstGeom prst="rect">
             <a:avLst/>
@@ -5386,11 +5664,51 @@
           <a:effectLst/>
         </p:spPr>
       </p:pic>
+      <p:pic>
+        <p:nvPicPr>
+          <p:cNvPr id="3075" name="Picture 3"/>
+          <p:cNvPicPr>
+            <a:picLocks noChangeAspect="1" noChangeArrowheads="1"/>
+          </p:cNvPicPr>
+          <p:nvPr/>
+        </p:nvPicPr>
+        <p:blipFill>
+          <a:blip r:embed="rId3"/>
+          <a:srcRect/>
+          <a:stretch>
+            <a:fillRect/>
+          </a:stretch>
+        </p:blipFill>
+        <p:spPr bwMode="auto">
+          <a:xfrm>
+            <a:off x="1552575" y="2947988"/>
+            <a:ext cx="6038850" cy="962025"/>
+          </a:xfrm>
+          <a:prstGeom prst="rect">
+            <a:avLst/>
+          </a:prstGeom>
+          <a:noFill/>
+          <a:ln w="9525">
+            <a:noFill/>
+            <a:miter lim="800000"/>
+            <a:headEnd/>
+            <a:tailEnd/>
+          </a:ln>
+          <a:effectLst/>
+        </p:spPr>
+      </p:pic>
     </p:spTree>
   </p:cSld>
   <p:clrMapOvr>
     <a:masterClrMapping/>
   </p:clrMapOvr>
+  <p:timing>
+    <p:tnLst>
+      <p:par>
+        <p:cTn id="1" dur="indefinite" restart="never" nodeType="tmRoot"/>
+      </p:par>
+    </p:tnLst>
+  </p:timing>
 </p:sld>
 </file>
 
@@ -5413,25 +5731,6 @@
       </p:grpSpPr>
       <p:sp>
         <p:nvSpPr>
-          <p:cNvPr id="3" name="内容占位符 2"/>
-          <p:cNvSpPr>
-            <a:spLocks noGrp="1"/>
-          </p:cNvSpPr>
-          <p:nvPr>
-            <p:ph idx="1"/>
-          </p:nvPr>
-        </p:nvSpPr>
-        <p:spPr/>
-        <p:txBody>
-          <a:bodyPr/>
-          <a:lstStyle/>
-          <a:p>
-            <a:endParaRPr lang="zh-CN" altLang="en-US"/>
-          </a:p>
-        </p:txBody>
-      </p:sp>
-      <p:sp>
-        <p:nvSpPr>
           <p:cNvPr id="2" name="标题 1"/>
           <p:cNvSpPr>
             <a:spLocks noGrp="1"/>
@@ -5442,14 +5741,12 @@
         </p:nvSpPr>
         <p:spPr/>
         <p:txBody>
-          <a:bodyPr>
-            <a:normAutofit/>
-          </a:bodyPr>
+          <a:bodyPr/>
           <a:lstStyle/>
           <a:p>
             <a:r>
-              <a:rPr lang="zh-CN" altLang="en-US" b="1" dirty="0" smtClean="0"/>
-              <a:t>链式操作</a:t>
+              <a:rPr lang="en-US" altLang="zh-CN" dirty="0" smtClean="0"/>
+              <a:t>access</a:t>
             </a:r>
             <a:endParaRPr lang="zh-CN" altLang="en-US" dirty="0"/>
           </a:p>
@@ -5457,7 +5754,7 @@
       </p:sp>
       <p:pic>
         <p:nvPicPr>
-          <p:cNvPr id="5122" name="Picture 2"/>
+          <p:cNvPr id="2050" name="Picture 2"/>
           <p:cNvPicPr>
             <a:picLocks noChangeAspect="1" noChangeArrowheads="1"/>
           </p:cNvPicPr>
@@ -5472,8 +5769,8 @@
         </p:blipFill>
         <p:spPr bwMode="auto">
           <a:xfrm>
-            <a:off x="1490663" y="1924050"/>
-            <a:ext cx="6162675" cy="3009900"/>
+            <a:off x="3737396" y="0"/>
+            <a:ext cx="5406604" cy="6936775"/>
           </a:xfrm>
           <a:prstGeom prst="rect">
             <a:avLst/>
@@ -5488,11 +5785,188 @@
           <a:effectLst/>
         </p:spPr>
       </p:pic>
+      <p:sp>
+        <p:nvSpPr>
+          <p:cNvPr id="4" name="矩形 3"/>
+          <p:cNvSpPr/>
+          <p:nvPr/>
+        </p:nvSpPr>
+        <p:spPr>
+          <a:xfrm>
+            <a:off x="5072066" y="6500834"/>
+            <a:ext cx="1500198" cy="214314"/>
+          </a:xfrm>
+          <a:prstGeom prst="rect">
+            <a:avLst/>
+          </a:prstGeom>
+          <a:noFill/>
+          <a:ln>
+            <a:solidFill>
+              <a:srgbClr val="FF0000"/>
+            </a:solidFill>
+          </a:ln>
+        </p:spPr>
+        <p:style>
+          <a:lnRef idx="2">
+            <a:schemeClr val="accent1">
+              <a:shade val="50000"/>
+            </a:schemeClr>
+          </a:lnRef>
+          <a:fillRef idx="1">
+            <a:schemeClr val="accent1"/>
+          </a:fillRef>
+          <a:effectRef idx="0">
+            <a:schemeClr val="accent1"/>
+          </a:effectRef>
+          <a:fontRef idx="minor">
+            <a:schemeClr val="lt1"/>
+          </a:fontRef>
+        </p:style>
+        <p:txBody>
+          <a:bodyPr rtlCol="0" anchor="ctr"/>
+          <a:lstStyle/>
+          <a:p>
+            <a:pPr algn="ctr"/>
+            <a:endParaRPr lang="zh-CN" altLang="en-US"/>
+          </a:p>
+        </p:txBody>
+      </p:sp>
+      <p:sp>
+        <p:nvSpPr>
+          <p:cNvPr id="5" name="矩形 4"/>
+          <p:cNvSpPr/>
+          <p:nvPr/>
+        </p:nvSpPr>
+        <p:spPr>
+          <a:xfrm>
+            <a:off x="5000628" y="3786190"/>
+            <a:ext cx="3714776" cy="857256"/>
+          </a:xfrm>
+          <a:prstGeom prst="rect">
+            <a:avLst/>
+          </a:prstGeom>
+          <a:noFill/>
+          <a:ln>
+            <a:solidFill>
+              <a:srgbClr val="FF0000"/>
+            </a:solidFill>
+          </a:ln>
+        </p:spPr>
+        <p:style>
+          <a:lnRef idx="2">
+            <a:schemeClr val="accent1">
+              <a:shade val="50000"/>
+            </a:schemeClr>
+          </a:lnRef>
+          <a:fillRef idx="1">
+            <a:schemeClr val="accent1"/>
+          </a:fillRef>
+          <a:effectRef idx="0">
+            <a:schemeClr val="accent1"/>
+          </a:effectRef>
+          <a:fontRef idx="minor">
+            <a:schemeClr val="lt1"/>
+          </a:fontRef>
+        </p:style>
+        <p:txBody>
+          <a:bodyPr rtlCol="0" anchor="ctr"/>
+          <a:lstStyle/>
+          <a:p>
+            <a:pPr algn="ctr"/>
+            <a:endParaRPr lang="zh-CN" altLang="en-US"/>
+          </a:p>
+        </p:txBody>
+      </p:sp>
+      <p:sp>
+        <p:nvSpPr>
+          <p:cNvPr id="6" name="TextBox 5"/>
+          <p:cNvSpPr txBox="1"/>
+          <p:nvPr/>
+        </p:nvSpPr>
+        <p:spPr>
+          <a:xfrm>
+            <a:off x="714348" y="2071678"/>
+            <a:ext cx="2286016" cy="646331"/>
+          </a:xfrm>
+          <a:prstGeom prst="rect">
+            <a:avLst/>
+          </a:prstGeom>
+          <a:noFill/>
+        </p:spPr>
+        <p:txBody>
+          <a:bodyPr wrap="square" rtlCol="0">
+            <a:spAutoFit/>
+          </a:bodyPr>
+          <a:lstStyle/>
+          <a:p>
+            <a:pPr>
+              <a:buFont typeface="Arial" pitchFamily="34" charset="0"/>
+              <a:buChar char="•"/>
+            </a:pPr>
+            <a:r>
+              <a:rPr lang="zh-CN" altLang="en-US" dirty="0" smtClean="0"/>
+              <a:t>函数重载</a:t>
+            </a:r>
+            <a:endParaRPr lang="en-US" altLang="zh-CN" dirty="0" smtClean="0"/>
+          </a:p>
+          <a:p>
+            <a:pPr>
+              <a:buFont typeface="Arial" pitchFamily="34" charset="0"/>
+              <a:buChar char="•"/>
+            </a:pPr>
+            <a:r>
+              <a:rPr lang="zh-CN" altLang="en-US" dirty="0" smtClean="0"/>
+              <a:t>动态取值</a:t>
+            </a:r>
+            <a:endParaRPr lang="zh-CN" altLang="en-US" dirty="0"/>
+          </a:p>
+        </p:txBody>
+      </p:sp>
+      <p:pic>
+        <p:nvPicPr>
+          <p:cNvPr id="2052" name="Picture 4"/>
+          <p:cNvPicPr>
+            <a:picLocks noChangeAspect="1" noChangeArrowheads="1"/>
+          </p:cNvPicPr>
+          <p:nvPr/>
+        </p:nvPicPr>
+        <p:blipFill>
+          <a:blip r:embed="rId3"/>
+          <a:srcRect/>
+          <a:stretch>
+            <a:fillRect/>
+          </a:stretch>
+        </p:blipFill>
+        <p:spPr bwMode="auto">
+          <a:xfrm>
+            <a:off x="785786" y="4000504"/>
+            <a:ext cx="1428750" cy="1628775"/>
+          </a:xfrm>
+          <a:prstGeom prst="rect">
+            <a:avLst/>
+          </a:prstGeom>
+          <a:noFill/>
+          <a:ln w="9525">
+            <a:noFill/>
+            <a:miter lim="800000"/>
+            <a:headEnd/>
+            <a:tailEnd/>
+          </a:ln>
+          <a:effectLst/>
+        </p:spPr>
+      </p:pic>
     </p:spTree>
   </p:cSld>
   <p:clrMapOvr>
     <a:masterClrMapping/>
   </p:clrMapOvr>
+  <p:timing>
+    <p:tnLst>
+      <p:par>
+        <p:cTn id="1" dur="indefinite" restart="never" nodeType="tmRoot"/>
+      </p:par>
+    </p:tnLst>
+  </p:timing>
 </p:sld>
 </file>
 
@@ -5515,25 +5989,6 @@
       </p:grpSpPr>
       <p:sp>
         <p:nvSpPr>
-          <p:cNvPr id="3" name="内容占位符 2"/>
-          <p:cNvSpPr>
-            <a:spLocks noGrp="1"/>
-          </p:cNvSpPr>
-          <p:nvPr>
-            <p:ph idx="1"/>
-          </p:nvPr>
-        </p:nvSpPr>
-        <p:spPr/>
-        <p:txBody>
-          <a:bodyPr/>
-          <a:lstStyle/>
-          <a:p>
-            <a:endParaRPr lang="zh-CN" altLang="en-US"/>
-          </a:p>
-        </p:txBody>
-      </p:sp>
-      <p:sp>
-        <p:nvSpPr>
           <p:cNvPr id="2" name="标题 1"/>
           <p:cNvSpPr>
             <a:spLocks noGrp="1"/>
@@ -5544,14 +5999,16 @@
         </p:nvSpPr>
         <p:spPr/>
         <p:txBody>
-          <a:bodyPr>
-            <a:normAutofit/>
-          </a:bodyPr>
+          <a:bodyPr/>
           <a:lstStyle/>
           <a:p>
             <a:r>
-              <a:rPr lang="zh-CN" altLang="en-US" b="1" dirty="0" smtClean="0"/>
-              <a:t>维持代码的可读性</a:t>
+              <a:rPr lang="en-US" altLang="zh-CN" dirty="0" smtClean="0"/>
+              <a:t>$.</a:t>
+            </a:r>
+            <a:r>
+              <a:rPr lang="en-US" altLang="zh-CN" dirty="0" err="1" smtClean="0"/>
+              <a:t>attr</a:t>
             </a:r>
             <a:endParaRPr lang="zh-CN" altLang="en-US" dirty="0"/>
           </a:p>
@@ -5574,8 +6031,8 @@
         </p:blipFill>
         <p:spPr bwMode="auto">
           <a:xfrm>
-            <a:off x="1581150" y="1881188"/>
-            <a:ext cx="5981700" cy="3095625"/>
+            <a:off x="2214546" y="869697"/>
+            <a:ext cx="6929454" cy="5988303"/>
           </a:xfrm>
           <a:prstGeom prst="rect">
             <a:avLst/>
@@ -5590,11 +6047,110 @@
           <a:effectLst/>
         </p:spPr>
       </p:pic>
+      <p:sp>
+        <p:nvSpPr>
+          <p:cNvPr id="4" name="矩形 3"/>
+          <p:cNvSpPr/>
+          <p:nvPr/>
+        </p:nvSpPr>
+        <p:spPr>
+          <a:xfrm>
+            <a:off x="3286116" y="4814886"/>
+            <a:ext cx="2786250" cy="185750"/>
+          </a:xfrm>
+          <a:prstGeom prst="rect">
+            <a:avLst/>
+          </a:prstGeom>
+          <a:noFill/>
+          <a:ln>
+            <a:solidFill>
+              <a:srgbClr val="FF0000"/>
+            </a:solidFill>
+          </a:ln>
+        </p:spPr>
+        <p:style>
+          <a:lnRef idx="2">
+            <a:schemeClr val="accent1">
+              <a:shade val="50000"/>
+            </a:schemeClr>
+          </a:lnRef>
+          <a:fillRef idx="1">
+            <a:schemeClr val="accent1"/>
+          </a:fillRef>
+          <a:effectRef idx="0">
+            <a:schemeClr val="accent1"/>
+          </a:effectRef>
+          <a:fontRef idx="minor">
+            <a:schemeClr val="lt1"/>
+          </a:fontRef>
+        </p:style>
+        <p:txBody>
+          <a:bodyPr rtlCol="0" anchor="ctr"/>
+          <a:lstStyle/>
+          <a:p>
+            <a:pPr algn="ctr"/>
+            <a:endParaRPr lang="zh-CN" altLang="en-US"/>
+          </a:p>
+        </p:txBody>
+      </p:sp>
+      <p:sp>
+        <p:nvSpPr>
+          <p:cNvPr id="5" name="矩形 4"/>
+          <p:cNvSpPr/>
+          <p:nvPr/>
+        </p:nvSpPr>
+        <p:spPr>
+          <a:xfrm>
+            <a:off x="3143072" y="5929330"/>
+            <a:ext cx="2786250" cy="185750"/>
+          </a:xfrm>
+          <a:prstGeom prst="rect">
+            <a:avLst/>
+          </a:prstGeom>
+          <a:noFill/>
+          <a:ln>
+            <a:solidFill>
+              <a:srgbClr val="FF0000"/>
+            </a:solidFill>
+          </a:ln>
+        </p:spPr>
+        <p:style>
+          <a:lnRef idx="2">
+            <a:schemeClr val="accent1">
+              <a:shade val="50000"/>
+            </a:schemeClr>
+          </a:lnRef>
+          <a:fillRef idx="1">
+            <a:schemeClr val="accent1"/>
+          </a:fillRef>
+          <a:effectRef idx="0">
+            <a:schemeClr val="accent1"/>
+          </a:effectRef>
+          <a:fontRef idx="minor">
+            <a:schemeClr val="lt1"/>
+          </a:fontRef>
+        </p:style>
+        <p:txBody>
+          <a:bodyPr rtlCol="0" anchor="ctr"/>
+          <a:lstStyle/>
+          <a:p>
+            <a:pPr algn="ctr"/>
+            <a:endParaRPr lang="zh-CN" altLang="en-US"/>
+          </a:p>
+        </p:txBody>
+      </p:sp>
     </p:spTree>
   </p:cSld>
   <p:clrMapOvr>
     <a:masterClrMapping/>
   </p:clrMapOvr>
+  <p:timing>
+    <p:tnLst>
+      <p:par>
+        <p:cTn id="1" dur="indefinite" restart="never" nodeType="tmRoot"/>
+      </p:par>
+    </p:tnLst>
+  </p:timing>
 </p:sld>
 </file>
 
@@ -5617,25 +6173,6 @@
       </p:grpSpPr>
       <p:sp>
         <p:nvSpPr>
-          <p:cNvPr id="3" name="内容占位符 2"/>
-          <p:cNvSpPr>
-            <a:spLocks noGrp="1"/>
-          </p:cNvSpPr>
-          <p:nvPr>
-            <p:ph idx="1"/>
-          </p:nvPr>
-        </p:nvSpPr>
-        <p:spPr/>
-        <p:txBody>
-          <a:bodyPr/>
-          <a:lstStyle/>
-          <a:p>
-            <a:endParaRPr lang="zh-CN" altLang="en-US"/>
-          </a:p>
-        </p:txBody>
-      </p:sp>
-      <p:sp>
-        <p:nvSpPr>
           <p:cNvPr id="2" name="标题 1"/>
           <p:cNvSpPr>
             <a:spLocks noGrp="1"/>
@@ -5646,14 +6183,12 @@
         </p:nvSpPr>
         <p:spPr/>
         <p:txBody>
-          <a:bodyPr>
-            <a:normAutofit/>
-          </a:bodyPr>
+          <a:bodyPr/>
           <a:lstStyle/>
           <a:p>
             <a:r>
-              <a:rPr lang="zh-CN" altLang="en-US" b="1" dirty="0" smtClean="0"/>
-              <a:t>繁重的操作中分离元素</a:t>
+              <a:rPr lang="en-US" altLang="zh-CN" dirty="0" smtClean="0"/>
+              <a:t>$.prop</a:t>
             </a:r>
             <a:endParaRPr lang="zh-CN" altLang="en-US" dirty="0"/>
           </a:p>
@@ -5661,7 +6196,7 @@
       </p:sp>
       <p:pic>
         <p:nvPicPr>
-          <p:cNvPr id="6146" name="Picture 2"/>
+          <p:cNvPr id="5122" name="Picture 2"/>
           <p:cNvPicPr>
             <a:picLocks noChangeAspect="1" noChangeArrowheads="1"/>
           </p:cNvPicPr>
@@ -5676,8 +6211,8 @@
         </p:blipFill>
         <p:spPr bwMode="auto">
           <a:xfrm>
-            <a:off x="1428728" y="1357298"/>
-            <a:ext cx="6296025" cy="4762500"/>
+            <a:off x="976313" y="1404938"/>
+            <a:ext cx="7191375" cy="4048125"/>
           </a:xfrm>
           <a:prstGeom prst="rect">
             <a:avLst/>
@@ -5692,11 +6227,110 @@
           <a:effectLst/>
         </p:spPr>
       </p:pic>
+      <p:sp>
+        <p:nvSpPr>
+          <p:cNvPr id="4" name="矩形 3"/>
+          <p:cNvSpPr/>
+          <p:nvPr/>
+        </p:nvSpPr>
+        <p:spPr>
+          <a:xfrm>
+            <a:off x="1928794" y="4071942"/>
+            <a:ext cx="3214710" cy="214314"/>
+          </a:xfrm>
+          <a:prstGeom prst="rect">
+            <a:avLst/>
+          </a:prstGeom>
+          <a:noFill/>
+          <a:ln>
+            <a:solidFill>
+              <a:srgbClr val="FF0000"/>
+            </a:solidFill>
+          </a:ln>
+        </p:spPr>
+        <p:style>
+          <a:lnRef idx="2">
+            <a:schemeClr val="accent1">
+              <a:shade val="50000"/>
+            </a:schemeClr>
+          </a:lnRef>
+          <a:fillRef idx="1">
+            <a:schemeClr val="accent1"/>
+          </a:fillRef>
+          <a:effectRef idx="0">
+            <a:schemeClr val="accent1"/>
+          </a:effectRef>
+          <a:fontRef idx="minor">
+            <a:schemeClr val="lt1"/>
+          </a:fontRef>
+        </p:style>
+        <p:txBody>
+          <a:bodyPr rtlCol="0" anchor="ctr"/>
+          <a:lstStyle/>
+          <a:p>
+            <a:pPr algn="ctr"/>
+            <a:endParaRPr lang="zh-CN" altLang="en-US"/>
+          </a:p>
+        </p:txBody>
+      </p:sp>
+      <p:sp>
+        <p:nvSpPr>
+          <p:cNvPr id="5" name="矩形 4"/>
+          <p:cNvSpPr/>
+          <p:nvPr/>
+        </p:nvSpPr>
+        <p:spPr>
+          <a:xfrm>
+            <a:off x="1643042" y="5072074"/>
+            <a:ext cx="1785950" cy="214314"/>
+          </a:xfrm>
+          <a:prstGeom prst="rect">
+            <a:avLst/>
+          </a:prstGeom>
+          <a:noFill/>
+          <a:ln>
+            <a:solidFill>
+              <a:srgbClr val="FF0000"/>
+            </a:solidFill>
+          </a:ln>
+        </p:spPr>
+        <p:style>
+          <a:lnRef idx="2">
+            <a:schemeClr val="accent1">
+              <a:shade val="50000"/>
+            </a:schemeClr>
+          </a:lnRef>
+          <a:fillRef idx="1">
+            <a:schemeClr val="accent1"/>
+          </a:fillRef>
+          <a:effectRef idx="0">
+            <a:schemeClr val="accent1"/>
+          </a:effectRef>
+          <a:fontRef idx="minor">
+            <a:schemeClr val="lt1"/>
+          </a:fontRef>
+        </p:style>
+        <p:txBody>
+          <a:bodyPr rtlCol="0" anchor="ctr"/>
+          <a:lstStyle/>
+          <a:p>
+            <a:pPr algn="ctr"/>
+            <a:endParaRPr lang="zh-CN" altLang="en-US"/>
+          </a:p>
+        </p:txBody>
+      </p:sp>
     </p:spTree>
   </p:cSld>
   <p:clrMapOvr>
     <a:masterClrMapping/>
   </p:clrMapOvr>
+  <p:timing>
+    <p:tnLst>
+      <p:par>
+        <p:cTn id="1" dur="indefinite" restart="never" nodeType="tmRoot"/>
+      </p:par>
+    </p:tnLst>
+  </p:timing>
 </p:sld>
 </file>
 
@@ -5817,11 +6451,51 @@
           </a:p>
         </p:txBody>
       </p:sp>
+      <p:pic>
+        <p:nvPicPr>
+          <p:cNvPr id="4" name="Picture 2"/>
+          <p:cNvPicPr>
+            <a:picLocks noChangeAspect="1" noChangeArrowheads="1"/>
+          </p:cNvPicPr>
+          <p:nvPr/>
+        </p:nvPicPr>
+        <p:blipFill>
+          <a:blip r:embed="rId2"/>
+          <a:srcRect/>
+          <a:stretch>
+            <a:fillRect/>
+          </a:stretch>
+        </p:blipFill>
+        <p:spPr bwMode="auto">
+          <a:xfrm>
+            <a:off x="5429256" y="1285860"/>
+            <a:ext cx="1590675" cy="4600575"/>
+          </a:xfrm>
+          <a:prstGeom prst="rect">
+            <a:avLst/>
+          </a:prstGeom>
+          <a:noFill/>
+          <a:ln w="9525">
+            <a:noFill/>
+            <a:miter lim="800000"/>
+            <a:headEnd/>
+            <a:tailEnd/>
+          </a:ln>
+          <a:effectLst/>
+        </p:spPr>
+      </p:pic>
     </p:spTree>
   </p:cSld>
   <p:clrMapOvr>
     <a:masterClrMapping/>
   </p:clrMapOvr>
+  <p:timing>
+    <p:tnLst>
+      <p:par>
+        <p:cTn id="1" dur="indefinite" restart="never" nodeType="tmRoot"/>
+      </p:par>
+    </p:tnLst>
+  </p:timing>
 </p:sld>
 </file>
 
@@ -5844,97 +6518,6 @@
       </p:grpSpPr>
       <p:sp>
         <p:nvSpPr>
-          <p:cNvPr id="3" name="内容占位符 2"/>
-          <p:cNvSpPr>
-            <a:spLocks noGrp="1"/>
-          </p:cNvSpPr>
-          <p:nvPr>
-            <p:ph idx="1"/>
-          </p:nvPr>
-        </p:nvSpPr>
-        <p:spPr/>
-        <p:txBody>
-          <a:bodyPr>
-            <a:normAutofit/>
-          </a:bodyPr>
-          <a:lstStyle/>
-          <a:p>
-            <a:r>
-              <a:rPr lang="en-US" altLang="zh-CN" dirty="0" smtClean="0"/>
-              <a:t>$</a:t>
-            </a:r>
-          </a:p>
-          <a:p>
-            <a:r>
-              <a:rPr lang="en-US" altLang="zh-CN" dirty="0" smtClean="0"/>
-              <a:t>$.each</a:t>
-            </a:r>
-          </a:p>
-          <a:p>
-            <a:r>
-              <a:rPr lang="en-US" altLang="zh-CN" dirty="0" smtClean="0"/>
-              <a:t>$.extend</a:t>
-            </a:r>
-          </a:p>
-          <a:p>
-            <a:r>
-              <a:rPr lang="en-US" altLang="zh-CN" dirty="0" smtClean="0"/>
-              <a:t>$().</a:t>
-            </a:r>
-            <a:r>
-              <a:rPr lang="en-US" altLang="zh-CN" dirty="0" err="1" smtClean="0"/>
-              <a:t>attr</a:t>
-            </a:r>
-            <a:r>
-              <a:rPr lang="en-US" altLang="zh-CN" dirty="0" smtClean="0"/>
-              <a:t>()</a:t>
-            </a:r>
-          </a:p>
-          <a:p>
-            <a:r>
-              <a:rPr lang="en-US" altLang="zh-CN" dirty="0" smtClean="0"/>
-              <a:t>$().</a:t>
-            </a:r>
-            <a:r>
-              <a:rPr lang="en-US" altLang="zh-CN" dirty="0" err="1" smtClean="0"/>
-              <a:t>css</a:t>
-            </a:r>
-            <a:r>
-              <a:rPr lang="en-US" altLang="zh-CN" dirty="0" smtClean="0"/>
-              <a:t>()</a:t>
-            </a:r>
-          </a:p>
-          <a:p>
-            <a:r>
-              <a:rPr lang="en-US" altLang="zh-CN" dirty="0" smtClean="0"/>
-              <a:t>$().html()</a:t>
-            </a:r>
-          </a:p>
-          <a:p>
-            <a:r>
-              <a:rPr lang="en-US" altLang="zh-CN" dirty="0" smtClean="0"/>
-              <a:t>$().bind()</a:t>
-            </a:r>
-          </a:p>
-          <a:p>
-            <a:r>
-              <a:rPr lang="en-US" altLang="zh-CN" dirty="0" smtClean="0"/>
-              <a:t>$().animate()</a:t>
-            </a:r>
-          </a:p>
-          <a:p>
-            <a:r>
-              <a:rPr lang="en-US" altLang="zh-CN" dirty="0" smtClean="0"/>
-              <a:t>$().get()</a:t>
-            </a:r>
-          </a:p>
-          <a:p>
-            <a:endParaRPr lang="zh-CN" altLang="en-US" dirty="0"/>
-          </a:p>
-        </p:txBody>
-      </p:sp>
-      <p:sp>
-        <p:nvSpPr>
           <p:cNvPr id="2" name="标题 1"/>
           <p:cNvSpPr>
             <a:spLocks noGrp="1"/>
@@ -5949,18 +6532,179 @@
           <a:lstStyle/>
           <a:p>
             <a:r>
+              <a:rPr lang="en-US" altLang="zh-CN" dirty="0" smtClean="0"/>
+              <a:t>hook</a:t>
+            </a:r>
+            <a:endParaRPr lang="zh-CN" altLang="en-US" dirty="0"/>
+          </a:p>
+        </p:txBody>
+      </p:sp>
+      <p:pic>
+        <p:nvPicPr>
+          <p:cNvPr id="6146" name="Picture 2"/>
+          <p:cNvPicPr>
+            <a:picLocks noChangeAspect="1" noChangeArrowheads="1"/>
+          </p:cNvPicPr>
+          <p:nvPr/>
+        </p:nvPicPr>
+        <p:blipFill>
+          <a:blip r:embed="rId2"/>
+          <a:srcRect/>
+          <a:stretch>
+            <a:fillRect/>
+          </a:stretch>
+        </p:blipFill>
+        <p:spPr bwMode="auto">
+          <a:xfrm>
+            <a:off x="4357686" y="0"/>
+            <a:ext cx="4786314" cy="2746539"/>
+          </a:xfrm>
+          <a:prstGeom prst="rect">
+            <a:avLst/>
+          </a:prstGeom>
+          <a:noFill/>
+          <a:ln w="9525">
+            <a:noFill/>
+            <a:miter lim="800000"/>
+            <a:headEnd/>
+            <a:tailEnd/>
+          </a:ln>
+          <a:effectLst/>
+        </p:spPr>
+      </p:pic>
+      <p:pic>
+        <p:nvPicPr>
+          <p:cNvPr id="6147" name="Picture 3"/>
+          <p:cNvPicPr>
+            <a:picLocks noChangeAspect="1" noChangeArrowheads="1"/>
+          </p:cNvPicPr>
+          <p:nvPr/>
+        </p:nvPicPr>
+        <p:blipFill>
+          <a:blip r:embed="rId3"/>
+          <a:srcRect/>
+          <a:stretch>
+            <a:fillRect/>
+          </a:stretch>
+        </p:blipFill>
+        <p:spPr bwMode="auto">
+          <a:xfrm>
+            <a:off x="4000496" y="2024880"/>
+            <a:ext cx="5143504" cy="4833120"/>
+          </a:xfrm>
+          <a:prstGeom prst="rect">
+            <a:avLst/>
+          </a:prstGeom>
+          <a:noFill/>
+          <a:ln w="9525">
+            <a:noFill/>
+            <a:miter lim="800000"/>
+            <a:headEnd/>
+            <a:tailEnd/>
+          </a:ln>
+          <a:effectLst/>
+        </p:spPr>
+      </p:pic>
+      <p:sp>
+        <p:nvSpPr>
+          <p:cNvPr id="7" name="矩形 6"/>
+          <p:cNvSpPr/>
+          <p:nvPr/>
+        </p:nvSpPr>
+        <p:spPr>
+          <a:xfrm>
+            <a:off x="428596" y="1714488"/>
+            <a:ext cx="2786082" cy="3693319"/>
+          </a:xfrm>
+          <a:prstGeom prst="rect">
+            <a:avLst/>
+          </a:prstGeom>
+        </p:spPr>
+        <p:txBody>
+          <a:bodyPr wrap="square">
+            <a:spAutoFit/>
+          </a:bodyPr>
+          <a:lstStyle/>
+          <a:p>
+            <a:r>
+              <a:rPr lang="zh-CN" altLang="en-US" i="1" dirty="0" smtClean="0"/>
+              <a:t>钩子就是适配器原理，或者说是表驱动</a:t>
+            </a:r>
+            <a:r>
+              <a:rPr lang="zh-CN" altLang="en-US" i="1" dirty="0" smtClean="0"/>
+              <a:t>原理，用来优化判断逻辑</a:t>
+            </a:r>
+            <a:endParaRPr lang="en-US" altLang="zh-CN" i="1" dirty="0" smtClean="0"/>
+          </a:p>
+          <a:p>
+            <a:endParaRPr lang="en-US" altLang="zh-CN" i="1" dirty="0" smtClean="0"/>
+          </a:p>
+          <a:p>
+            <a:pPr marL="342900" indent="-342900">
+              <a:buFont typeface="+mj-lt"/>
+              <a:buAutoNum type="arabicPeriod"/>
+            </a:pPr>
+            <a:r>
               <a:rPr lang="zh-CN" altLang="en-US" dirty="0" smtClean="0"/>
-              <a:t>核心</a:t>
-            </a:r>
-            <a:r>
-              <a:rPr lang="en-US" altLang="zh-CN" dirty="0" err="1" smtClean="0"/>
-              <a:t>api</a:t>
-            </a:r>
+              <a:t>适配器这种模式对于扩展新功能非常有利</a:t>
+            </a:r>
+          </a:p>
+          <a:p>
+            <a:pPr marL="342900" indent="-342900">
+              <a:buFont typeface="+mj-lt"/>
+              <a:buAutoNum type="arabicPeriod"/>
+            </a:pPr>
             <a:r>
               <a:rPr lang="zh-CN" altLang="en-US" dirty="0" smtClean="0"/>
-              <a:t>原理</a:t>
-            </a:r>
-            <a:endParaRPr lang="zh-CN" altLang="en-US" dirty="0"/>
+              <a:t>如果采用钩子处理的话，我们就省去了一大堆</a:t>
+            </a:r>
+            <a:r>
+              <a:rPr lang="en-US" altLang="zh-CN" dirty="0" smtClean="0"/>
+              <a:t>if else</a:t>
+            </a:r>
+            <a:r>
+              <a:rPr lang="zh-CN" altLang="en-US" dirty="0" smtClean="0"/>
+              <a:t>的分支判断</a:t>
+            </a:r>
+          </a:p>
+          <a:p>
+            <a:pPr marL="342900" indent="-342900">
+              <a:buFont typeface="+mj-lt"/>
+              <a:buAutoNum type="arabicPeriod"/>
+            </a:pPr>
+            <a:r>
+              <a:rPr lang="zh-CN" altLang="en-US" dirty="0" smtClean="0"/>
+              <a:t>由于</a:t>
+            </a:r>
+            <a:r>
+              <a:rPr lang="en-US" altLang="zh-CN" dirty="0" smtClean="0"/>
+              <a:t>JS</a:t>
+            </a:r>
+            <a:r>
+              <a:rPr lang="zh-CN" altLang="en-US" dirty="0" smtClean="0"/>
+              <a:t>用对象做为表进行查找是比</a:t>
+            </a:r>
+            <a:r>
+              <a:rPr lang="en-US" altLang="zh-CN" dirty="0" smtClean="0"/>
+              <a:t>if</a:t>
+            </a:r>
+            <a:r>
+              <a:rPr lang="zh-CN" altLang="en-US" dirty="0" smtClean="0"/>
+              <a:t>条句与</a:t>
+            </a:r>
+            <a:r>
+              <a:rPr lang="en-US" altLang="zh-CN" dirty="0" smtClean="0"/>
+              <a:t>switch</a:t>
+            </a:r>
+            <a:r>
+              <a:rPr lang="zh-CN" altLang="en-US" dirty="0" smtClean="0"/>
+              <a:t>语句快</a:t>
+            </a:r>
+            <a:r>
+              <a:rPr lang="zh-CN" altLang="en-US" dirty="0" smtClean="0"/>
+              <a:t>很多</a:t>
+            </a:r>
+            <a:endParaRPr lang="zh-CN" altLang="en-US" dirty="0" smtClean="0"/>
           </a:p>
         </p:txBody>
       </p:sp>
@@ -5969,6 +6713,13 @@
   <p:clrMapOvr>
     <a:masterClrMapping/>
   </p:clrMapOvr>
+  <p:timing>
+    <p:tnLst>
+      <p:par>
+        <p:cTn id="1" dur="indefinite" restart="never" nodeType="tmRoot"/>
+      </p:par>
+    </p:tnLst>
+  </p:timing>
 </p:sld>
 </file>
 
@@ -5989,359 +6740,6 @@
           <a:chExt cx="0" cy="0"/>
         </a:xfrm>
       </p:grpSpPr>
-      <p:graphicFrame>
-        <p:nvGraphicFramePr>
-          <p:cNvPr id="4" name="内容占位符 3"/>
-          <p:cNvGraphicFramePr>
-            <a:graphicFrameLocks noGrp="1"/>
-          </p:cNvGraphicFramePr>
-          <p:nvPr>
-            <p:ph idx="1"/>
-          </p:nvPr>
-        </p:nvGraphicFramePr>
-        <p:xfrm>
-          <a:off x="457200" y="1481138"/>
-          <a:ext cx="8229600" cy="2966720"/>
-        </p:xfrm>
-        <a:graphic>
-          <a:graphicData uri="http://schemas.openxmlformats.org/drawingml/2006/table">
-            <a:tbl>
-              <a:tblPr firstRow="1" bandRow="1">
-                <a:tableStyleId>{5C22544A-7EE6-4342-B048-85BDC9FD1C3A}</a:tableStyleId>
-              </a:tblPr>
-              <a:tblGrid>
-                <a:gridCol w="2743200"/>
-                <a:gridCol w="2743200"/>
-                <a:gridCol w="2743200"/>
-              </a:tblGrid>
-              <a:tr h="370840">
-                <a:tc>
-                  <a:txBody>
-                    <a:bodyPr/>
-                    <a:lstStyle/>
-                    <a:p>
-                      <a:endParaRPr lang="zh-CN" altLang="en-US" dirty="0"/>
-                    </a:p>
-                  </a:txBody>
-                  <a:tcPr/>
-                </a:tc>
-                <a:tc>
-                  <a:txBody>
-                    <a:bodyPr/>
-                    <a:lstStyle/>
-                    <a:p>
-                      <a:endParaRPr lang="zh-CN" altLang="en-US"/>
-                    </a:p>
-                  </a:txBody>
-                  <a:tcPr/>
-                </a:tc>
-                <a:tc>
-                  <a:txBody>
-                    <a:bodyPr/>
-                    <a:lstStyle/>
-                    <a:p>
-                      <a:endParaRPr lang="zh-CN" altLang="en-US"/>
-                    </a:p>
-                  </a:txBody>
-                  <a:tcPr/>
-                </a:tc>
-              </a:tr>
-              <a:tr h="370840">
-                <a:tc>
-                  <a:txBody>
-                    <a:bodyPr/>
-                    <a:lstStyle/>
-                    <a:p>
-                      <a:r>
-                        <a:rPr lang="en-US" altLang="zh-CN" dirty="0" smtClean="0"/>
-                        <a:t>Document</a:t>
-                      </a:r>
-                      <a:endParaRPr lang="zh-CN" altLang="en-US" dirty="0"/>
-                    </a:p>
-                  </a:txBody>
-                  <a:tcPr/>
-                </a:tc>
-                <a:tc>
-                  <a:txBody>
-                    <a:bodyPr/>
-                    <a:lstStyle/>
-                    <a:p>
-                      <a:endParaRPr lang="zh-CN" altLang="en-US" dirty="0"/>
-                    </a:p>
-                  </a:txBody>
-                  <a:tcPr/>
-                </a:tc>
-                <a:tc>
-                  <a:txBody>
-                    <a:bodyPr/>
-                    <a:lstStyle/>
-                    <a:p>
-                      <a:r>
-                        <a:rPr lang="en-US" altLang="zh-CN" smtClean="0"/>
-                        <a:t>This[0]=</a:t>
-                      </a:r>
-                      <a:r>
-                        <a:rPr lang="en-US" altLang="zh-CN" dirty="0" smtClean="0"/>
-                        <a:t>document</a:t>
-                      </a:r>
-                      <a:endParaRPr lang="zh-CN" altLang="en-US" dirty="0"/>
-                    </a:p>
-                  </a:txBody>
-                  <a:tcPr/>
-                </a:tc>
-              </a:tr>
-              <a:tr h="370840">
-                <a:tc>
-                  <a:txBody>
-                    <a:bodyPr/>
-                    <a:lstStyle/>
-                    <a:p>
-                      <a:r>
-                        <a:rPr lang="en-US" altLang="zh-CN" dirty="0" smtClean="0"/>
-                        <a:t>node</a:t>
-                      </a:r>
-                      <a:endParaRPr lang="zh-CN" altLang="en-US" dirty="0"/>
-                    </a:p>
-                  </a:txBody>
-                  <a:tcPr/>
-                </a:tc>
-                <a:tc>
-                  <a:txBody>
-                    <a:bodyPr/>
-                    <a:lstStyle/>
-                    <a:p>
-                      <a:endParaRPr lang="zh-CN" altLang="en-US" dirty="0"/>
-                    </a:p>
-                  </a:txBody>
-                  <a:tcPr/>
-                </a:tc>
-                <a:tc>
-                  <a:txBody>
-                    <a:bodyPr/>
-                    <a:lstStyle/>
-                    <a:p>
-                      <a:r>
-                        <a:rPr lang="en-US" altLang="zh-CN" dirty="0" smtClean="0"/>
-                        <a:t>This[0]=</a:t>
-                      </a:r>
-                      <a:r>
-                        <a:rPr lang="en-US" altLang="zh-CN" baseline="0" dirty="0" smtClean="0"/>
-                        <a:t>node</a:t>
-                      </a:r>
-                      <a:endParaRPr lang="zh-CN" altLang="en-US" dirty="0"/>
-                    </a:p>
-                  </a:txBody>
-                  <a:tcPr/>
-                </a:tc>
-              </a:tr>
-              <a:tr h="370840">
-                <a:tc>
-                  <a:txBody>
-                    <a:bodyPr/>
-                    <a:lstStyle/>
-                    <a:p>
-                      <a:r>
-                        <a:rPr lang="en-US" altLang="zh-CN" dirty="0" smtClean="0"/>
-                        <a:t>nodes</a:t>
-                      </a:r>
-                      <a:endParaRPr lang="zh-CN" altLang="en-US" dirty="0"/>
-                    </a:p>
-                  </a:txBody>
-                  <a:tcPr/>
-                </a:tc>
-                <a:tc>
-                  <a:txBody>
-                    <a:bodyPr/>
-                    <a:lstStyle/>
-                    <a:p>
-                      <a:endParaRPr lang="zh-CN" altLang="en-US" dirty="0"/>
-                    </a:p>
-                  </a:txBody>
-                  <a:tcPr/>
-                </a:tc>
-                <a:tc>
-                  <a:txBody>
-                    <a:bodyPr/>
-                    <a:lstStyle/>
-                    <a:p>
-                      <a:r>
-                        <a:rPr lang="en-US" altLang="zh-CN" dirty="0" smtClean="0"/>
-                        <a:t>This[]=nodes </a:t>
-                      </a:r>
-                      <a:endParaRPr lang="zh-CN" altLang="en-US" dirty="0"/>
-                    </a:p>
-                  </a:txBody>
-                  <a:tcPr/>
-                </a:tc>
-              </a:tr>
-              <a:tr h="370840">
-                <a:tc>
-                  <a:txBody>
-                    <a:bodyPr/>
-                    <a:lstStyle/>
-                    <a:p>
-                      <a:r>
-                        <a:rPr lang="en-US" altLang="zh-CN" dirty="0" err="1" smtClean="0"/>
-                        <a:t>nodeString</a:t>
-                      </a:r>
-                      <a:endParaRPr lang="zh-CN" altLang="en-US" dirty="0"/>
-                    </a:p>
-                  </a:txBody>
-                  <a:tcPr/>
-                </a:tc>
-                <a:tc>
-                  <a:txBody>
-                    <a:bodyPr/>
-                    <a:lstStyle/>
-                    <a:p>
-                      <a:endParaRPr lang="zh-CN" altLang="en-US" dirty="0"/>
-                    </a:p>
-                  </a:txBody>
-                  <a:tcPr/>
-                </a:tc>
-                <a:tc>
-                  <a:txBody>
-                    <a:bodyPr/>
-                    <a:lstStyle/>
-                    <a:p>
-                      <a:r>
-                        <a:rPr lang="en-US" altLang="zh-CN" dirty="0" smtClean="0"/>
-                        <a:t>This[0]=node</a:t>
-                      </a:r>
-                      <a:endParaRPr lang="zh-CN" altLang="en-US" dirty="0"/>
-                    </a:p>
-                  </a:txBody>
-                  <a:tcPr/>
-                </a:tc>
-              </a:tr>
-              <a:tr h="370840">
-                <a:tc>
-                  <a:txBody>
-                    <a:bodyPr/>
-                    <a:lstStyle/>
-                    <a:p>
-                      <a:r>
-                        <a:rPr lang="en-US" altLang="zh-CN" dirty="0" smtClean="0"/>
-                        <a:t>selector</a:t>
-                      </a:r>
-                      <a:endParaRPr lang="zh-CN" altLang="en-US" dirty="0"/>
-                    </a:p>
-                  </a:txBody>
-                  <a:tcPr/>
-                </a:tc>
-                <a:tc>
-                  <a:txBody>
-                    <a:bodyPr/>
-                    <a:lstStyle/>
-                    <a:p>
-                      <a:r>
-                        <a:rPr lang="en-US" altLang="zh-CN" dirty="0" smtClean="0"/>
-                        <a:t>nodes</a:t>
-                      </a:r>
-                      <a:endParaRPr lang="zh-CN" altLang="en-US" dirty="0"/>
-                    </a:p>
-                  </a:txBody>
-                  <a:tcPr/>
-                </a:tc>
-                <a:tc>
-                  <a:txBody>
-                    <a:bodyPr/>
-                    <a:lstStyle/>
-                    <a:p>
-                      <a:r>
-                        <a:rPr lang="en-US" altLang="zh-CN" dirty="0" smtClean="0"/>
-                        <a:t>This[]=nodes</a:t>
-                      </a:r>
-                      <a:endParaRPr lang="zh-CN" altLang="en-US" dirty="0"/>
-                    </a:p>
-                  </a:txBody>
-                  <a:tcPr/>
-                </a:tc>
-              </a:tr>
-              <a:tr h="370840">
-                <a:tc>
-                  <a:txBody>
-                    <a:bodyPr/>
-                    <a:lstStyle/>
-                    <a:p>
-                      <a:r>
-                        <a:rPr lang="en-US" altLang="zh-CN" dirty="0" err="1" smtClean="0"/>
-                        <a:t>Selector,context</a:t>
-                      </a:r>
-                      <a:endParaRPr lang="zh-CN" altLang="en-US" dirty="0"/>
-                    </a:p>
-                  </a:txBody>
-                  <a:tcPr/>
-                </a:tc>
-                <a:tc>
-                  <a:txBody>
-                    <a:bodyPr/>
-                    <a:lstStyle/>
-                    <a:p>
-                      <a:r>
-                        <a:rPr lang="en-US" altLang="zh-CN" dirty="0" smtClean="0"/>
-                        <a:t>nodes</a:t>
-                      </a:r>
-                      <a:endParaRPr lang="zh-CN" altLang="en-US" dirty="0"/>
-                    </a:p>
-                  </a:txBody>
-                  <a:tcPr/>
-                </a:tc>
-                <a:tc>
-                  <a:txBody>
-                    <a:bodyPr/>
-                    <a:lstStyle/>
-                    <a:p>
-                      <a:r>
-                        <a:rPr lang="en-US" altLang="zh-CN" dirty="0" smtClean="0"/>
-                        <a:t>This[]=nodes</a:t>
-                      </a:r>
-                      <a:endParaRPr lang="zh-CN" altLang="en-US" dirty="0"/>
-                    </a:p>
-                  </a:txBody>
-                  <a:tcPr/>
-                </a:tc>
-              </a:tr>
-              <a:tr h="370840">
-                <a:tc>
-                  <a:txBody>
-                    <a:bodyPr/>
-                    <a:lstStyle/>
-                    <a:p>
-                      <a:r>
-                        <a:rPr lang="en-US" altLang="zh-CN" dirty="0" err="1" smtClean="0"/>
-                        <a:t>nodeList</a:t>
-                      </a:r>
-                      <a:endParaRPr lang="zh-CN" altLang="en-US" dirty="0"/>
-                    </a:p>
-                  </a:txBody>
-                  <a:tcPr/>
-                </a:tc>
-                <a:tc>
-                  <a:txBody>
-                    <a:bodyPr/>
-                    <a:lstStyle/>
-                    <a:p>
-                      <a:endParaRPr lang="zh-CN" altLang="en-US" dirty="0"/>
-                    </a:p>
-                  </a:txBody>
-                  <a:tcPr/>
-                </a:tc>
-                <a:tc>
-                  <a:txBody>
-                    <a:bodyPr/>
-                    <a:lstStyle/>
-                    <a:p>
-                      <a:endParaRPr lang="zh-CN" altLang="en-US" dirty="0"/>
-                    </a:p>
-                  </a:txBody>
-                  <a:tcPr/>
-                </a:tc>
-              </a:tr>
-            </a:tbl>
-          </a:graphicData>
-        </a:graphic>
-      </p:graphicFrame>
       <p:sp>
         <p:nvSpPr>
           <p:cNvPr id="2" name="标题 1"/>
@@ -6354,24 +6752,95 @@
         </p:nvSpPr>
         <p:spPr/>
         <p:txBody>
-          <a:bodyPr>
-            <a:normAutofit/>
-          </a:bodyPr>
+          <a:bodyPr/>
           <a:lstStyle/>
           <a:p>
             <a:r>
               <a:rPr lang="en-US" altLang="zh-CN" dirty="0" smtClean="0"/>
-              <a:t>$</a:t>
+              <a:t>fix</a:t>
             </a:r>
             <a:endParaRPr lang="zh-CN" altLang="en-US" dirty="0"/>
           </a:p>
         </p:txBody>
       </p:sp>
+      <p:pic>
+        <p:nvPicPr>
+          <p:cNvPr id="3" name="Picture 4"/>
+          <p:cNvPicPr>
+            <a:picLocks noChangeAspect="1" noChangeArrowheads="1"/>
+          </p:cNvPicPr>
+          <p:nvPr/>
+        </p:nvPicPr>
+        <p:blipFill>
+          <a:blip r:embed="rId2"/>
+          <a:srcRect/>
+          <a:stretch>
+            <a:fillRect/>
+          </a:stretch>
+        </p:blipFill>
+        <p:spPr bwMode="auto">
+          <a:xfrm>
+            <a:off x="3357554" y="1928802"/>
+            <a:ext cx="2495550" cy="800100"/>
+          </a:xfrm>
+          <a:prstGeom prst="rect">
+            <a:avLst/>
+          </a:prstGeom>
+          <a:noFill/>
+          <a:ln w="9525">
+            <a:noFill/>
+            <a:miter lim="800000"/>
+            <a:headEnd/>
+            <a:tailEnd/>
+          </a:ln>
+          <a:effectLst/>
+        </p:spPr>
+      </p:pic>
+      <p:pic>
+        <p:nvPicPr>
+          <p:cNvPr id="4" name="Picture 5"/>
+          <p:cNvPicPr>
+            <a:picLocks noChangeAspect="1" noChangeArrowheads="1"/>
+          </p:cNvPicPr>
+          <p:nvPr/>
+        </p:nvPicPr>
+        <p:blipFill>
+          <a:blip r:embed="rId3"/>
+          <a:srcRect/>
+          <a:stretch>
+            <a:fillRect/>
+          </a:stretch>
+        </p:blipFill>
+        <p:spPr bwMode="auto">
+          <a:xfrm>
+            <a:off x="1142976" y="3357562"/>
+            <a:ext cx="7143750" cy="2952750"/>
+          </a:xfrm>
+          <a:prstGeom prst="rect">
+            <a:avLst/>
+          </a:prstGeom>
+          <a:noFill/>
+          <a:ln w="9525">
+            <a:noFill/>
+            <a:miter lim="800000"/>
+            <a:headEnd/>
+            <a:tailEnd/>
+          </a:ln>
+          <a:effectLst/>
+        </p:spPr>
+      </p:pic>
     </p:spTree>
   </p:cSld>
   <p:clrMapOvr>
     <a:masterClrMapping/>
   </p:clrMapOvr>
+  <p:timing>
+    <p:tnLst>
+      <p:par>
+        <p:cTn id="1" dur="indefinite" restart="never" nodeType="tmRoot"/>
+      </p:par>
+    </p:tnLst>
+  </p:timing>
 </p:sld>
 </file>
 
@@ -6392,26 +6861,52 @@
           <a:chExt cx="0" cy="0"/>
         </a:xfrm>
       </p:grpSpPr>
+      <p:sp>
+        <p:nvSpPr>
+          <p:cNvPr id="2" name="标题 1"/>
+          <p:cNvSpPr>
+            <a:spLocks noGrp="1"/>
+          </p:cNvSpPr>
+          <p:nvPr>
+            <p:ph type="title"/>
+          </p:nvPr>
+        </p:nvSpPr>
+        <p:spPr/>
+        <p:txBody>
+          <a:bodyPr/>
+          <a:lstStyle/>
+          <a:p>
+            <a:r>
+              <a:rPr lang="en-US" altLang="zh-CN" dirty="0" smtClean="0"/>
+              <a:t>$().</a:t>
+            </a:r>
+            <a:r>
+              <a:rPr lang="en-US" altLang="zh-CN" dirty="0" err="1" smtClean="0"/>
+              <a:t>val</a:t>
+            </a:r>
+            <a:endParaRPr lang="zh-CN" altLang="en-US" dirty="0"/>
+          </a:p>
+        </p:txBody>
+      </p:sp>
       <p:pic>
         <p:nvPicPr>
-          <p:cNvPr id="1027" name="Picture 3"/>
+          <p:cNvPr id="7170" name="Picture 2"/>
           <p:cNvPicPr>
-            <a:picLocks noGrp="1" noChangeAspect="1" noChangeArrowheads="1"/>
+            <a:picLocks noChangeAspect="1" noChangeArrowheads="1"/>
           </p:cNvPicPr>
-          <p:nvPr>
-            <p:ph idx="1"/>
-          </p:nvPr>
+          <p:nvPr/>
         </p:nvPicPr>
         <p:blipFill>
           <a:blip r:embed="rId2"/>
+          <a:srcRect/>
           <a:stretch>
             <a:fillRect/>
           </a:stretch>
         </p:blipFill>
         <p:spPr bwMode="auto">
           <a:xfrm>
-            <a:off x="2171700" y="2944019"/>
-            <a:ext cx="4800600" cy="1600200"/>
+            <a:off x="2997869" y="0"/>
+            <a:ext cx="6146132" cy="6858000"/>
           </a:xfrm>
           <a:prstGeom prst="rect">
             <a:avLst/>
@@ -6428,67 +6923,92 @@
       </p:pic>
       <p:sp>
         <p:nvSpPr>
-          <p:cNvPr id="2" name="标题 1"/>
-          <p:cNvSpPr>
-            <a:spLocks noGrp="1"/>
-          </p:cNvSpPr>
-          <p:nvPr>
-            <p:ph type="title"/>
-          </p:nvPr>
-        </p:nvSpPr>
-        <p:spPr/>
-        <p:txBody>
-          <a:bodyPr>
-            <a:normAutofit/>
-          </a:bodyPr>
-          <a:lstStyle/>
-          <a:p>
-            <a:r>
-              <a:rPr lang="en-US" altLang="zh-CN" dirty="0" smtClean="0"/>
-              <a:t>$.each</a:t>
-            </a:r>
-            <a:endParaRPr lang="zh-CN" altLang="en-US" dirty="0"/>
-          </a:p>
-        </p:txBody>
-      </p:sp>
-      <p:pic>
-        <p:nvPicPr>
-          <p:cNvPr id="1026" name="Picture 2"/>
-          <p:cNvPicPr>
-            <a:picLocks noChangeAspect="1" noChangeArrowheads="1"/>
-          </p:cNvPicPr>
+          <p:cNvPr id="7" name="矩形 6"/>
+          <p:cNvSpPr/>
           <p:nvPr/>
-        </p:nvPicPr>
-        <p:blipFill>
-          <a:blip r:embed="rId3"/>
-          <a:srcRect/>
-          <a:stretch>
-            <a:fillRect/>
-          </a:stretch>
-        </p:blipFill>
-        <p:spPr bwMode="auto">
-          <a:xfrm>
-            <a:off x="428596" y="1500174"/>
-            <a:ext cx="4219576" cy="2839810"/>
+        </p:nvSpPr>
+        <p:spPr>
+          <a:xfrm>
+            <a:off x="4429124" y="3357562"/>
+            <a:ext cx="1500198" cy="285752"/>
           </a:xfrm>
           <a:prstGeom prst="rect">
             <a:avLst/>
           </a:prstGeom>
           <a:noFill/>
-          <a:ln w="9525">
-            <a:noFill/>
-            <a:miter lim="800000"/>
-            <a:headEnd/>
-            <a:tailEnd/>
+          <a:ln>
+            <a:solidFill>
+              <a:srgbClr val="FF0000"/>
+            </a:solidFill>
           </a:ln>
-          <a:effectLst/>
-        </p:spPr>
-      </p:pic>
+        </p:spPr>
+        <p:style>
+          <a:lnRef idx="2">
+            <a:schemeClr val="accent1">
+              <a:shade val="50000"/>
+            </a:schemeClr>
+          </a:lnRef>
+          <a:fillRef idx="1">
+            <a:schemeClr val="accent1"/>
+          </a:fillRef>
+          <a:effectRef idx="0">
+            <a:schemeClr val="accent1"/>
+          </a:effectRef>
+          <a:fontRef idx="minor">
+            <a:schemeClr val="lt1"/>
+          </a:fontRef>
+        </p:style>
+        <p:txBody>
+          <a:bodyPr rtlCol="0" anchor="ctr"/>
+          <a:lstStyle/>
+          <a:p>
+            <a:pPr algn="ctr"/>
+            <a:endParaRPr lang="zh-CN" altLang="en-US"/>
+          </a:p>
+        </p:txBody>
+      </p:sp>
+      <p:sp>
+        <p:nvSpPr>
+          <p:cNvPr id="8" name="TextBox 7"/>
+          <p:cNvSpPr txBox="1"/>
+          <p:nvPr/>
+        </p:nvSpPr>
+        <p:spPr>
+          <a:xfrm>
+            <a:off x="500034" y="1714488"/>
+            <a:ext cx="2000264" cy="369332"/>
+          </a:xfrm>
+          <a:prstGeom prst="rect">
+            <a:avLst/>
+          </a:prstGeom>
+          <a:noFill/>
+        </p:spPr>
+        <p:txBody>
+          <a:bodyPr wrap="square" rtlCol="0">
+            <a:spAutoFit/>
+          </a:bodyPr>
+          <a:lstStyle/>
+          <a:p>
+            <a:r>
+              <a:rPr lang="zh-CN" altLang="en-US" dirty="0" smtClean="0"/>
+              <a:t>特殊属性</a:t>
+            </a:r>
+            <a:endParaRPr lang="zh-CN" altLang="en-US" dirty="0"/>
+          </a:p>
+        </p:txBody>
+      </p:sp>
     </p:spTree>
   </p:cSld>
   <p:clrMapOvr>
     <a:masterClrMapping/>
   </p:clrMapOvr>
+  <p:timing>
+    <p:tnLst>
+      <p:par>
+        <p:cTn id="1" dur="indefinite" restart="never" nodeType="tmRoot"/>
+      </p:par>
+    </p:tnLst>
+  </p:timing>
 </p:sld>
 </file>
 
@@ -6509,26 +7029,52 @@
           <a:chExt cx="0" cy="0"/>
         </a:xfrm>
       </p:grpSpPr>
+      <p:sp>
+        <p:nvSpPr>
+          <p:cNvPr id="2" name="标题 1"/>
+          <p:cNvSpPr>
+            <a:spLocks noGrp="1"/>
+          </p:cNvSpPr>
+          <p:nvPr>
+            <p:ph type="title"/>
+          </p:nvPr>
+        </p:nvSpPr>
+        <p:spPr/>
+        <p:txBody>
+          <a:bodyPr/>
+          <a:lstStyle/>
+          <a:p>
+            <a:r>
+              <a:rPr lang="en-US" altLang="zh-CN" dirty="0" smtClean="0"/>
+              <a:t>$().</a:t>
+            </a:r>
+            <a:r>
+              <a:rPr lang="en-US" altLang="zh-CN" dirty="0" err="1" smtClean="0"/>
+              <a:t>val</a:t>
+            </a:r>
+            <a:endParaRPr lang="zh-CN" altLang="en-US" dirty="0"/>
+          </a:p>
+        </p:txBody>
+      </p:sp>
       <p:pic>
         <p:nvPicPr>
-          <p:cNvPr id="2051" name="Picture 3"/>
+          <p:cNvPr id="8194" name="Picture 2"/>
           <p:cNvPicPr>
-            <a:picLocks noGrp="1" noChangeAspect="1" noChangeArrowheads="1"/>
+            <a:picLocks noChangeAspect="1" noChangeArrowheads="1"/>
           </p:cNvPicPr>
-          <p:nvPr>
-            <p:ph idx="1"/>
-          </p:nvPr>
+          <p:nvPr/>
         </p:nvPicPr>
         <p:blipFill>
           <a:blip r:embed="rId2"/>
+          <a:srcRect/>
           <a:stretch>
             <a:fillRect/>
           </a:stretch>
         </p:blipFill>
         <p:spPr bwMode="auto">
           <a:xfrm>
-            <a:off x="1719262" y="3005931"/>
-            <a:ext cx="5705475" cy="1476375"/>
+            <a:off x="-33" y="1571612"/>
+            <a:ext cx="9155411" cy="5286388"/>
           </a:xfrm>
           <a:prstGeom prst="rect">
             <a:avLst/>
@@ -6545,67 +7091,62 @@
       </p:pic>
       <p:sp>
         <p:nvSpPr>
-          <p:cNvPr id="2" name="标题 1"/>
-          <p:cNvSpPr>
-            <a:spLocks noGrp="1"/>
-          </p:cNvSpPr>
-          <p:nvPr>
-            <p:ph type="title"/>
-          </p:nvPr>
-        </p:nvSpPr>
-        <p:spPr/>
-        <p:txBody>
-          <a:bodyPr>
-            <a:normAutofit/>
-          </a:bodyPr>
-          <a:lstStyle/>
-          <a:p>
-            <a:r>
-              <a:rPr lang="en-US" altLang="zh-CN" dirty="0" smtClean="0"/>
-              <a:t>$.extend</a:t>
-            </a:r>
-            <a:endParaRPr lang="zh-CN" altLang="en-US" dirty="0"/>
-          </a:p>
-        </p:txBody>
-      </p:sp>
-      <p:pic>
-        <p:nvPicPr>
-          <p:cNvPr id="2050" name="Picture 2"/>
-          <p:cNvPicPr>
-            <a:picLocks noChangeAspect="1" noChangeArrowheads="1"/>
-          </p:cNvPicPr>
+          <p:cNvPr id="4" name="矩形 3"/>
+          <p:cNvSpPr/>
           <p:nvPr/>
-        </p:nvPicPr>
-        <p:blipFill>
-          <a:blip r:embed="rId3"/>
-          <a:srcRect/>
-          <a:stretch>
-            <a:fillRect/>
-          </a:stretch>
-        </p:blipFill>
-        <p:spPr bwMode="auto">
-          <a:xfrm>
-            <a:off x="285720" y="1285860"/>
-            <a:ext cx="5000660" cy="2829831"/>
+        </p:nvSpPr>
+        <p:spPr>
+          <a:xfrm>
+            <a:off x="1285852" y="5857892"/>
+            <a:ext cx="1714512" cy="214314"/>
           </a:xfrm>
           <a:prstGeom prst="rect">
             <a:avLst/>
           </a:prstGeom>
           <a:noFill/>
-          <a:ln w="9525">
-            <a:noFill/>
-            <a:miter lim="800000"/>
-            <a:headEnd/>
-            <a:tailEnd/>
+          <a:ln>
+            <a:solidFill>
+              <a:srgbClr val="FF0000"/>
+            </a:solidFill>
           </a:ln>
-          <a:effectLst/>
-        </p:spPr>
-      </p:pic>
+        </p:spPr>
+        <p:style>
+          <a:lnRef idx="2">
+            <a:schemeClr val="accent1">
+              <a:shade val="50000"/>
+            </a:schemeClr>
+          </a:lnRef>
+          <a:fillRef idx="1">
+            <a:schemeClr val="accent1"/>
+          </a:fillRef>
+          <a:effectRef idx="0">
+            <a:schemeClr val="accent1"/>
+          </a:effectRef>
+          <a:fontRef idx="minor">
+            <a:schemeClr val="lt1"/>
+          </a:fontRef>
+        </p:style>
+        <p:txBody>
+          <a:bodyPr rtlCol="0" anchor="ctr"/>
+          <a:lstStyle/>
+          <a:p>
+            <a:pPr algn="ctr"/>
+            <a:endParaRPr lang="zh-CN" altLang="en-US"/>
+          </a:p>
+        </p:txBody>
+      </p:sp>
     </p:spTree>
   </p:cSld>
   <p:clrMapOvr>
     <a:masterClrMapping/>
   </p:clrMapOvr>
+  <p:timing>
+    <p:tnLst>
+      <p:par>
+        <p:cTn id="1" dur="indefinite" restart="never" nodeType="tmRoot"/>
+      </p:par>
+    </p:tnLst>
+  </p:timing>
 </p:sld>
 </file>
 
@@ -6626,26 +7167,52 @@
           <a:chExt cx="0" cy="0"/>
         </a:xfrm>
       </p:grpSpPr>
+      <p:sp>
+        <p:nvSpPr>
+          <p:cNvPr id="2" name="标题 1"/>
+          <p:cNvSpPr>
+            <a:spLocks noGrp="1"/>
+          </p:cNvSpPr>
+          <p:nvPr>
+            <p:ph type="title"/>
+          </p:nvPr>
+        </p:nvSpPr>
+        <p:spPr/>
+        <p:txBody>
+          <a:bodyPr/>
+          <a:lstStyle/>
+          <a:p>
+            <a:r>
+              <a:rPr lang="en-US" altLang="zh-CN" dirty="0" smtClean="0"/>
+              <a:t>$.</a:t>
+            </a:r>
+            <a:r>
+              <a:rPr lang="en-US" altLang="zh-CN" dirty="0" err="1" smtClean="0"/>
+              <a:t>val</a:t>
+            </a:r>
+            <a:endParaRPr lang="zh-CN" altLang="en-US" dirty="0"/>
+          </a:p>
+        </p:txBody>
+      </p:sp>
       <p:pic>
         <p:nvPicPr>
-          <p:cNvPr id="3075" name="Picture 3"/>
+          <p:cNvPr id="9218" name="Picture 2"/>
           <p:cNvPicPr>
-            <a:picLocks noGrp="1" noChangeAspect="1" noChangeArrowheads="1"/>
+            <a:picLocks noChangeAspect="1" noChangeArrowheads="1"/>
           </p:cNvPicPr>
-          <p:nvPr>
-            <p:ph idx="1"/>
-          </p:nvPr>
+          <p:nvPr/>
         </p:nvPicPr>
         <p:blipFill>
           <a:blip r:embed="rId2"/>
+          <a:srcRect/>
           <a:stretch>
             <a:fillRect/>
           </a:stretch>
         </p:blipFill>
         <p:spPr bwMode="auto">
           <a:xfrm>
-            <a:off x="1621879" y="1481138"/>
-            <a:ext cx="5900242" cy="4525962"/>
+            <a:off x="2637483" y="0"/>
+            <a:ext cx="6506517" cy="6858000"/>
           </a:xfrm>
           <a:prstGeom prst="rect">
             <a:avLst/>
@@ -6662,125 +7229,47 @@
       </p:pic>
       <p:sp>
         <p:nvSpPr>
-          <p:cNvPr id="2" name="标题 1"/>
-          <p:cNvSpPr>
-            <a:spLocks noGrp="1"/>
-          </p:cNvSpPr>
-          <p:nvPr>
-            <p:ph type="title"/>
-          </p:nvPr>
-        </p:nvSpPr>
-        <p:spPr/>
-        <p:txBody>
-          <a:bodyPr>
-            <a:normAutofit/>
-          </a:bodyPr>
-          <a:lstStyle/>
-          <a:p>
-            <a:r>
-              <a:rPr lang="en-US" altLang="zh-CN" dirty="0" smtClean="0"/>
-              <a:t>$().</a:t>
-            </a:r>
-            <a:r>
-              <a:rPr lang="en-US" altLang="zh-CN" dirty="0" err="1" smtClean="0"/>
-              <a:t>attr</a:t>
-            </a:r>
-            <a:r>
-              <a:rPr lang="en-US" altLang="zh-CN" dirty="0" smtClean="0"/>
-              <a:t>()</a:t>
-            </a:r>
-            <a:endParaRPr lang="zh-CN" altLang="en-US" dirty="0"/>
-          </a:p>
-        </p:txBody>
-      </p:sp>
-      <p:pic>
-        <p:nvPicPr>
-          <p:cNvPr id="3074" name="Picture 2"/>
-          <p:cNvPicPr>
-            <a:picLocks noChangeAspect="1" noChangeArrowheads="1"/>
-          </p:cNvPicPr>
+          <p:cNvPr id="4" name="矩形 3"/>
+          <p:cNvSpPr/>
           <p:nvPr/>
-        </p:nvPicPr>
-        <p:blipFill>
-          <a:blip r:embed="rId3"/>
-          <a:srcRect/>
-          <a:stretch>
-            <a:fillRect/>
-          </a:stretch>
-        </p:blipFill>
-        <p:spPr bwMode="auto">
-          <a:xfrm>
-            <a:off x="285721" y="1142985"/>
-            <a:ext cx="3857652" cy="3557446"/>
+        </p:nvSpPr>
+        <p:spPr>
+          <a:xfrm>
+            <a:off x="3929058" y="3214686"/>
+            <a:ext cx="5214974" cy="1285884"/>
           </a:xfrm>
           <a:prstGeom prst="rect">
             <a:avLst/>
           </a:prstGeom>
           <a:noFill/>
-          <a:ln w="9525">
-            <a:noFill/>
-            <a:miter lim="800000"/>
-            <a:headEnd/>
-            <a:tailEnd/>
+          <a:ln>
+            <a:solidFill>
+              <a:srgbClr val="FF0000"/>
+            </a:solidFill>
           </a:ln>
-          <a:effectLst/>
-        </p:spPr>
-      </p:pic>
-      <p:sp>
-        <p:nvSpPr>
-          <p:cNvPr id="6" name="TextBox 5"/>
-          <p:cNvSpPr txBox="1"/>
-          <p:nvPr/>
-        </p:nvSpPr>
-        <p:spPr>
-          <a:xfrm>
-            <a:off x="5143504" y="1357298"/>
-            <a:ext cx="3643338" cy="1200329"/>
-          </a:xfrm>
-          <a:prstGeom prst="rect">
-            <a:avLst/>
-          </a:prstGeom>
-          <a:noFill/>
-        </p:spPr>
-        <p:txBody>
-          <a:bodyPr wrap="square" rtlCol="0">
-            <a:spAutoFit/>
-          </a:bodyPr>
+        </p:spPr>
+        <p:style>
+          <a:lnRef idx="2">
+            <a:schemeClr val="accent1">
+              <a:shade val="50000"/>
+            </a:schemeClr>
+          </a:lnRef>
+          <a:fillRef idx="1">
+            <a:schemeClr val="accent1"/>
+          </a:fillRef>
+          <a:effectRef idx="0">
+            <a:schemeClr val="accent1"/>
+          </a:effectRef>
+          <a:fontRef idx="minor">
+            <a:schemeClr val="lt1"/>
+          </a:fontRef>
+        </p:style>
+        <p:txBody>
+          <a:bodyPr rtlCol="0" anchor="ctr"/>
           <a:lstStyle/>
           <a:p>
-            <a:r>
-              <a:rPr lang="en-US" altLang="zh-CN" dirty="0" smtClean="0"/>
-              <a:t>node[</a:t>
-            </a:r>
-            <a:r>
-              <a:rPr lang="en-US" altLang="zh-CN" dirty="0" err="1" smtClean="0"/>
-              <a:t>propertyName</a:t>
-            </a:r>
-            <a:r>
-              <a:rPr lang="en-US" altLang="zh-CN" dirty="0" smtClean="0"/>
-              <a:t>]</a:t>
-            </a:r>
-          </a:p>
-          <a:p>
-            <a:endParaRPr lang="en-US" altLang="zh-CN" dirty="0" smtClean="0"/>
-          </a:p>
-          <a:p>
-            <a:r>
-              <a:rPr lang="en-US" altLang="zh-CN" dirty="0" err="1" smtClean="0"/>
-              <a:t>addClass</a:t>
-            </a:r>
-            <a:endParaRPr lang="en-US" altLang="zh-CN" dirty="0" smtClean="0"/>
-          </a:p>
-          <a:p>
-            <a:r>
-              <a:rPr lang="en-US" altLang="zh-CN" dirty="0" err="1" smtClean="0"/>
-              <a:t>Attr</a:t>
-            </a:r>
-            <a:r>
-              <a:rPr lang="en-US" altLang="zh-CN" dirty="0" smtClean="0"/>
-              <a:t>(‘class’, name)</a:t>
-            </a:r>
-            <a:endParaRPr lang="zh-CN" altLang="en-US" dirty="0"/>
+            <a:pPr algn="ctr"/>
+            <a:endParaRPr lang="zh-CN" altLang="en-US"/>
           </a:p>
         </p:txBody>
       </p:sp>
@@ -6789,6 +7278,13 @@
   <p:clrMapOvr>
     <a:masterClrMapping/>
   </p:clrMapOvr>
+  <p:timing>
+    <p:tnLst>
+      <p:par>
+        <p:cTn id="1" dur="indefinite" restart="never" nodeType="tmRoot"/>
+      </p:par>
+    </p:tnLst>
+  </p:timing>
 </p:sld>
 </file>
 
@@ -6811,66 +7307,6 @@
       </p:grpSpPr>
       <p:sp>
         <p:nvSpPr>
-          <p:cNvPr id="3" name="内容占位符 2"/>
-          <p:cNvSpPr>
-            <a:spLocks noGrp="1"/>
-          </p:cNvSpPr>
-          <p:nvPr>
-            <p:ph idx="1"/>
-          </p:nvPr>
-        </p:nvSpPr>
-        <p:spPr/>
-        <p:txBody>
-          <a:bodyPr/>
-          <a:lstStyle/>
-          <a:p>
-            <a:r>
-              <a:rPr lang="en-US" altLang="zh-CN" dirty="0" smtClean="0"/>
-              <a:t>Window. </a:t>
-            </a:r>
-            <a:r>
-              <a:rPr lang="en-US" altLang="zh-CN" dirty="0" err="1" smtClean="0"/>
-              <a:t>getComputedStyle</a:t>
-            </a:r>
-            <a:r>
-              <a:rPr lang="en-US" altLang="zh-CN" dirty="0" smtClean="0"/>
-              <a:t>(node)[</a:t>
-            </a:r>
-            <a:r>
-              <a:rPr lang="en-US" dirty="0" err="1" smtClean="0"/>
-              <a:t>propertyName</a:t>
-            </a:r>
-            <a:r>
-              <a:rPr lang="en-US" dirty="0" smtClean="0"/>
-              <a:t>]</a:t>
-            </a:r>
-          </a:p>
-          <a:p>
-            <a:r>
-              <a:rPr lang="en-US" altLang="zh-CN" dirty="0" err="1" smtClean="0"/>
-              <a:t>Node.style</a:t>
-            </a:r>
-            <a:r>
-              <a:rPr lang="en-US" altLang="zh-CN" dirty="0" smtClean="0"/>
-              <a:t>[</a:t>
-            </a:r>
-            <a:r>
-              <a:rPr lang="en-US" dirty="0" err="1" smtClean="0"/>
-              <a:t>propertyName</a:t>
-            </a:r>
-            <a:r>
-              <a:rPr lang="en-US" dirty="0" smtClean="0"/>
-              <a:t>] = value</a:t>
-            </a:r>
-            <a:endParaRPr lang="en-US" altLang="zh-CN" dirty="0" smtClean="0"/>
-          </a:p>
-          <a:p>
-            <a:endParaRPr lang="en-US" altLang="zh-CN" dirty="0" smtClean="0"/>
-          </a:p>
-        </p:txBody>
-      </p:sp>
-      <p:sp>
-        <p:nvSpPr>
           <p:cNvPr id="2" name="标题 1"/>
           <p:cNvSpPr>
             <a:spLocks noGrp="1"/>
@@ -6881,22 +7317,171 @@
         </p:nvSpPr>
         <p:spPr/>
         <p:txBody>
-          <a:bodyPr>
-            <a:normAutofit/>
+          <a:bodyPr/>
+          <a:lstStyle/>
+          <a:p>
+            <a:r>
+              <a:rPr lang="en-US" altLang="zh-CN" dirty="0" smtClean="0"/>
+              <a:t>$().</a:t>
+            </a:r>
+            <a:r>
+              <a:rPr lang="en-US" altLang="zh-CN" dirty="0" err="1" smtClean="0"/>
+              <a:t>addClass</a:t>
+            </a:r>
+            <a:endParaRPr lang="zh-CN" altLang="en-US" dirty="0"/>
+          </a:p>
+        </p:txBody>
+      </p:sp>
+      <p:pic>
+        <p:nvPicPr>
+          <p:cNvPr id="10242" name="Picture 2"/>
+          <p:cNvPicPr>
+            <a:picLocks noChangeAspect="1" noChangeArrowheads="1"/>
+          </p:cNvPicPr>
+          <p:nvPr/>
+        </p:nvPicPr>
+        <p:blipFill>
+          <a:blip r:embed="rId2"/>
+          <a:srcRect/>
+          <a:stretch>
+            <a:fillRect/>
+          </a:stretch>
+        </p:blipFill>
+        <p:spPr bwMode="auto">
+          <a:xfrm>
+            <a:off x="3055029" y="1142984"/>
+            <a:ext cx="6088971" cy="5715016"/>
+          </a:xfrm>
+          <a:prstGeom prst="rect">
+            <a:avLst/>
+          </a:prstGeom>
+          <a:noFill/>
+          <a:ln w="9525">
+            <a:noFill/>
+            <a:miter lim="800000"/>
+            <a:headEnd/>
+            <a:tailEnd/>
+          </a:ln>
+          <a:effectLst/>
+        </p:spPr>
+      </p:pic>
+      <p:sp>
+        <p:nvSpPr>
+          <p:cNvPr id="4" name="矩形 3"/>
+          <p:cNvSpPr/>
+          <p:nvPr/>
+        </p:nvSpPr>
+        <p:spPr>
+          <a:xfrm>
+            <a:off x="4929190" y="4714884"/>
+            <a:ext cx="1428760" cy="285752"/>
+          </a:xfrm>
+          <a:prstGeom prst="rect">
+            <a:avLst/>
+          </a:prstGeom>
+          <a:noFill/>
+          <a:ln>
+            <a:solidFill>
+              <a:srgbClr val="FF0000"/>
+            </a:solidFill>
+          </a:ln>
+        </p:spPr>
+        <p:style>
+          <a:lnRef idx="2">
+            <a:schemeClr val="accent1">
+              <a:shade val="50000"/>
+            </a:schemeClr>
+          </a:lnRef>
+          <a:fillRef idx="1">
+            <a:schemeClr val="accent1"/>
+          </a:fillRef>
+          <a:effectRef idx="0">
+            <a:schemeClr val="accent1"/>
+          </a:effectRef>
+          <a:fontRef idx="minor">
+            <a:schemeClr val="lt1"/>
+          </a:fontRef>
+        </p:style>
+        <p:txBody>
+          <a:bodyPr rtlCol="0" anchor="ctr"/>
+          <a:lstStyle/>
+          <a:p>
+            <a:pPr algn="ctr"/>
+            <a:endParaRPr lang="zh-CN" altLang="en-US"/>
+          </a:p>
+        </p:txBody>
+      </p:sp>
+      <p:sp>
+        <p:nvSpPr>
+          <p:cNvPr id="5" name="矩形 4"/>
+          <p:cNvSpPr/>
+          <p:nvPr/>
+        </p:nvSpPr>
+        <p:spPr>
+          <a:xfrm>
+            <a:off x="4714876" y="5857892"/>
+            <a:ext cx="2857520" cy="285752"/>
+          </a:xfrm>
+          <a:prstGeom prst="rect">
+            <a:avLst/>
+          </a:prstGeom>
+          <a:noFill/>
+          <a:ln>
+            <a:solidFill>
+              <a:srgbClr val="FF0000"/>
+            </a:solidFill>
+          </a:ln>
+        </p:spPr>
+        <p:style>
+          <a:lnRef idx="2">
+            <a:schemeClr val="accent1">
+              <a:shade val="50000"/>
+            </a:schemeClr>
+          </a:lnRef>
+          <a:fillRef idx="1">
+            <a:schemeClr val="accent1"/>
+          </a:fillRef>
+          <a:effectRef idx="0">
+            <a:schemeClr val="accent1"/>
+          </a:effectRef>
+          <a:fontRef idx="minor">
+            <a:schemeClr val="lt1"/>
+          </a:fontRef>
+        </p:style>
+        <p:txBody>
+          <a:bodyPr rtlCol="0" anchor="ctr"/>
+          <a:lstStyle/>
+          <a:p>
+            <a:pPr algn="ctr"/>
+            <a:endParaRPr lang="zh-CN" altLang="en-US"/>
+          </a:p>
+        </p:txBody>
+      </p:sp>
+      <p:sp>
+        <p:nvSpPr>
+          <p:cNvPr id="6" name="TextBox 5"/>
+          <p:cNvSpPr txBox="1"/>
+          <p:nvPr/>
+        </p:nvSpPr>
+        <p:spPr>
+          <a:xfrm>
+            <a:off x="714348" y="1857364"/>
+            <a:ext cx="1785950" cy="369332"/>
+          </a:xfrm>
+          <a:prstGeom prst="rect">
+            <a:avLst/>
+          </a:prstGeom>
+          <a:noFill/>
+        </p:spPr>
+        <p:txBody>
+          <a:bodyPr wrap="square" rtlCol="0">
+            <a:spAutoFit/>
           </a:bodyPr>
           <a:lstStyle/>
           <a:p>
             <a:r>
-              <a:rPr lang="en-US" altLang="zh-CN" dirty="0" smtClean="0"/>
-              <a:t>$().</a:t>
-            </a:r>
-            <a:r>
-              <a:rPr lang="en-US" altLang="zh-CN" dirty="0" err="1" smtClean="0"/>
-              <a:t>css</a:t>
-            </a:r>
-            <a:r>
-              <a:rPr lang="en-US" altLang="zh-CN" dirty="0" smtClean="0"/>
-              <a:t>()</a:t>
+              <a:rPr lang="zh-CN" altLang="en-US" dirty="0" smtClean="0"/>
+              <a:t>多值属性</a:t>
             </a:r>
             <a:endParaRPr lang="zh-CN" altLang="en-US" dirty="0"/>
           </a:p>
@@ -6907,6 +7492,13 @@
   <p:clrMapOvr>
     <a:masterClrMapping/>
   </p:clrMapOvr>
+  <p:timing>
+    <p:tnLst>
+      <p:par>
+        <p:cTn id="1" dur="indefinite" restart="never" nodeType="tmRoot"/>
+      </p:par>
+    </p:tnLst>
+  </p:timing>
 </p:sld>
 </file>
 
@@ -6929,32 +7521,6 @@
       </p:grpSpPr>
       <p:sp>
         <p:nvSpPr>
-          <p:cNvPr id="3" name="内容占位符 2"/>
-          <p:cNvSpPr>
-            <a:spLocks noGrp="1"/>
-          </p:cNvSpPr>
-          <p:nvPr>
-            <p:ph idx="1"/>
-          </p:nvPr>
-        </p:nvSpPr>
-        <p:spPr/>
-        <p:txBody>
-          <a:bodyPr/>
-          <a:lstStyle/>
-          <a:p>
-            <a:r>
-              <a:rPr lang="en-US" altLang="zh-CN" dirty="0" err="1" smtClean="0"/>
-              <a:t>Node.innerHTML</a:t>
-            </a:r>
-            <a:endParaRPr lang="en-US" altLang="zh-CN" dirty="0" smtClean="0"/>
-          </a:p>
-          <a:p>
-            <a:endParaRPr lang="zh-CN" altLang="en-US" dirty="0"/>
-          </a:p>
-        </p:txBody>
-      </p:sp>
-      <p:sp>
-        <p:nvSpPr>
           <p:cNvPr id="2" name="标题 1"/>
           <p:cNvSpPr>
             <a:spLocks noGrp="1"/>
@@ -6965,24 +7531,99 @@
         </p:nvSpPr>
         <p:spPr/>
         <p:txBody>
-          <a:bodyPr>
-            <a:normAutofit/>
-          </a:bodyPr>
+          <a:bodyPr/>
           <a:lstStyle/>
           <a:p>
             <a:r>
+              <a:rPr lang="zh-CN" altLang="en-US" dirty="0" smtClean="0"/>
+              <a:t>操作</a:t>
+            </a:r>
+            <a:r>
               <a:rPr lang="en-US" altLang="zh-CN" dirty="0" smtClean="0"/>
-              <a:t>$().html()</a:t>
+              <a:t>-$().text</a:t>
             </a:r>
             <a:endParaRPr lang="zh-CN" altLang="en-US" dirty="0"/>
           </a:p>
         </p:txBody>
       </p:sp>
+      <p:pic>
+        <p:nvPicPr>
+          <p:cNvPr id="11266" name="Picture 2"/>
+          <p:cNvPicPr>
+            <a:picLocks noChangeAspect="1" noChangeArrowheads="1"/>
+          </p:cNvPicPr>
+          <p:nvPr/>
+        </p:nvPicPr>
+        <p:blipFill>
+          <a:blip r:embed="rId2"/>
+          <a:srcRect/>
+          <a:stretch>
+            <a:fillRect/>
+          </a:stretch>
+        </p:blipFill>
+        <p:spPr bwMode="auto">
+          <a:xfrm>
+            <a:off x="785786" y="1285860"/>
+            <a:ext cx="7639050" cy="2143125"/>
+          </a:xfrm>
+          <a:prstGeom prst="rect">
+            <a:avLst/>
+          </a:prstGeom>
+          <a:noFill/>
+          <a:ln w="9525">
+            <a:noFill/>
+            <a:miter lim="800000"/>
+            <a:headEnd/>
+            <a:tailEnd/>
+          </a:ln>
+          <a:effectLst/>
+        </p:spPr>
+      </p:pic>
+      <p:pic>
+        <p:nvPicPr>
+          <p:cNvPr id="11267" name="Picture 3"/>
+          <p:cNvPicPr>
+            <a:picLocks noChangeAspect="1" noChangeArrowheads="1"/>
+          </p:cNvPicPr>
+          <p:nvPr/>
+        </p:nvPicPr>
+        <p:blipFill>
+          <a:blip r:embed="rId3"/>
+          <a:srcRect/>
+          <a:stretch>
+            <a:fillRect/>
+          </a:stretch>
+        </p:blipFill>
+        <p:spPr bwMode="auto">
+          <a:xfrm>
+            <a:off x="714348" y="3438525"/>
+            <a:ext cx="7772400" cy="3419475"/>
+          </a:xfrm>
+          <a:prstGeom prst="rect">
+            <a:avLst/>
+          </a:prstGeom>
+          <a:noFill/>
+          <a:ln w="9525">
+            <a:noFill/>
+            <a:miter lim="800000"/>
+            <a:headEnd/>
+            <a:tailEnd/>
+          </a:ln>
+          <a:effectLst/>
+        </p:spPr>
+      </p:pic>
     </p:spTree>
   </p:cSld>
   <p:clrMapOvr>
     <a:masterClrMapping/>
   </p:clrMapOvr>
+  <p:timing>
+    <p:tnLst>
+      <p:par>
+        <p:cTn id="1" dur="indefinite" restart="never" nodeType="tmRoot"/>
+      </p:par>
+    </p:tnLst>
+  </p:timing>
 </p:sld>
 </file>
 
@@ -7005,26 +7646,7 @@
       </p:grpSpPr>
       <p:sp>
         <p:nvSpPr>
-          <p:cNvPr id="2" name="内容占位符 1"/>
-          <p:cNvSpPr>
-            <a:spLocks noGrp="1"/>
-          </p:cNvSpPr>
-          <p:nvPr>
-            <p:ph idx="1"/>
-          </p:nvPr>
-        </p:nvSpPr>
-        <p:spPr/>
-        <p:txBody>
-          <a:bodyPr/>
-          <a:lstStyle/>
-          <a:p>
-            <a:endParaRPr lang="zh-CN" altLang="en-US"/>
-          </a:p>
-        </p:txBody>
-      </p:sp>
-      <p:sp>
-        <p:nvSpPr>
-          <p:cNvPr id="3" name="标题 2"/>
+          <p:cNvPr id="2" name="标题 1"/>
           <p:cNvSpPr>
             <a:spLocks noGrp="1"/>
           </p:cNvSpPr>
@@ -7037,73 +7659,388 @@
           <a:bodyPr/>
           <a:lstStyle/>
           <a:p>
-            <a:endParaRPr lang="zh-CN" altLang="en-US"/>
-          </a:p>
-        </p:txBody>
-      </p:sp>
-      <p:sp>
-        <p:nvSpPr>
-          <p:cNvPr id="4" name="矩形 3"/>
-          <p:cNvSpPr/>
+            <a:r>
+              <a:rPr lang="en-US" altLang="zh-CN" dirty="0" smtClean="0"/>
+              <a:t>$().append</a:t>
+            </a:r>
+            <a:r>
+              <a:rPr lang="zh-CN" altLang="en-US" dirty="0" smtClean="0"/>
+              <a:t>、</a:t>
+            </a:r>
+            <a:r>
+              <a:rPr lang="en-US" altLang="zh-CN" dirty="0" err="1" smtClean="0"/>
+              <a:t>prepend</a:t>
+            </a:r>
+            <a:r>
+              <a:rPr lang="en-US" altLang="zh-CN" dirty="0" smtClean="0"/>
+              <a:t>…</a:t>
+            </a:r>
+            <a:endParaRPr lang="zh-CN" altLang="en-US" dirty="0"/>
+          </a:p>
+        </p:txBody>
+      </p:sp>
+      <p:pic>
+        <p:nvPicPr>
+          <p:cNvPr id="12290" name="Picture 2"/>
+          <p:cNvPicPr>
+            <a:picLocks noChangeAspect="1" noChangeArrowheads="1"/>
+          </p:cNvPicPr>
           <p:nvPr/>
-        </p:nvSpPr>
-        <p:spPr>
-          <a:xfrm>
-            <a:off x="2286000" y="2828836"/>
-            <a:ext cx="4572000" cy="1200329"/>
+        </p:nvPicPr>
+        <p:blipFill>
+          <a:blip r:embed="rId2"/>
+          <a:srcRect/>
+          <a:stretch>
+            <a:fillRect/>
+          </a:stretch>
+        </p:blipFill>
+        <p:spPr bwMode="auto">
+          <a:xfrm>
+            <a:off x="2643174" y="1184706"/>
+            <a:ext cx="6500826" cy="5673293"/>
           </a:xfrm>
           <a:prstGeom prst="rect">
             <a:avLst/>
           </a:prstGeom>
-        </p:spPr>
-        <p:txBody>
-          <a:bodyPr>
-            <a:spAutoFit/>
-          </a:bodyPr>
-          <a:lstStyle/>
-          <a:p>
-            <a:r>
-              <a:rPr lang="zh-CN" altLang="en-US" dirty="0" smtClean="0"/>
-              <a:t>工厂模式</a:t>
-            </a:r>
-            <a:endParaRPr lang="en-US" altLang="zh-CN" dirty="0" smtClean="0"/>
-          </a:p>
-          <a:p>
-            <a:r>
-              <a:rPr lang="en-US" altLang="zh-CN" dirty="0" smtClean="0"/>
-              <a:t>Each</a:t>
-            </a:r>
-            <a:r>
-              <a:rPr lang="zh-CN" altLang="en-US" dirty="0" smtClean="0"/>
-              <a:t>，迭代器模式</a:t>
-            </a:r>
-            <a:endParaRPr lang="en-US" altLang="zh-CN" dirty="0" smtClean="0"/>
-          </a:p>
-          <a:p>
-            <a:r>
-              <a:rPr lang="zh-CN" altLang="en-US" i="1" dirty="0" smtClean="0"/>
-              <a:t>钩子就是适配器原理，或者说是表驱动原理</a:t>
-            </a:r>
-            <a:endParaRPr lang="en-US" altLang="zh-CN" i="1" dirty="0" smtClean="0"/>
-          </a:p>
-          <a:p>
-            <a:r>
-              <a:rPr lang="zh-CN" altLang="en-US" i="1" dirty="0" smtClean="0"/>
-              <a:t>解释器模式，</a:t>
-            </a:r>
-            <a:r>
-              <a:rPr lang="en-US" altLang="zh-CN" i="1" dirty="0" smtClean="0"/>
-              <a:t>DSL</a:t>
-            </a:r>
-            <a:endParaRPr lang="zh-CN" altLang="en-US" dirty="0"/>
-          </a:p>
-        </p:txBody>
-      </p:sp>
+          <a:noFill/>
+          <a:ln w="9525">
+            <a:noFill/>
+            <a:miter lim="800000"/>
+            <a:headEnd/>
+            <a:tailEnd/>
+          </a:ln>
+          <a:effectLst/>
+        </p:spPr>
+      </p:pic>
     </p:spTree>
   </p:cSld>
   <p:clrMapOvr>
     <a:masterClrMapping/>
   </p:clrMapOvr>
+  <p:timing>
+    <p:tnLst>
+      <p:par>
+        <p:cTn id="1" dur="indefinite" restart="never" nodeType="tmRoot"/>
+      </p:par>
+    </p:tnLst>
+  </p:timing>
+</p:sld>
+</file>
+
+<file path=ppt/slides/slide28.xml><?xml version="1.0" encoding="utf-8"?>
+<p:sld xmlns:a="http://schemas.openxmlformats.org/drawingml/2006/main" xmlns:r="http://schemas.openxmlformats.org/officeDocument/2006/relationships" xmlns:p="http://schemas.openxmlformats.org/presentationml/2006/main">
+  <p:cSld>
+    <p:spTree>
+      <p:nvGrpSpPr>
+        <p:cNvPr id="1" name=""/>
+        <p:cNvGrpSpPr/>
+        <p:nvPr/>
+      </p:nvGrpSpPr>
+      <p:grpSpPr>
+        <a:xfrm>
+          <a:off x="0" y="0"/>
+          <a:ext cx="0" cy="0"/>
+          <a:chOff x="0" y="0"/>
+          <a:chExt cx="0" cy="0"/>
+        </a:xfrm>
+      </p:grpSpPr>
+      <p:sp>
+        <p:nvSpPr>
+          <p:cNvPr id="2" name="标题 1"/>
+          <p:cNvSpPr>
+            <a:spLocks noGrp="1"/>
+          </p:cNvSpPr>
+          <p:nvPr>
+            <p:ph type="title"/>
+          </p:nvPr>
+        </p:nvSpPr>
+        <p:spPr/>
+        <p:txBody>
+          <a:bodyPr/>
+          <a:lstStyle/>
+          <a:p>
+            <a:r>
+              <a:rPr lang="en-US" dirty="0" err="1" smtClean="0"/>
+              <a:t>domManip</a:t>
+            </a:r>
+            <a:endParaRPr lang="zh-CN" altLang="en-US" dirty="0"/>
+          </a:p>
+        </p:txBody>
+      </p:sp>
+      <p:pic>
+        <p:nvPicPr>
+          <p:cNvPr id="13314" name="Picture 2"/>
+          <p:cNvPicPr>
+            <a:picLocks noChangeAspect="1" noChangeArrowheads="1"/>
+          </p:cNvPicPr>
+          <p:nvPr/>
+        </p:nvPicPr>
+        <p:blipFill>
+          <a:blip r:embed="rId2"/>
+          <a:srcRect/>
+          <a:stretch>
+            <a:fillRect/>
+          </a:stretch>
+        </p:blipFill>
+        <p:spPr bwMode="auto">
+          <a:xfrm>
+            <a:off x="3286116" y="1125493"/>
+            <a:ext cx="5857884" cy="5732507"/>
+          </a:xfrm>
+          <a:prstGeom prst="rect">
+            <a:avLst/>
+          </a:prstGeom>
+          <a:noFill/>
+          <a:ln w="9525">
+            <a:noFill/>
+            <a:miter lim="800000"/>
+            <a:headEnd/>
+            <a:tailEnd/>
+          </a:ln>
+          <a:effectLst/>
+        </p:spPr>
+      </p:pic>
+      <p:sp>
+        <p:nvSpPr>
+          <p:cNvPr id="4" name="矩形 3"/>
+          <p:cNvSpPr/>
+          <p:nvPr/>
+        </p:nvSpPr>
+        <p:spPr>
+          <a:xfrm>
+            <a:off x="3786182" y="3714752"/>
+            <a:ext cx="5357818" cy="214314"/>
+          </a:xfrm>
+          <a:prstGeom prst="rect">
+            <a:avLst/>
+          </a:prstGeom>
+          <a:noFill/>
+          <a:ln>
+            <a:solidFill>
+              <a:srgbClr val="FF0000"/>
+            </a:solidFill>
+          </a:ln>
+        </p:spPr>
+        <p:style>
+          <a:lnRef idx="2">
+            <a:schemeClr val="accent1">
+              <a:shade val="50000"/>
+            </a:schemeClr>
+          </a:lnRef>
+          <a:fillRef idx="1">
+            <a:schemeClr val="accent1"/>
+          </a:fillRef>
+          <a:effectRef idx="0">
+            <a:schemeClr val="accent1"/>
+          </a:effectRef>
+          <a:fontRef idx="minor">
+            <a:schemeClr val="lt1"/>
+          </a:fontRef>
+        </p:style>
+        <p:txBody>
+          <a:bodyPr rtlCol="0" anchor="ctr"/>
+          <a:lstStyle/>
+          <a:p>
+            <a:pPr algn="ctr"/>
+            <a:endParaRPr lang="zh-CN" altLang="en-US"/>
+          </a:p>
+        </p:txBody>
+      </p:sp>
+      <p:sp>
+        <p:nvSpPr>
+          <p:cNvPr id="5" name="矩形 4"/>
+          <p:cNvSpPr/>
+          <p:nvPr/>
+        </p:nvSpPr>
+        <p:spPr>
+          <a:xfrm>
+            <a:off x="4152896" y="6215082"/>
+            <a:ext cx="2776558" cy="285752"/>
+          </a:xfrm>
+          <a:prstGeom prst="rect">
+            <a:avLst/>
+          </a:prstGeom>
+          <a:noFill/>
+          <a:ln>
+            <a:solidFill>
+              <a:srgbClr val="FF0000"/>
+            </a:solidFill>
+          </a:ln>
+        </p:spPr>
+        <p:style>
+          <a:lnRef idx="2">
+            <a:schemeClr val="accent1">
+              <a:shade val="50000"/>
+            </a:schemeClr>
+          </a:lnRef>
+          <a:fillRef idx="1">
+            <a:schemeClr val="accent1"/>
+          </a:fillRef>
+          <a:effectRef idx="0">
+            <a:schemeClr val="accent1"/>
+          </a:effectRef>
+          <a:fontRef idx="minor">
+            <a:schemeClr val="lt1"/>
+          </a:fontRef>
+        </p:style>
+        <p:txBody>
+          <a:bodyPr rtlCol="0" anchor="ctr"/>
+          <a:lstStyle/>
+          <a:p>
+            <a:pPr algn="ctr"/>
+            <a:endParaRPr lang="zh-CN" altLang="en-US"/>
+          </a:p>
+        </p:txBody>
+      </p:sp>
+    </p:spTree>
+  </p:cSld>
+  <p:clrMapOvr>
+    <a:masterClrMapping/>
+  </p:clrMapOvr>
+  <p:timing>
+    <p:tnLst>
+      <p:par>
+        <p:cTn id="1" dur="indefinite" restart="never" nodeType="tmRoot"/>
+      </p:par>
+    </p:tnLst>
+  </p:timing>
+</p:sld>
+</file>
+
+<file path=ppt/slides/slide29.xml><?xml version="1.0" encoding="utf-8"?>
+<p:sld xmlns:a="http://schemas.openxmlformats.org/drawingml/2006/main" xmlns:r="http://schemas.openxmlformats.org/officeDocument/2006/relationships" xmlns:p="http://schemas.openxmlformats.org/presentationml/2006/main">
+  <p:cSld>
+    <p:spTree>
+      <p:nvGrpSpPr>
+        <p:cNvPr id="1" name=""/>
+        <p:cNvGrpSpPr/>
+        <p:nvPr/>
+      </p:nvGrpSpPr>
+      <p:grpSpPr>
+        <a:xfrm>
+          <a:off x="0" y="0"/>
+          <a:ext cx="0" cy="0"/>
+          <a:chOff x="0" y="0"/>
+          <a:chExt cx="0" cy="0"/>
+        </a:xfrm>
+      </p:grpSpPr>
+      <p:sp>
+        <p:nvSpPr>
+          <p:cNvPr id="2" name="标题 1"/>
+          <p:cNvSpPr>
+            <a:spLocks noGrp="1"/>
+          </p:cNvSpPr>
+          <p:nvPr>
+            <p:ph type="title"/>
+          </p:nvPr>
+        </p:nvSpPr>
+        <p:spPr/>
+        <p:txBody>
+          <a:bodyPr/>
+          <a:lstStyle/>
+          <a:p>
+            <a:r>
+              <a:rPr lang="zh-CN" altLang="en-US" dirty="0" smtClean="0"/>
+              <a:t>遍历</a:t>
+            </a:r>
+            <a:r>
+              <a:rPr lang="en-US" altLang="zh-CN" dirty="0" smtClean="0"/>
+              <a:t>-</a:t>
+            </a:r>
+            <a:r>
+              <a:rPr lang="en-US" dirty="0" smtClean="0"/>
+              <a:t>$(). parent</a:t>
+            </a:r>
+            <a:r>
+              <a:rPr lang="zh-CN" altLang="en-US" dirty="0" smtClean="0"/>
+              <a:t>、</a:t>
+            </a:r>
+            <a:r>
+              <a:rPr lang="en-US" dirty="0" smtClean="0"/>
+              <a:t>next…</a:t>
+            </a:r>
+            <a:endParaRPr lang="zh-CN" altLang="en-US" dirty="0"/>
+          </a:p>
+        </p:txBody>
+      </p:sp>
+      <p:pic>
+        <p:nvPicPr>
+          <p:cNvPr id="16386" name="Picture 2"/>
+          <p:cNvPicPr>
+            <a:picLocks noChangeAspect="1" noChangeArrowheads="1"/>
+          </p:cNvPicPr>
+          <p:nvPr/>
+        </p:nvPicPr>
+        <p:blipFill>
+          <a:blip r:embed="rId2"/>
+          <a:srcRect/>
+          <a:stretch>
+            <a:fillRect/>
+          </a:stretch>
+        </p:blipFill>
+        <p:spPr bwMode="auto">
+          <a:xfrm>
+            <a:off x="4747286" y="1142985"/>
+            <a:ext cx="4396714" cy="5715016"/>
+          </a:xfrm>
+          <a:prstGeom prst="rect">
+            <a:avLst/>
+          </a:prstGeom>
+          <a:noFill/>
+          <a:ln w="9525">
+            <a:noFill/>
+            <a:miter lim="800000"/>
+            <a:headEnd/>
+            <a:tailEnd/>
+          </a:ln>
+          <a:effectLst/>
+        </p:spPr>
+      </p:pic>
+      <p:pic>
+        <p:nvPicPr>
+          <p:cNvPr id="16387" name="Picture 3"/>
+          <p:cNvPicPr>
+            <a:picLocks noChangeAspect="1" noChangeArrowheads="1"/>
+          </p:cNvPicPr>
+          <p:nvPr/>
+        </p:nvPicPr>
+        <p:blipFill>
+          <a:blip r:embed="rId3"/>
+          <a:srcRect/>
+          <a:stretch>
+            <a:fillRect/>
+          </a:stretch>
+        </p:blipFill>
+        <p:spPr bwMode="auto">
+          <a:xfrm>
+            <a:off x="0" y="1857364"/>
+            <a:ext cx="4829443" cy="5000636"/>
+          </a:xfrm>
+          <a:prstGeom prst="rect">
+            <a:avLst/>
+          </a:prstGeom>
+          <a:noFill/>
+          <a:ln w="9525">
+            <a:noFill/>
+            <a:miter lim="800000"/>
+            <a:headEnd/>
+            <a:tailEnd/>
+          </a:ln>
+          <a:effectLst/>
+        </p:spPr>
+      </p:pic>
+    </p:spTree>
+  </p:cSld>
+  <p:clrMapOvr>
+    <a:masterClrMapping/>
+  </p:clrMapOvr>
+  <p:timing>
+    <p:tnLst>
+      <p:par>
+        <p:cTn id="1" dur="indefinite" restart="never" nodeType="tmRoot"/>
+      </p:par>
+    </p:tnLst>
+  </p:timing>
 </p:sld>
 </file>
 
@@ -7158,7 +8095,7 @@
           <a:bodyPr/>
           <a:lstStyle/>
           <a:p>
-            <a:endParaRPr lang="zh-CN" altLang="en-US"/>
+            <a:endParaRPr lang="zh-CN" altLang="en-US" dirty="0"/>
           </a:p>
         </p:txBody>
       </p:sp>
@@ -7200,6 +8137,1697 @@
   <p:clrMapOvr>
     <a:masterClrMapping/>
   </p:clrMapOvr>
+  <p:timing>
+    <p:tnLst>
+      <p:par>
+        <p:cTn id="1" dur="indefinite" restart="never" nodeType="tmRoot"/>
+      </p:par>
+    </p:tnLst>
+  </p:timing>
+</p:sld>
+</file>
+
+<file path=ppt/slides/slide30.xml><?xml version="1.0" encoding="utf-8"?>
+<p:sld xmlns:a="http://schemas.openxmlformats.org/drawingml/2006/main" xmlns:r="http://schemas.openxmlformats.org/officeDocument/2006/relationships" xmlns:p="http://schemas.openxmlformats.org/presentationml/2006/main">
+  <p:cSld>
+    <p:spTree>
+      <p:nvGrpSpPr>
+        <p:cNvPr id="1" name=""/>
+        <p:cNvGrpSpPr/>
+        <p:nvPr/>
+      </p:nvGrpSpPr>
+      <p:grpSpPr>
+        <a:xfrm>
+          <a:off x="0" y="0"/>
+          <a:ext cx="0" cy="0"/>
+          <a:chOff x="0" y="0"/>
+          <a:chExt cx="0" cy="0"/>
+        </a:xfrm>
+      </p:grpSpPr>
+      <p:sp>
+        <p:nvSpPr>
+          <p:cNvPr id="2" name="标题 1"/>
+          <p:cNvSpPr>
+            <a:spLocks noGrp="1"/>
+          </p:cNvSpPr>
+          <p:nvPr>
+            <p:ph type="title"/>
+          </p:nvPr>
+        </p:nvSpPr>
+        <p:spPr/>
+        <p:txBody>
+          <a:bodyPr/>
+          <a:lstStyle/>
+          <a:p>
+            <a:r>
+              <a:rPr lang="en-US" altLang="zh-CN" dirty="0" smtClean="0"/>
+              <a:t>dir</a:t>
+            </a:r>
+            <a:r>
+              <a:rPr lang="zh-CN" altLang="en-US" dirty="0" smtClean="0"/>
+              <a:t>、</a:t>
+            </a:r>
+            <a:r>
+              <a:rPr lang="en-US" dirty="0" smtClean="0"/>
+              <a:t>sibling</a:t>
+            </a:r>
+            <a:r>
+              <a:rPr lang="zh-CN" altLang="en-US" dirty="0" smtClean="0"/>
+              <a:t>、</a:t>
+            </a:r>
+            <a:r>
+              <a:rPr lang="en-US" dirty="0" smtClean="0"/>
+              <a:t>sibling</a:t>
+            </a:r>
+            <a:r>
+              <a:rPr lang="en-US" altLang="zh-CN" dirty="0" smtClean="0"/>
+              <a:t>s</a:t>
+            </a:r>
+            <a:endParaRPr lang="zh-CN" altLang="en-US" dirty="0"/>
+          </a:p>
+        </p:txBody>
+      </p:sp>
+      <p:pic>
+        <p:nvPicPr>
+          <p:cNvPr id="17410" name="Picture 2"/>
+          <p:cNvPicPr>
+            <a:picLocks noChangeAspect="1" noChangeArrowheads="1"/>
+          </p:cNvPicPr>
+          <p:nvPr/>
+        </p:nvPicPr>
+        <p:blipFill>
+          <a:blip r:embed="rId2"/>
+          <a:srcRect/>
+          <a:stretch>
+            <a:fillRect/>
+          </a:stretch>
+        </p:blipFill>
+        <p:spPr bwMode="auto">
+          <a:xfrm>
+            <a:off x="357158" y="1357298"/>
+            <a:ext cx="4943475" cy="2743200"/>
+          </a:xfrm>
+          <a:prstGeom prst="rect">
+            <a:avLst/>
+          </a:prstGeom>
+          <a:noFill/>
+          <a:ln w="9525">
+            <a:noFill/>
+            <a:miter lim="800000"/>
+            <a:headEnd/>
+            <a:tailEnd/>
+          </a:ln>
+          <a:effectLst/>
+        </p:spPr>
+      </p:pic>
+      <p:pic>
+        <p:nvPicPr>
+          <p:cNvPr id="17411" name="Picture 3"/>
+          <p:cNvPicPr>
+            <a:picLocks noChangeAspect="1" noChangeArrowheads="1"/>
+          </p:cNvPicPr>
+          <p:nvPr/>
+        </p:nvPicPr>
+        <p:blipFill>
+          <a:blip r:embed="rId3"/>
+          <a:srcRect/>
+          <a:stretch>
+            <a:fillRect/>
+          </a:stretch>
+        </p:blipFill>
+        <p:spPr bwMode="auto">
+          <a:xfrm>
+            <a:off x="5357818" y="1857364"/>
+            <a:ext cx="3552825" cy="1419225"/>
+          </a:xfrm>
+          <a:prstGeom prst="rect">
+            <a:avLst/>
+          </a:prstGeom>
+          <a:noFill/>
+          <a:ln w="9525">
+            <a:noFill/>
+            <a:miter lim="800000"/>
+            <a:headEnd/>
+            <a:tailEnd/>
+          </a:ln>
+          <a:effectLst/>
+        </p:spPr>
+      </p:pic>
+      <p:pic>
+        <p:nvPicPr>
+          <p:cNvPr id="17412" name="Picture 4"/>
+          <p:cNvPicPr>
+            <a:picLocks noChangeAspect="1" noChangeArrowheads="1"/>
+          </p:cNvPicPr>
+          <p:nvPr/>
+        </p:nvPicPr>
+        <p:blipFill>
+          <a:blip r:embed="rId4"/>
+          <a:srcRect/>
+          <a:stretch>
+            <a:fillRect/>
+          </a:stretch>
+        </p:blipFill>
+        <p:spPr bwMode="auto">
+          <a:xfrm>
+            <a:off x="4286248" y="4143380"/>
+            <a:ext cx="3895725" cy="2466975"/>
+          </a:xfrm>
+          <a:prstGeom prst="rect">
+            <a:avLst/>
+          </a:prstGeom>
+          <a:noFill/>
+          <a:ln w="9525">
+            <a:noFill/>
+            <a:miter lim="800000"/>
+            <a:headEnd/>
+            <a:tailEnd/>
+          </a:ln>
+          <a:effectLst/>
+        </p:spPr>
+      </p:pic>
+      <p:sp>
+        <p:nvSpPr>
+          <p:cNvPr id="6" name="矩形 5"/>
+          <p:cNvSpPr/>
+          <p:nvPr/>
+        </p:nvSpPr>
+        <p:spPr>
+          <a:xfrm>
+            <a:off x="1428728" y="2071678"/>
+            <a:ext cx="1500198" cy="357190"/>
+          </a:xfrm>
+          <a:prstGeom prst="rect">
+            <a:avLst/>
+          </a:prstGeom>
+          <a:noFill/>
+          <a:ln>
+            <a:solidFill>
+              <a:srgbClr val="FF0000"/>
+            </a:solidFill>
+          </a:ln>
+        </p:spPr>
+        <p:style>
+          <a:lnRef idx="2">
+            <a:schemeClr val="accent1">
+              <a:shade val="50000"/>
+            </a:schemeClr>
+          </a:lnRef>
+          <a:fillRef idx="1">
+            <a:schemeClr val="accent1"/>
+          </a:fillRef>
+          <a:effectRef idx="0">
+            <a:schemeClr val="accent1"/>
+          </a:effectRef>
+          <a:fontRef idx="minor">
+            <a:schemeClr val="lt1"/>
+          </a:fontRef>
+        </p:style>
+        <p:txBody>
+          <a:bodyPr rtlCol="0" anchor="ctr"/>
+          <a:lstStyle/>
+          <a:p>
+            <a:pPr algn="ctr"/>
+            <a:endParaRPr lang="zh-CN" altLang="en-US"/>
+          </a:p>
+        </p:txBody>
+      </p:sp>
+      <p:sp>
+        <p:nvSpPr>
+          <p:cNvPr id="7" name="矩形 6"/>
+          <p:cNvSpPr/>
+          <p:nvPr/>
+        </p:nvSpPr>
+        <p:spPr>
+          <a:xfrm>
+            <a:off x="6072198" y="2214554"/>
+            <a:ext cx="1500198" cy="285752"/>
+          </a:xfrm>
+          <a:prstGeom prst="rect">
+            <a:avLst/>
+          </a:prstGeom>
+          <a:noFill/>
+          <a:ln>
+            <a:solidFill>
+              <a:srgbClr val="FF0000"/>
+            </a:solidFill>
+          </a:ln>
+        </p:spPr>
+        <p:style>
+          <a:lnRef idx="2">
+            <a:schemeClr val="accent1">
+              <a:shade val="50000"/>
+            </a:schemeClr>
+          </a:lnRef>
+          <a:fillRef idx="1">
+            <a:schemeClr val="accent1"/>
+          </a:fillRef>
+          <a:effectRef idx="0">
+            <a:schemeClr val="accent1"/>
+          </a:effectRef>
+          <a:fontRef idx="minor">
+            <a:schemeClr val="lt1"/>
+          </a:fontRef>
+        </p:style>
+        <p:txBody>
+          <a:bodyPr rtlCol="0" anchor="ctr"/>
+          <a:lstStyle/>
+          <a:p>
+            <a:pPr algn="ctr"/>
+            <a:endParaRPr lang="zh-CN" altLang="en-US"/>
+          </a:p>
+        </p:txBody>
+      </p:sp>
+      <p:sp>
+        <p:nvSpPr>
+          <p:cNvPr id="8" name="矩形 7"/>
+          <p:cNvSpPr/>
+          <p:nvPr/>
+        </p:nvSpPr>
+        <p:spPr>
+          <a:xfrm>
+            <a:off x="5572132" y="4643446"/>
+            <a:ext cx="1500198" cy="285752"/>
+          </a:xfrm>
+          <a:prstGeom prst="rect">
+            <a:avLst/>
+          </a:prstGeom>
+          <a:noFill/>
+          <a:ln>
+            <a:solidFill>
+              <a:srgbClr val="FF0000"/>
+            </a:solidFill>
+          </a:ln>
+        </p:spPr>
+        <p:style>
+          <a:lnRef idx="2">
+            <a:schemeClr val="accent1">
+              <a:shade val="50000"/>
+            </a:schemeClr>
+          </a:lnRef>
+          <a:fillRef idx="1">
+            <a:schemeClr val="accent1"/>
+          </a:fillRef>
+          <a:effectRef idx="0">
+            <a:schemeClr val="accent1"/>
+          </a:effectRef>
+          <a:fontRef idx="minor">
+            <a:schemeClr val="lt1"/>
+          </a:fontRef>
+        </p:style>
+        <p:txBody>
+          <a:bodyPr rtlCol="0" anchor="ctr"/>
+          <a:lstStyle/>
+          <a:p>
+            <a:pPr algn="ctr"/>
+            <a:endParaRPr lang="zh-CN" altLang="en-US"/>
+          </a:p>
+        </p:txBody>
+      </p:sp>
+    </p:spTree>
+  </p:cSld>
+  <p:clrMapOvr>
+    <a:masterClrMapping/>
+  </p:clrMapOvr>
+  <p:timing>
+    <p:tnLst>
+      <p:par>
+        <p:cTn id="1" dur="indefinite" restart="never" nodeType="tmRoot"/>
+      </p:par>
+    </p:tnLst>
+  </p:timing>
+</p:sld>
+</file>
+
+<file path=ppt/slides/slide31.xml><?xml version="1.0" encoding="utf-8"?>
+<p:sld xmlns:a="http://schemas.openxmlformats.org/drawingml/2006/main" xmlns:r="http://schemas.openxmlformats.org/officeDocument/2006/relationships" xmlns:p="http://schemas.openxmlformats.org/presentationml/2006/main">
+  <p:cSld>
+    <p:spTree>
+      <p:nvGrpSpPr>
+        <p:cNvPr id="1" name=""/>
+        <p:cNvGrpSpPr/>
+        <p:nvPr/>
+      </p:nvGrpSpPr>
+      <p:grpSpPr>
+        <a:xfrm>
+          <a:off x="0" y="0"/>
+          <a:ext cx="0" cy="0"/>
+          <a:chOff x="0" y="0"/>
+          <a:chExt cx="0" cy="0"/>
+        </a:xfrm>
+      </p:grpSpPr>
+      <p:sp>
+        <p:nvSpPr>
+          <p:cNvPr id="2" name="标题 1"/>
+          <p:cNvSpPr>
+            <a:spLocks noGrp="1"/>
+          </p:cNvSpPr>
+          <p:nvPr>
+            <p:ph type="title"/>
+          </p:nvPr>
+        </p:nvSpPr>
+        <p:spPr/>
+        <p:txBody>
+          <a:bodyPr/>
+          <a:lstStyle/>
+          <a:p>
+            <a:r>
+              <a:rPr lang="en-US" altLang="zh-CN" dirty="0" smtClean="0"/>
+              <a:t>$().filter</a:t>
+            </a:r>
+            <a:endParaRPr lang="zh-CN" altLang="en-US" dirty="0"/>
+          </a:p>
+        </p:txBody>
+      </p:sp>
+      <p:pic>
+        <p:nvPicPr>
+          <p:cNvPr id="18435" name="Picture 3"/>
+          <p:cNvPicPr>
+            <a:picLocks noChangeAspect="1" noChangeArrowheads="1"/>
+          </p:cNvPicPr>
+          <p:nvPr/>
+        </p:nvPicPr>
+        <p:blipFill>
+          <a:blip r:embed="rId2"/>
+          <a:srcRect/>
+          <a:stretch>
+            <a:fillRect/>
+          </a:stretch>
+        </p:blipFill>
+        <p:spPr bwMode="auto">
+          <a:xfrm>
+            <a:off x="3438525" y="0"/>
+            <a:ext cx="5705475" cy="962025"/>
+          </a:xfrm>
+          <a:prstGeom prst="rect">
+            <a:avLst/>
+          </a:prstGeom>
+          <a:noFill/>
+          <a:ln w="9525">
+            <a:noFill/>
+            <a:miter lim="800000"/>
+            <a:headEnd/>
+            <a:tailEnd/>
+          </a:ln>
+          <a:effectLst/>
+        </p:spPr>
+      </p:pic>
+      <p:pic>
+        <p:nvPicPr>
+          <p:cNvPr id="18436" name="Picture 4"/>
+          <p:cNvPicPr>
+            <a:picLocks noChangeAspect="1" noChangeArrowheads="1"/>
+          </p:cNvPicPr>
+          <p:nvPr/>
+        </p:nvPicPr>
+        <p:blipFill>
+          <a:blip r:embed="rId3"/>
+          <a:srcRect/>
+          <a:stretch>
+            <a:fillRect/>
+          </a:stretch>
+        </p:blipFill>
+        <p:spPr bwMode="auto">
+          <a:xfrm>
+            <a:off x="3590925" y="1238250"/>
+            <a:ext cx="5553075" cy="5619750"/>
+          </a:xfrm>
+          <a:prstGeom prst="rect">
+            <a:avLst/>
+          </a:prstGeom>
+          <a:noFill/>
+          <a:ln w="9525">
+            <a:noFill/>
+            <a:miter lim="800000"/>
+            <a:headEnd/>
+            <a:tailEnd/>
+          </a:ln>
+          <a:effectLst/>
+        </p:spPr>
+      </p:pic>
+      <p:sp>
+        <p:nvSpPr>
+          <p:cNvPr id="6" name="矩形 5"/>
+          <p:cNvSpPr/>
+          <p:nvPr/>
+        </p:nvSpPr>
+        <p:spPr>
+          <a:xfrm>
+            <a:off x="4286248" y="5357826"/>
+            <a:ext cx="4143404" cy="428628"/>
+          </a:xfrm>
+          <a:prstGeom prst="rect">
+            <a:avLst/>
+          </a:prstGeom>
+          <a:noFill/>
+          <a:ln>
+            <a:solidFill>
+              <a:srgbClr val="FF0000"/>
+            </a:solidFill>
+          </a:ln>
+        </p:spPr>
+        <p:style>
+          <a:lnRef idx="2">
+            <a:schemeClr val="accent1">
+              <a:shade val="50000"/>
+            </a:schemeClr>
+          </a:lnRef>
+          <a:fillRef idx="1">
+            <a:schemeClr val="accent1"/>
+          </a:fillRef>
+          <a:effectRef idx="0">
+            <a:schemeClr val="accent1"/>
+          </a:effectRef>
+          <a:fontRef idx="minor">
+            <a:schemeClr val="lt1"/>
+          </a:fontRef>
+        </p:style>
+        <p:txBody>
+          <a:bodyPr rtlCol="0" anchor="ctr"/>
+          <a:lstStyle/>
+          <a:p>
+            <a:pPr algn="ctr"/>
+            <a:endParaRPr lang="zh-CN" altLang="en-US"/>
+          </a:p>
+        </p:txBody>
+      </p:sp>
+      <p:pic>
+        <p:nvPicPr>
+          <p:cNvPr id="18437" name="Picture 5"/>
+          <p:cNvPicPr>
+            <a:picLocks noChangeAspect="1" noChangeArrowheads="1"/>
+          </p:cNvPicPr>
+          <p:nvPr/>
+        </p:nvPicPr>
+        <p:blipFill>
+          <a:blip r:embed="rId4"/>
+          <a:srcRect/>
+          <a:stretch>
+            <a:fillRect/>
+          </a:stretch>
+        </p:blipFill>
+        <p:spPr bwMode="auto">
+          <a:xfrm>
+            <a:off x="0" y="5095881"/>
+            <a:ext cx="4056078" cy="1762119"/>
+          </a:xfrm>
+          <a:prstGeom prst="rect">
+            <a:avLst/>
+          </a:prstGeom>
+          <a:noFill/>
+          <a:ln w="9525">
+            <a:noFill/>
+            <a:miter lim="800000"/>
+            <a:headEnd/>
+            <a:tailEnd/>
+          </a:ln>
+          <a:effectLst/>
+        </p:spPr>
+      </p:pic>
+    </p:spTree>
+  </p:cSld>
+  <p:clrMapOvr>
+    <a:masterClrMapping/>
+  </p:clrMapOvr>
+  <p:timing>
+    <p:tnLst>
+      <p:par>
+        <p:cTn id="1" dur="indefinite" restart="never" nodeType="tmRoot"/>
+      </p:par>
+    </p:tnLst>
+  </p:timing>
+</p:sld>
+</file>
+
+<file path=ppt/slides/slide32.xml><?xml version="1.0" encoding="utf-8"?>
+<p:sld xmlns:a="http://schemas.openxmlformats.org/drawingml/2006/main" xmlns:r="http://schemas.openxmlformats.org/officeDocument/2006/relationships" xmlns:p="http://schemas.openxmlformats.org/presentationml/2006/main">
+  <p:cSld>
+    <p:spTree>
+      <p:nvGrpSpPr>
+        <p:cNvPr id="1" name=""/>
+        <p:cNvGrpSpPr/>
+        <p:nvPr/>
+      </p:nvGrpSpPr>
+      <p:grpSpPr>
+        <a:xfrm>
+          <a:off x="0" y="0"/>
+          <a:ext cx="0" cy="0"/>
+          <a:chOff x="0" y="0"/>
+          <a:chExt cx="0" cy="0"/>
+        </a:xfrm>
+      </p:grpSpPr>
+      <p:sp>
+        <p:nvSpPr>
+          <p:cNvPr id="2" name="标题 1"/>
+          <p:cNvSpPr>
+            <a:spLocks noGrp="1"/>
+          </p:cNvSpPr>
+          <p:nvPr>
+            <p:ph type="title"/>
+          </p:nvPr>
+        </p:nvSpPr>
+        <p:spPr/>
+        <p:txBody>
+          <a:bodyPr/>
+          <a:lstStyle/>
+          <a:p>
+            <a:r>
+              <a:rPr lang="zh-CN" altLang="en-US" dirty="0" smtClean="0"/>
+              <a:t>事件</a:t>
+            </a:r>
+            <a:r>
+              <a:rPr lang="en-US" altLang="zh-CN" dirty="0" smtClean="0"/>
+              <a:t>-on</a:t>
+            </a:r>
+            <a:r>
+              <a:rPr lang="zh-CN" altLang="en-US" dirty="0" smtClean="0"/>
+              <a:t>、</a:t>
+            </a:r>
+            <a:r>
+              <a:rPr lang="en-US" altLang="zh-CN" dirty="0" smtClean="0"/>
+              <a:t>off</a:t>
+            </a:r>
+            <a:endParaRPr lang="zh-CN" altLang="en-US" dirty="0"/>
+          </a:p>
+        </p:txBody>
+      </p:sp>
+      <p:pic>
+        <p:nvPicPr>
+          <p:cNvPr id="19460" name="Picture 4"/>
+          <p:cNvPicPr>
+            <a:picLocks noChangeAspect="1" noChangeArrowheads="1"/>
+          </p:cNvPicPr>
+          <p:nvPr/>
+        </p:nvPicPr>
+        <p:blipFill>
+          <a:blip r:embed="rId2"/>
+          <a:srcRect/>
+          <a:stretch>
+            <a:fillRect/>
+          </a:stretch>
+        </p:blipFill>
+        <p:spPr bwMode="auto">
+          <a:xfrm>
+            <a:off x="0" y="1643050"/>
+            <a:ext cx="5095066" cy="5214950"/>
+          </a:xfrm>
+          <a:prstGeom prst="rect">
+            <a:avLst/>
+          </a:prstGeom>
+          <a:noFill/>
+          <a:ln w="9525">
+            <a:noFill/>
+            <a:miter lim="800000"/>
+            <a:headEnd/>
+            <a:tailEnd/>
+          </a:ln>
+          <a:effectLst/>
+        </p:spPr>
+      </p:pic>
+      <p:pic>
+        <p:nvPicPr>
+          <p:cNvPr id="19459" name="Picture 3"/>
+          <p:cNvPicPr>
+            <a:picLocks noChangeAspect="1" noChangeArrowheads="1"/>
+          </p:cNvPicPr>
+          <p:nvPr/>
+        </p:nvPicPr>
+        <p:blipFill>
+          <a:blip r:embed="rId3"/>
+          <a:srcRect/>
+          <a:stretch>
+            <a:fillRect/>
+          </a:stretch>
+        </p:blipFill>
+        <p:spPr bwMode="auto">
+          <a:xfrm>
+            <a:off x="4572000" y="832300"/>
+            <a:ext cx="4572000" cy="6025700"/>
+          </a:xfrm>
+          <a:prstGeom prst="rect">
+            <a:avLst/>
+          </a:prstGeom>
+          <a:noFill/>
+          <a:ln w="9525">
+            <a:noFill/>
+            <a:miter lim="800000"/>
+            <a:headEnd/>
+            <a:tailEnd/>
+          </a:ln>
+          <a:effectLst/>
+        </p:spPr>
+      </p:pic>
+      <p:sp>
+        <p:nvSpPr>
+          <p:cNvPr id="9" name="矩形 8"/>
+          <p:cNvSpPr/>
+          <p:nvPr/>
+        </p:nvSpPr>
+        <p:spPr>
+          <a:xfrm>
+            <a:off x="571472" y="6143644"/>
+            <a:ext cx="3929090" cy="500066"/>
+          </a:xfrm>
+          <a:prstGeom prst="rect">
+            <a:avLst/>
+          </a:prstGeom>
+          <a:noFill/>
+          <a:ln>
+            <a:solidFill>
+              <a:srgbClr val="FF0000"/>
+            </a:solidFill>
+          </a:ln>
+        </p:spPr>
+        <p:style>
+          <a:lnRef idx="2">
+            <a:schemeClr val="accent1">
+              <a:shade val="50000"/>
+            </a:schemeClr>
+          </a:lnRef>
+          <a:fillRef idx="1">
+            <a:schemeClr val="accent1"/>
+          </a:fillRef>
+          <a:effectRef idx="0">
+            <a:schemeClr val="accent1"/>
+          </a:effectRef>
+          <a:fontRef idx="minor">
+            <a:schemeClr val="lt1"/>
+          </a:fontRef>
+        </p:style>
+        <p:txBody>
+          <a:bodyPr rtlCol="0" anchor="ctr"/>
+          <a:lstStyle/>
+          <a:p>
+            <a:pPr algn="ctr"/>
+            <a:endParaRPr lang="zh-CN" altLang="en-US"/>
+          </a:p>
+        </p:txBody>
+      </p:sp>
+      <p:sp>
+        <p:nvSpPr>
+          <p:cNvPr id="10" name="矩形 9"/>
+          <p:cNvSpPr/>
+          <p:nvPr/>
+        </p:nvSpPr>
+        <p:spPr>
+          <a:xfrm>
+            <a:off x="4786314" y="6286520"/>
+            <a:ext cx="3929090" cy="500066"/>
+          </a:xfrm>
+          <a:prstGeom prst="rect">
+            <a:avLst/>
+          </a:prstGeom>
+          <a:noFill/>
+          <a:ln>
+            <a:solidFill>
+              <a:srgbClr val="FF0000"/>
+            </a:solidFill>
+          </a:ln>
+        </p:spPr>
+        <p:style>
+          <a:lnRef idx="2">
+            <a:schemeClr val="accent1">
+              <a:shade val="50000"/>
+            </a:schemeClr>
+          </a:lnRef>
+          <a:fillRef idx="1">
+            <a:schemeClr val="accent1"/>
+          </a:fillRef>
+          <a:effectRef idx="0">
+            <a:schemeClr val="accent1"/>
+          </a:effectRef>
+          <a:fontRef idx="minor">
+            <a:schemeClr val="lt1"/>
+          </a:fontRef>
+        </p:style>
+        <p:txBody>
+          <a:bodyPr rtlCol="0" anchor="ctr"/>
+          <a:lstStyle/>
+          <a:p>
+            <a:pPr algn="ctr"/>
+            <a:endParaRPr lang="zh-CN" altLang="en-US"/>
+          </a:p>
+        </p:txBody>
+      </p:sp>
+    </p:spTree>
+  </p:cSld>
+  <p:clrMapOvr>
+    <a:masterClrMapping/>
+  </p:clrMapOvr>
+  <p:timing>
+    <p:tnLst>
+      <p:par>
+        <p:cTn id="1" dur="indefinite" restart="never" nodeType="tmRoot"/>
+      </p:par>
+    </p:tnLst>
+  </p:timing>
+</p:sld>
+</file>
+
+<file path=ppt/slides/slide33.xml><?xml version="1.0" encoding="utf-8"?>
+<p:sld xmlns:a="http://schemas.openxmlformats.org/drawingml/2006/main" xmlns:r="http://schemas.openxmlformats.org/officeDocument/2006/relationships" xmlns:p="http://schemas.openxmlformats.org/presentationml/2006/main">
+  <p:cSld>
+    <p:spTree>
+      <p:nvGrpSpPr>
+        <p:cNvPr id="1" name=""/>
+        <p:cNvGrpSpPr/>
+        <p:nvPr/>
+      </p:nvGrpSpPr>
+      <p:grpSpPr>
+        <a:xfrm>
+          <a:off x="0" y="0"/>
+          <a:ext cx="0" cy="0"/>
+          <a:chOff x="0" y="0"/>
+          <a:chExt cx="0" cy="0"/>
+        </a:xfrm>
+      </p:grpSpPr>
+      <p:sp>
+        <p:nvSpPr>
+          <p:cNvPr id="2" name="标题 1"/>
+          <p:cNvSpPr>
+            <a:spLocks noGrp="1"/>
+          </p:cNvSpPr>
+          <p:nvPr>
+            <p:ph type="title"/>
+          </p:nvPr>
+        </p:nvSpPr>
+        <p:spPr/>
+        <p:txBody>
+          <a:bodyPr/>
+          <a:lstStyle/>
+          <a:p>
+            <a:r>
+              <a:rPr lang="en-US" altLang="zh-CN" dirty="0" smtClean="0"/>
+              <a:t>$.</a:t>
+            </a:r>
+            <a:r>
+              <a:rPr lang="en-US" altLang="zh-CN" dirty="0" err="1" smtClean="0"/>
+              <a:t>event.add</a:t>
+            </a:r>
+            <a:endParaRPr lang="zh-CN" altLang="en-US" dirty="0"/>
+          </a:p>
+        </p:txBody>
+      </p:sp>
+      <p:pic>
+        <p:nvPicPr>
+          <p:cNvPr id="20482" name="Picture 2"/>
+          <p:cNvPicPr>
+            <a:picLocks noChangeAspect="1" noChangeArrowheads="1"/>
+          </p:cNvPicPr>
+          <p:nvPr/>
+        </p:nvPicPr>
+        <p:blipFill>
+          <a:blip r:embed="rId2"/>
+          <a:srcRect/>
+          <a:stretch>
+            <a:fillRect/>
+          </a:stretch>
+        </p:blipFill>
+        <p:spPr bwMode="auto">
+          <a:xfrm>
+            <a:off x="1" y="1643050"/>
+            <a:ext cx="5405652" cy="5214950"/>
+          </a:xfrm>
+          <a:prstGeom prst="rect">
+            <a:avLst/>
+          </a:prstGeom>
+          <a:noFill/>
+          <a:ln w="9525">
+            <a:noFill/>
+            <a:miter lim="800000"/>
+            <a:headEnd/>
+            <a:tailEnd/>
+          </a:ln>
+          <a:effectLst/>
+        </p:spPr>
+      </p:pic>
+      <p:pic>
+        <p:nvPicPr>
+          <p:cNvPr id="20483" name="Picture 3"/>
+          <p:cNvPicPr>
+            <a:picLocks noChangeAspect="1" noChangeArrowheads="1"/>
+          </p:cNvPicPr>
+          <p:nvPr/>
+        </p:nvPicPr>
+        <p:blipFill>
+          <a:blip r:embed="rId3"/>
+          <a:srcRect/>
+          <a:stretch>
+            <a:fillRect/>
+          </a:stretch>
+        </p:blipFill>
+        <p:spPr bwMode="auto">
+          <a:xfrm>
+            <a:off x="3714745" y="-1"/>
+            <a:ext cx="5429256" cy="4979983"/>
+          </a:xfrm>
+          <a:prstGeom prst="rect">
+            <a:avLst/>
+          </a:prstGeom>
+          <a:noFill/>
+          <a:ln w="9525">
+            <a:noFill/>
+            <a:miter lim="800000"/>
+            <a:headEnd/>
+            <a:tailEnd/>
+          </a:ln>
+          <a:effectLst/>
+        </p:spPr>
+      </p:pic>
+      <p:sp>
+        <p:nvSpPr>
+          <p:cNvPr id="5" name="矩形 4"/>
+          <p:cNvSpPr/>
+          <p:nvPr/>
+        </p:nvSpPr>
+        <p:spPr>
+          <a:xfrm>
+            <a:off x="857224" y="2285992"/>
+            <a:ext cx="2071702" cy="214314"/>
+          </a:xfrm>
+          <a:prstGeom prst="rect">
+            <a:avLst/>
+          </a:prstGeom>
+          <a:noFill/>
+          <a:ln>
+            <a:solidFill>
+              <a:srgbClr val="FF0000"/>
+            </a:solidFill>
+          </a:ln>
+        </p:spPr>
+        <p:style>
+          <a:lnRef idx="2">
+            <a:schemeClr val="accent1">
+              <a:shade val="50000"/>
+            </a:schemeClr>
+          </a:lnRef>
+          <a:fillRef idx="1">
+            <a:schemeClr val="accent1"/>
+          </a:fillRef>
+          <a:effectRef idx="0">
+            <a:schemeClr val="accent1"/>
+          </a:effectRef>
+          <a:fontRef idx="minor">
+            <a:schemeClr val="lt1"/>
+          </a:fontRef>
+        </p:style>
+        <p:txBody>
+          <a:bodyPr rtlCol="0" anchor="ctr"/>
+          <a:lstStyle/>
+          <a:p>
+            <a:pPr algn="ctr"/>
+            <a:endParaRPr lang="zh-CN" altLang="en-US"/>
+          </a:p>
+        </p:txBody>
+      </p:sp>
+      <p:sp>
+        <p:nvSpPr>
+          <p:cNvPr id="6" name="矩形 5"/>
+          <p:cNvSpPr/>
+          <p:nvPr/>
+        </p:nvSpPr>
+        <p:spPr>
+          <a:xfrm>
+            <a:off x="4929190" y="2786058"/>
+            <a:ext cx="2928958" cy="714380"/>
+          </a:xfrm>
+          <a:prstGeom prst="rect">
+            <a:avLst/>
+          </a:prstGeom>
+          <a:noFill/>
+          <a:ln>
+            <a:solidFill>
+              <a:srgbClr val="FF0000"/>
+            </a:solidFill>
+          </a:ln>
+        </p:spPr>
+        <p:style>
+          <a:lnRef idx="2">
+            <a:schemeClr val="accent1">
+              <a:shade val="50000"/>
+            </a:schemeClr>
+          </a:lnRef>
+          <a:fillRef idx="1">
+            <a:schemeClr val="accent1"/>
+          </a:fillRef>
+          <a:effectRef idx="0">
+            <a:schemeClr val="accent1"/>
+          </a:effectRef>
+          <a:fontRef idx="minor">
+            <a:schemeClr val="lt1"/>
+          </a:fontRef>
+        </p:style>
+        <p:txBody>
+          <a:bodyPr rtlCol="0" anchor="ctr"/>
+          <a:lstStyle/>
+          <a:p>
+            <a:pPr algn="ctr"/>
+            <a:endParaRPr lang="zh-CN" altLang="en-US"/>
+          </a:p>
+        </p:txBody>
+      </p:sp>
+      <p:sp>
+        <p:nvSpPr>
+          <p:cNvPr id="7" name="矩形 6"/>
+          <p:cNvSpPr/>
+          <p:nvPr/>
+        </p:nvSpPr>
+        <p:spPr>
+          <a:xfrm>
+            <a:off x="4643438" y="4714884"/>
+            <a:ext cx="1643074" cy="214314"/>
+          </a:xfrm>
+          <a:prstGeom prst="rect">
+            <a:avLst/>
+          </a:prstGeom>
+          <a:noFill/>
+          <a:ln>
+            <a:solidFill>
+              <a:srgbClr val="FF0000"/>
+            </a:solidFill>
+          </a:ln>
+        </p:spPr>
+        <p:style>
+          <a:lnRef idx="2">
+            <a:schemeClr val="accent1">
+              <a:shade val="50000"/>
+            </a:schemeClr>
+          </a:lnRef>
+          <a:fillRef idx="1">
+            <a:schemeClr val="accent1"/>
+          </a:fillRef>
+          <a:effectRef idx="0">
+            <a:schemeClr val="accent1"/>
+          </a:effectRef>
+          <a:fontRef idx="minor">
+            <a:schemeClr val="lt1"/>
+          </a:fontRef>
+        </p:style>
+        <p:txBody>
+          <a:bodyPr rtlCol="0" anchor="ctr"/>
+          <a:lstStyle/>
+          <a:p>
+            <a:pPr algn="ctr"/>
+            <a:endParaRPr lang="zh-CN" altLang="en-US"/>
+          </a:p>
+        </p:txBody>
+      </p:sp>
+    </p:spTree>
+  </p:cSld>
+  <p:clrMapOvr>
+    <a:masterClrMapping/>
+  </p:clrMapOvr>
+  <p:timing>
+    <p:tnLst>
+      <p:par>
+        <p:cTn id="1" dur="indefinite" restart="never" nodeType="tmRoot"/>
+      </p:par>
+    </p:tnLst>
+  </p:timing>
+</p:sld>
+</file>
+
+<file path=ppt/slides/slide34.xml><?xml version="1.0" encoding="utf-8"?>
+<p:sld xmlns:a="http://schemas.openxmlformats.org/drawingml/2006/main" xmlns:r="http://schemas.openxmlformats.org/officeDocument/2006/relationships" xmlns:p="http://schemas.openxmlformats.org/presentationml/2006/main">
+  <p:cSld>
+    <p:spTree>
+      <p:nvGrpSpPr>
+        <p:cNvPr id="1" name=""/>
+        <p:cNvGrpSpPr/>
+        <p:nvPr/>
+      </p:nvGrpSpPr>
+      <p:grpSpPr>
+        <a:xfrm>
+          <a:off x="0" y="0"/>
+          <a:ext cx="0" cy="0"/>
+          <a:chOff x="0" y="0"/>
+          <a:chExt cx="0" cy="0"/>
+        </a:xfrm>
+      </p:grpSpPr>
+      <p:sp>
+        <p:nvSpPr>
+          <p:cNvPr id="2" name="标题 1"/>
+          <p:cNvSpPr>
+            <a:spLocks noGrp="1"/>
+          </p:cNvSpPr>
+          <p:nvPr>
+            <p:ph type="title"/>
+          </p:nvPr>
+        </p:nvSpPr>
+        <p:spPr/>
+        <p:txBody>
+          <a:bodyPr/>
+          <a:lstStyle/>
+          <a:p>
+            <a:r>
+              <a:rPr lang="zh-CN" altLang="en-US" dirty="0" smtClean="0"/>
+              <a:t>效果</a:t>
+            </a:r>
+            <a:r>
+              <a:rPr lang="en-US" altLang="zh-CN" dirty="0" smtClean="0"/>
+              <a:t>-$().</a:t>
+            </a:r>
+            <a:r>
+              <a:rPr lang="en-US" dirty="0" smtClean="0"/>
+              <a:t> animate</a:t>
+            </a:r>
+            <a:endParaRPr lang="zh-CN" altLang="en-US" dirty="0"/>
+          </a:p>
+        </p:txBody>
+      </p:sp>
+      <p:pic>
+        <p:nvPicPr>
+          <p:cNvPr id="21507" name="Picture 3"/>
+          <p:cNvPicPr>
+            <a:picLocks noChangeAspect="1" noChangeArrowheads="1"/>
+          </p:cNvPicPr>
+          <p:nvPr/>
+        </p:nvPicPr>
+        <p:blipFill>
+          <a:blip r:embed="rId2"/>
+          <a:srcRect/>
+          <a:stretch>
+            <a:fillRect/>
+          </a:stretch>
+        </p:blipFill>
+        <p:spPr bwMode="auto">
+          <a:xfrm>
+            <a:off x="1628775" y="1271588"/>
+            <a:ext cx="5886450" cy="4314825"/>
+          </a:xfrm>
+          <a:prstGeom prst="rect">
+            <a:avLst/>
+          </a:prstGeom>
+          <a:noFill/>
+          <a:ln w="9525">
+            <a:noFill/>
+            <a:miter lim="800000"/>
+            <a:headEnd/>
+            <a:tailEnd/>
+          </a:ln>
+          <a:effectLst/>
+        </p:spPr>
+      </p:pic>
+    </p:spTree>
+  </p:cSld>
+  <p:clrMapOvr>
+    <a:masterClrMapping/>
+  </p:clrMapOvr>
+  <p:timing>
+    <p:tnLst>
+      <p:par>
+        <p:cTn id="1" dur="indefinite" restart="never" nodeType="tmRoot"/>
+      </p:par>
+    </p:tnLst>
+  </p:timing>
+</p:sld>
+</file>
+
+<file path=ppt/slides/slide35.xml><?xml version="1.0" encoding="utf-8"?>
+<p:sld xmlns:a="http://schemas.openxmlformats.org/drawingml/2006/main" xmlns:r="http://schemas.openxmlformats.org/officeDocument/2006/relationships" xmlns:p="http://schemas.openxmlformats.org/presentationml/2006/main">
+  <p:cSld>
+    <p:spTree>
+      <p:nvGrpSpPr>
+        <p:cNvPr id="1" name=""/>
+        <p:cNvGrpSpPr/>
+        <p:nvPr/>
+      </p:nvGrpSpPr>
+      <p:grpSpPr>
+        <a:xfrm>
+          <a:off x="0" y="0"/>
+          <a:ext cx="0" cy="0"/>
+          <a:chOff x="0" y="0"/>
+          <a:chExt cx="0" cy="0"/>
+        </a:xfrm>
+      </p:grpSpPr>
+      <p:sp>
+        <p:nvSpPr>
+          <p:cNvPr id="2" name="标题 1"/>
+          <p:cNvSpPr>
+            <a:spLocks noGrp="1"/>
+          </p:cNvSpPr>
+          <p:nvPr>
+            <p:ph type="title"/>
+          </p:nvPr>
+        </p:nvSpPr>
+        <p:spPr/>
+        <p:txBody>
+          <a:bodyPr/>
+          <a:lstStyle/>
+          <a:p>
+            <a:r>
+              <a:rPr lang="en-US" dirty="0" smtClean="0"/>
+              <a:t>Ajax</a:t>
+            </a:r>
+            <a:endParaRPr lang="zh-CN" altLang="en-US" dirty="0"/>
+          </a:p>
+        </p:txBody>
+      </p:sp>
+      <p:pic>
+        <p:nvPicPr>
+          <p:cNvPr id="22530" name="Picture 2"/>
+          <p:cNvPicPr>
+            <a:picLocks noChangeAspect="1" noChangeArrowheads="1"/>
+          </p:cNvPicPr>
+          <p:nvPr/>
+        </p:nvPicPr>
+        <p:blipFill>
+          <a:blip r:embed="rId2"/>
+          <a:srcRect/>
+          <a:stretch>
+            <a:fillRect/>
+          </a:stretch>
+        </p:blipFill>
+        <p:spPr bwMode="auto">
+          <a:xfrm>
+            <a:off x="3267075" y="1152525"/>
+            <a:ext cx="5876925" cy="5705475"/>
+          </a:xfrm>
+          <a:prstGeom prst="rect">
+            <a:avLst/>
+          </a:prstGeom>
+          <a:noFill/>
+          <a:ln w="9525">
+            <a:noFill/>
+            <a:miter lim="800000"/>
+            <a:headEnd/>
+            <a:tailEnd/>
+          </a:ln>
+          <a:effectLst/>
+        </p:spPr>
+      </p:pic>
+    </p:spTree>
+  </p:cSld>
+  <p:clrMapOvr>
+    <a:masterClrMapping/>
+  </p:clrMapOvr>
+  <p:timing>
+    <p:tnLst>
+      <p:par>
+        <p:cTn id="1" dur="indefinite" restart="never" nodeType="tmRoot"/>
+      </p:par>
+    </p:tnLst>
+  </p:timing>
+</p:sld>
+</file>
+
+<file path=ppt/slides/slide36.xml><?xml version="1.0" encoding="utf-8"?>
+<p:sld xmlns:a="http://schemas.openxmlformats.org/drawingml/2006/main" xmlns:r="http://schemas.openxmlformats.org/officeDocument/2006/relationships" xmlns:p="http://schemas.openxmlformats.org/presentationml/2006/main">
+  <p:cSld>
+    <p:spTree>
+      <p:nvGrpSpPr>
+        <p:cNvPr id="1" name=""/>
+        <p:cNvGrpSpPr/>
+        <p:nvPr/>
+      </p:nvGrpSpPr>
+      <p:grpSpPr>
+        <a:xfrm>
+          <a:off x="0" y="0"/>
+          <a:ext cx="0" cy="0"/>
+          <a:chOff x="0" y="0"/>
+          <a:chExt cx="0" cy="0"/>
+        </a:xfrm>
+      </p:grpSpPr>
+      <p:sp>
+        <p:nvSpPr>
+          <p:cNvPr id="2" name="标题 1"/>
+          <p:cNvSpPr>
+            <a:spLocks noGrp="1"/>
+          </p:cNvSpPr>
+          <p:nvPr>
+            <p:ph type="title"/>
+          </p:nvPr>
+        </p:nvSpPr>
+        <p:spPr/>
+        <p:txBody>
+          <a:bodyPr/>
+          <a:lstStyle/>
+          <a:p>
+            <a:r>
+              <a:rPr lang="en-US" altLang="zh-CN" dirty="0" smtClean="0"/>
+              <a:t>$.each</a:t>
+            </a:r>
+            <a:r>
+              <a:rPr lang="zh-CN" altLang="en-US" dirty="0" smtClean="0"/>
+              <a:t>、</a:t>
+            </a:r>
+            <a:r>
+              <a:rPr lang="en-US" altLang="zh-CN" dirty="0" smtClean="0"/>
+              <a:t>$.map</a:t>
+            </a:r>
+            <a:endParaRPr lang="zh-CN" altLang="en-US" dirty="0"/>
+          </a:p>
+        </p:txBody>
+      </p:sp>
+      <p:pic>
+        <p:nvPicPr>
+          <p:cNvPr id="26626" name="Picture 2"/>
+          <p:cNvPicPr>
+            <a:picLocks noChangeAspect="1" noChangeArrowheads="1"/>
+          </p:cNvPicPr>
+          <p:nvPr/>
+        </p:nvPicPr>
+        <p:blipFill>
+          <a:blip r:embed="rId2"/>
+          <a:srcRect/>
+          <a:stretch>
+            <a:fillRect/>
+          </a:stretch>
+        </p:blipFill>
+        <p:spPr bwMode="auto">
+          <a:xfrm>
+            <a:off x="0" y="1357298"/>
+            <a:ext cx="6057900" cy="3990975"/>
+          </a:xfrm>
+          <a:prstGeom prst="rect">
+            <a:avLst/>
+          </a:prstGeom>
+          <a:noFill/>
+          <a:ln w="9525">
+            <a:noFill/>
+            <a:miter lim="800000"/>
+            <a:headEnd/>
+            <a:tailEnd/>
+          </a:ln>
+          <a:effectLst/>
+        </p:spPr>
+      </p:pic>
+      <p:pic>
+        <p:nvPicPr>
+          <p:cNvPr id="26627" name="Picture 3"/>
+          <p:cNvPicPr>
+            <a:picLocks noChangeAspect="1" noChangeArrowheads="1"/>
+          </p:cNvPicPr>
+          <p:nvPr/>
+        </p:nvPicPr>
+        <p:blipFill>
+          <a:blip r:embed="rId3"/>
+          <a:srcRect/>
+          <a:stretch>
+            <a:fillRect/>
+          </a:stretch>
+        </p:blipFill>
+        <p:spPr bwMode="auto">
+          <a:xfrm>
+            <a:off x="5572132" y="3632618"/>
+            <a:ext cx="3571868" cy="3225382"/>
+          </a:xfrm>
+          <a:prstGeom prst="rect">
+            <a:avLst/>
+          </a:prstGeom>
+          <a:noFill/>
+          <a:ln w="9525">
+            <a:noFill/>
+            <a:miter lim="800000"/>
+            <a:headEnd/>
+            <a:tailEnd/>
+          </a:ln>
+          <a:effectLst/>
+        </p:spPr>
+      </p:pic>
+      <p:sp>
+        <p:nvSpPr>
+          <p:cNvPr id="5" name="矩形 4"/>
+          <p:cNvSpPr/>
+          <p:nvPr/>
+        </p:nvSpPr>
+        <p:spPr>
+          <a:xfrm>
+            <a:off x="6858016" y="428604"/>
+            <a:ext cx="1689886" cy="923330"/>
+          </a:xfrm>
+          <a:prstGeom prst="rect">
+            <a:avLst/>
+          </a:prstGeom>
+        </p:spPr>
+        <p:txBody>
+          <a:bodyPr wrap="none">
+            <a:spAutoFit/>
+          </a:bodyPr>
+          <a:lstStyle/>
+          <a:p>
+            <a:r>
+              <a:rPr lang="zh-CN" altLang="en-US" dirty="0" smtClean="0"/>
+              <a:t>迭代器</a:t>
+            </a:r>
+            <a:r>
+              <a:rPr lang="zh-CN" altLang="en-US" dirty="0" smtClean="0"/>
+              <a:t>模式</a:t>
+            </a:r>
+            <a:endParaRPr lang="en-US" altLang="zh-CN" dirty="0" smtClean="0"/>
+          </a:p>
+          <a:p>
+            <a:r>
+              <a:rPr lang="en-US" altLang="zh-CN" dirty="0" err="1" smtClean="0"/>
+              <a:t>Array.forEach</a:t>
+            </a:r>
+            <a:endParaRPr lang="en-US" altLang="zh-CN" dirty="0" smtClean="0"/>
+          </a:p>
+          <a:p>
+            <a:r>
+              <a:rPr lang="en-US" altLang="zh-CN" dirty="0" smtClean="0"/>
+              <a:t>Array.map</a:t>
+            </a:r>
+            <a:endParaRPr lang="zh-CN" altLang="en-US" dirty="0"/>
+          </a:p>
+        </p:txBody>
+      </p:sp>
+    </p:spTree>
+  </p:cSld>
+  <p:clrMapOvr>
+    <a:masterClrMapping/>
+  </p:clrMapOvr>
+  <p:timing>
+    <p:tnLst>
+      <p:par>
+        <p:cTn id="1" dur="indefinite" restart="never" nodeType="tmRoot"/>
+      </p:par>
+    </p:tnLst>
+  </p:timing>
+</p:sld>
+</file>
+
+<file path=ppt/slides/slide37.xml><?xml version="1.0" encoding="utf-8"?>
+<p:sld xmlns:a="http://schemas.openxmlformats.org/drawingml/2006/main" xmlns:r="http://schemas.openxmlformats.org/officeDocument/2006/relationships" xmlns:p="http://schemas.openxmlformats.org/presentationml/2006/main">
+  <p:cSld>
+    <p:spTree>
+      <p:nvGrpSpPr>
+        <p:cNvPr id="1" name=""/>
+        <p:cNvGrpSpPr/>
+        <p:nvPr/>
+      </p:nvGrpSpPr>
+      <p:grpSpPr>
+        <a:xfrm>
+          <a:off x="0" y="0"/>
+          <a:ext cx="0" cy="0"/>
+          <a:chOff x="0" y="0"/>
+          <a:chExt cx="0" cy="0"/>
+        </a:xfrm>
+      </p:grpSpPr>
+      <p:sp>
+        <p:nvSpPr>
+          <p:cNvPr id="2" name="内容占位符 1"/>
+          <p:cNvSpPr>
+            <a:spLocks noGrp="1"/>
+          </p:cNvSpPr>
+          <p:nvPr>
+            <p:ph idx="1"/>
+          </p:nvPr>
+        </p:nvSpPr>
+        <p:spPr/>
+        <p:txBody>
+          <a:bodyPr/>
+          <a:lstStyle/>
+          <a:p>
+            <a:r>
+              <a:rPr lang="zh-CN" altLang="en-US" dirty="0" smtClean="0"/>
+              <a:t>善用正则表达式</a:t>
+            </a:r>
+            <a:r>
+              <a:rPr lang="en-US" altLang="zh-CN" dirty="0" smtClean="0"/>
+              <a:t>-</a:t>
+            </a:r>
+            <a:r>
+              <a:rPr lang="zh-CN" altLang="en-US" dirty="0" smtClean="0"/>
+              <a:t>涉及</a:t>
+            </a:r>
+            <a:r>
+              <a:rPr lang="zh-CN" altLang="en-US" dirty="0" smtClean="0"/>
+              <a:t>字符串处理</a:t>
+            </a:r>
+            <a:endParaRPr lang="en-US" altLang="zh-CN" dirty="0" smtClean="0"/>
+          </a:p>
+          <a:p>
+            <a:r>
+              <a:rPr lang="zh-CN" altLang="en-US" dirty="0" smtClean="0"/>
+              <a:t>声明变量、判断时用换行增强可读性</a:t>
+            </a:r>
+            <a:endParaRPr lang="en-US" altLang="zh-CN" dirty="0" smtClean="0"/>
+          </a:p>
+          <a:p>
+            <a:r>
+              <a:rPr lang="zh-CN" altLang="en-US" b="1" dirty="0" smtClean="0"/>
+              <a:t>多重短路</a:t>
+            </a:r>
+            <a:r>
+              <a:rPr lang="zh-CN" altLang="en-US" b="1" dirty="0" smtClean="0"/>
+              <a:t>表达式</a:t>
+            </a:r>
+            <a:endParaRPr lang="en-US" altLang="zh-CN" dirty="0" smtClean="0"/>
+          </a:p>
+          <a:p>
+            <a:r>
+              <a:rPr lang="en-US" altLang="zh-CN" b="1" dirty="0" smtClean="0"/>
+              <a:t>Hook</a:t>
+            </a:r>
+          </a:p>
+          <a:p>
+            <a:r>
+              <a:rPr lang="zh-CN" altLang="en-US" b="1" dirty="0" smtClean="0"/>
+              <a:t>链式</a:t>
+            </a:r>
+            <a:r>
+              <a:rPr lang="zh-CN" altLang="en-US" b="1" dirty="0" smtClean="0"/>
+              <a:t>调用</a:t>
+            </a:r>
+            <a:endParaRPr lang="en-US" altLang="zh-CN" b="1" dirty="0" smtClean="0"/>
+          </a:p>
+          <a:p>
+            <a:endParaRPr lang="zh-CN" altLang="en-US" b="1" dirty="0" smtClean="0"/>
+          </a:p>
+        </p:txBody>
+      </p:sp>
+      <p:sp>
+        <p:nvSpPr>
+          <p:cNvPr id="3" name="标题 2"/>
+          <p:cNvSpPr>
+            <a:spLocks noGrp="1"/>
+          </p:cNvSpPr>
+          <p:nvPr>
+            <p:ph type="title"/>
+          </p:nvPr>
+        </p:nvSpPr>
+        <p:spPr/>
+        <p:txBody>
+          <a:bodyPr/>
+          <a:lstStyle/>
+          <a:p>
+            <a:r>
+              <a:rPr lang="zh-CN" altLang="en-US" dirty="0" smtClean="0"/>
+              <a:t>优秀的编码技巧</a:t>
+            </a:r>
+            <a:endParaRPr lang="zh-CN" altLang="en-US" dirty="0"/>
+          </a:p>
+        </p:txBody>
+      </p:sp>
+    </p:spTree>
+  </p:cSld>
+  <p:clrMapOvr>
+    <a:masterClrMapping/>
+  </p:clrMapOvr>
+  <p:timing>
+    <p:tnLst>
+      <p:par>
+        <p:cTn id="1" dur="indefinite" restart="never" nodeType="tmRoot"/>
+      </p:par>
+    </p:tnLst>
+  </p:timing>
+</p:sld>
+</file>
+
+<file path=ppt/slides/slide38.xml><?xml version="1.0" encoding="utf-8"?>
+<p:sld xmlns:a="http://schemas.openxmlformats.org/drawingml/2006/main" xmlns:r="http://schemas.openxmlformats.org/officeDocument/2006/relationships" xmlns:p="http://schemas.openxmlformats.org/presentationml/2006/main">
+  <p:cSld>
+    <p:spTree>
+      <p:nvGrpSpPr>
+        <p:cNvPr id="1" name=""/>
+        <p:cNvGrpSpPr/>
+        <p:nvPr/>
+      </p:nvGrpSpPr>
+      <p:grpSpPr>
+        <a:xfrm>
+          <a:off x="0" y="0"/>
+          <a:ext cx="0" cy="0"/>
+          <a:chOff x="0" y="0"/>
+          <a:chExt cx="0" cy="0"/>
+        </a:xfrm>
+      </p:grpSpPr>
+      <p:sp>
+        <p:nvSpPr>
+          <p:cNvPr id="2" name="标题 1"/>
+          <p:cNvSpPr>
+            <a:spLocks noGrp="1"/>
+          </p:cNvSpPr>
+          <p:nvPr>
+            <p:ph type="title"/>
+          </p:nvPr>
+        </p:nvSpPr>
+        <p:spPr/>
+        <p:txBody>
+          <a:bodyPr>
+            <a:normAutofit/>
+          </a:bodyPr>
+          <a:lstStyle/>
+          <a:p>
+            <a:r>
+              <a:rPr lang="zh-CN" altLang="en-US" dirty="0" smtClean="0"/>
+              <a:t>善用正则表达式</a:t>
+            </a:r>
+            <a:r>
+              <a:rPr lang="en-US" altLang="zh-CN" dirty="0" smtClean="0"/>
+              <a:t>-</a:t>
+            </a:r>
+            <a:r>
+              <a:rPr lang="zh-CN" altLang="en-US" dirty="0" smtClean="0"/>
+              <a:t>涉及字符串</a:t>
+            </a:r>
+            <a:r>
+              <a:rPr lang="zh-CN" altLang="en-US" dirty="0" smtClean="0"/>
+              <a:t>处理</a:t>
+            </a:r>
+            <a:endParaRPr lang="zh-CN" altLang="en-US" dirty="0"/>
+          </a:p>
+        </p:txBody>
+      </p:sp>
+      <p:pic>
+        <p:nvPicPr>
+          <p:cNvPr id="28674" name="Picture 2"/>
+          <p:cNvPicPr>
+            <a:picLocks noChangeAspect="1" noChangeArrowheads="1"/>
+          </p:cNvPicPr>
+          <p:nvPr/>
+        </p:nvPicPr>
+        <p:blipFill>
+          <a:blip r:embed="rId2"/>
+          <a:srcRect/>
+          <a:stretch>
+            <a:fillRect/>
+          </a:stretch>
+        </p:blipFill>
+        <p:spPr bwMode="auto">
+          <a:xfrm>
+            <a:off x="2638425" y="2733675"/>
+            <a:ext cx="3867150" cy="1390650"/>
+          </a:xfrm>
+          <a:prstGeom prst="rect">
+            <a:avLst/>
+          </a:prstGeom>
+          <a:noFill/>
+          <a:ln w="9525">
+            <a:noFill/>
+            <a:miter lim="800000"/>
+            <a:headEnd/>
+            <a:tailEnd/>
+          </a:ln>
+          <a:effectLst/>
+        </p:spPr>
+      </p:pic>
+    </p:spTree>
+  </p:cSld>
+  <p:clrMapOvr>
+    <a:masterClrMapping/>
+  </p:clrMapOvr>
+  <p:timing>
+    <p:tnLst>
+      <p:par>
+        <p:cTn id="1" dur="indefinite" restart="never" nodeType="tmRoot"/>
+      </p:par>
+    </p:tnLst>
+  </p:timing>
+</p:sld>
+</file>
+
+<file path=ppt/slides/slide39.xml><?xml version="1.0" encoding="utf-8"?>
+<p:sld xmlns:a="http://schemas.openxmlformats.org/drawingml/2006/main" xmlns:r="http://schemas.openxmlformats.org/officeDocument/2006/relationships" xmlns:p="http://schemas.openxmlformats.org/presentationml/2006/main">
+  <p:cSld>
+    <p:spTree>
+      <p:nvGrpSpPr>
+        <p:cNvPr id="1" name=""/>
+        <p:cNvGrpSpPr/>
+        <p:nvPr/>
+      </p:nvGrpSpPr>
+      <p:grpSpPr>
+        <a:xfrm>
+          <a:off x="0" y="0"/>
+          <a:ext cx="0" cy="0"/>
+          <a:chOff x="0" y="0"/>
+          <a:chExt cx="0" cy="0"/>
+        </a:xfrm>
+      </p:grpSpPr>
+      <p:sp>
+        <p:nvSpPr>
+          <p:cNvPr id="2" name="标题 1"/>
+          <p:cNvSpPr>
+            <a:spLocks noGrp="1"/>
+          </p:cNvSpPr>
+          <p:nvPr>
+            <p:ph type="title"/>
+          </p:nvPr>
+        </p:nvSpPr>
+        <p:spPr/>
+        <p:txBody>
+          <a:bodyPr>
+            <a:normAutofit fontScale="90000"/>
+          </a:bodyPr>
+          <a:lstStyle/>
+          <a:p>
+            <a:r>
+              <a:rPr lang="zh-CN" altLang="en-US" dirty="0" smtClean="0"/>
+              <a:t>声明变量、判断时用换行增强</a:t>
+            </a:r>
+            <a:r>
+              <a:rPr lang="zh-CN" altLang="en-US" dirty="0" smtClean="0"/>
+              <a:t>可读性</a:t>
+            </a:r>
+            <a:endParaRPr lang="zh-CN" altLang="en-US" dirty="0"/>
+          </a:p>
+        </p:txBody>
+      </p:sp>
+      <p:pic>
+        <p:nvPicPr>
+          <p:cNvPr id="27650" name="Picture 2"/>
+          <p:cNvPicPr>
+            <a:picLocks noChangeAspect="1" noChangeArrowheads="1"/>
+          </p:cNvPicPr>
+          <p:nvPr/>
+        </p:nvPicPr>
+        <p:blipFill>
+          <a:blip r:embed="rId2"/>
+          <a:srcRect/>
+          <a:stretch>
+            <a:fillRect/>
+          </a:stretch>
+        </p:blipFill>
+        <p:spPr bwMode="auto">
+          <a:xfrm>
+            <a:off x="1628775" y="1743075"/>
+            <a:ext cx="5886450" cy="3371850"/>
+          </a:xfrm>
+          <a:prstGeom prst="rect">
+            <a:avLst/>
+          </a:prstGeom>
+          <a:noFill/>
+          <a:ln w="9525">
+            <a:noFill/>
+            <a:miter lim="800000"/>
+            <a:headEnd/>
+            <a:tailEnd/>
+          </a:ln>
+          <a:effectLst/>
+        </p:spPr>
+      </p:pic>
+    </p:spTree>
+  </p:cSld>
+  <p:clrMapOvr>
+    <a:masterClrMapping/>
+  </p:clrMapOvr>
+  <p:timing>
+    <p:tnLst>
+      <p:par>
+        <p:cTn id="1" dur="indefinite" restart="never" nodeType="tmRoot"/>
+      </p:par>
+    </p:tnLst>
+  </p:timing>
 </p:sld>
 </file>
 
@@ -7222,6 +9850,1203 @@
       </p:grpSpPr>
       <p:sp>
         <p:nvSpPr>
+          <p:cNvPr id="3" name="内容占位符 2"/>
+          <p:cNvSpPr>
+            <a:spLocks noGrp="1"/>
+          </p:cNvSpPr>
+          <p:nvPr>
+            <p:ph idx="1"/>
+          </p:nvPr>
+        </p:nvSpPr>
+        <p:spPr/>
+        <p:txBody>
+          <a:bodyPr>
+            <a:normAutofit/>
+          </a:bodyPr>
+          <a:lstStyle/>
+          <a:p>
+            <a:r>
+              <a:rPr lang="en-US" altLang="zh-CN" dirty="0" smtClean="0"/>
+              <a:t>$</a:t>
+            </a:r>
+          </a:p>
+          <a:p>
+            <a:r>
+              <a:rPr lang="en-US" altLang="zh-CN" dirty="0" smtClean="0"/>
+              <a:t>$.each</a:t>
+            </a:r>
+          </a:p>
+          <a:p>
+            <a:r>
+              <a:rPr lang="en-US" altLang="zh-CN" dirty="0" smtClean="0"/>
+              <a:t>$.extend</a:t>
+            </a:r>
+          </a:p>
+          <a:p>
+            <a:r>
+              <a:rPr lang="en-US" altLang="zh-CN" dirty="0" smtClean="0"/>
+              <a:t>$().</a:t>
+            </a:r>
+            <a:r>
+              <a:rPr lang="en-US" altLang="zh-CN" dirty="0" err="1" smtClean="0"/>
+              <a:t>attr</a:t>
+            </a:r>
+            <a:r>
+              <a:rPr lang="en-US" altLang="zh-CN" dirty="0" smtClean="0"/>
+              <a:t>()</a:t>
+            </a:r>
+          </a:p>
+          <a:p>
+            <a:r>
+              <a:rPr lang="en-US" altLang="zh-CN" dirty="0" smtClean="0"/>
+              <a:t>$().append()</a:t>
+            </a:r>
+            <a:endParaRPr lang="en-US" altLang="zh-CN" dirty="0" smtClean="0"/>
+          </a:p>
+          <a:p>
+            <a:r>
+              <a:rPr lang="en-US" altLang="zh-CN" dirty="0" smtClean="0"/>
+              <a:t>$().parent()</a:t>
+            </a:r>
+            <a:endParaRPr lang="en-US" altLang="zh-CN" dirty="0" smtClean="0"/>
+          </a:p>
+          <a:p>
+            <a:r>
+              <a:rPr lang="en-US" altLang="zh-CN" dirty="0" smtClean="0"/>
+              <a:t>$().on()</a:t>
+            </a:r>
+            <a:endParaRPr lang="en-US" altLang="zh-CN" dirty="0" smtClean="0"/>
+          </a:p>
+          <a:p>
+            <a:r>
+              <a:rPr lang="en-US" altLang="zh-CN" dirty="0" smtClean="0"/>
+              <a:t>$().animate()</a:t>
+            </a:r>
+          </a:p>
+          <a:p>
+            <a:r>
+              <a:rPr lang="en-US" altLang="zh-CN" dirty="0" smtClean="0"/>
+              <a:t>$.</a:t>
+            </a:r>
+            <a:r>
+              <a:rPr lang="en-US" altLang="zh-CN" dirty="0" err="1" smtClean="0"/>
+              <a:t>ajax</a:t>
+            </a:r>
+            <a:r>
+              <a:rPr lang="en-US" altLang="zh-CN" dirty="0" smtClean="0"/>
+              <a:t>()</a:t>
+            </a:r>
+            <a:endParaRPr lang="en-US" altLang="zh-CN" dirty="0" smtClean="0"/>
+          </a:p>
+          <a:p>
+            <a:endParaRPr lang="zh-CN" altLang="en-US" dirty="0"/>
+          </a:p>
+        </p:txBody>
+      </p:sp>
+      <p:sp>
+        <p:nvSpPr>
+          <p:cNvPr id="2" name="标题 1"/>
+          <p:cNvSpPr>
+            <a:spLocks noGrp="1"/>
+          </p:cNvSpPr>
+          <p:nvPr>
+            <p:ph type="title"/>
+          </p:nvPr>
+        </p:nvSpPr>
+        <p:spPr/>
+        <p:txBody>
+          <a:bodyPr/>
+          <a:lstStyle/>
+          <a:p>
+            <a:r>
+              <a:rPr lang="zh-CN" altLang="en-US" dirty="0" smtClean="0"/>
+              <a:t>核心</a:t>
+            </a:r>
+            <a:r>
+              <a:rPr lang="en-US" altLang="zh-CN" dirty="0" err="1" smtClean="0"/>
+              <a:t>api</a:t>
+            </a:r>
+            <a:r>
+              <a:rPr lang="zh-CN" altLang="en-US" dirty="0" smtClean="0"/>
+              <a:t>原理</a:t>
+            </a:r>
+            <a:endParaRPr lang="zh-CN" altLang="en-US" dirty="0"/>
+          </a:p>
+        </p:txBody>
+      </p:sp>
+    </p:spTree>
+  </p:cSld>
+  <p:clrMapOvr>
+    <a:masterClrMapping/>
+  </p:clrMapOvr>
+  <p:timing>
+    <p:tnLst>
+      <p:par>
+        <p:cTn id="1" dur="indefinite" restart="never" nodeType="tmRoot"/>
+      </p:par>
+    </p:tnLst>
+  </p:timing>
+</p:sld>
+</file>
+
+<file path=ppt/slides/slide40.xml><?xml version="1.0" encoding="utf-8"?>
+<p:sld xmlns:a="http://schemas.openxmlformats.org/drawingml/2006/main" xmlns:r="http://schemas.openxmlformats.org/officeDocument/2006/relationships" xmlns:p="http://schemas.openxmlformats.org/presentationml/2006/main">
+  <p:cSld>
+    <p:spTree>
+      <p:nvGrpSpPr>
+        <p:cNvPr id="1" name=""/>
+        <p:cNvGrpSpPr/>
+        <p:nvPr/>
+      </p:nvGrpSpPr>
+      <p:grpSpPr>
+        <a:xfrm>
+          <a:off x="0" y="0"/>
+          <a:ext cx="0" cy="0"/>
+          <a:chOff x="0" y="0"/>
+          <a:chExt cx="0" cy="0"/>
+        </a:xfrm>
+      </p:grpSpPr>
+      <p:sp>
+        <p:nvSpPr>
+          <p:cNvPr id="2" name="标题 1"/>
+          <p:cNvSpPr>
+            <a:spLocks noGrp="1"/>
+          </p:cNvSpPr>
+          <p:nvPr>
+            <p:ph type="title"/>
+          </p:nvPr>
+        </p:nvSpPr>
+        <p:spPr/>
+        <p:txBody>
+          <a:bodyPr/>
+          <a:lstStyle/>
+          <a:p>
+            <a:r>
+              <a:rPr lang="zh-CN" altLang="en-US" dirty="0" smtClean="0"/>
+              <a:t>多重短路表达式</a:t>
+            </a:r>
+            <a:endParaRPr lang="zh-CN" altLang="en-US" dirty="0"/>
+          </a:p>
+        </p:txBody>
+      </p:sp>
+      <p:pic>
+        <p:nvPicPr>
+          <p:cNvPr id="29698" name="Picture 2"/>
+          <p:cNvPicPr>
+            <a:picLocks noChangeAspect="1" noChangeArrowheads="1"/>
+          </p:cNvPicPr>
+          <p:nvPr/>
+        </p:nvPicPr>
+        <p:blipFill>
+          <a:blip r:embed="rId2"/>
+          <a:srcRect/>
+          <a:stretch>
+            <a:fillRect/>
+          </a:stretch>
+        </p:blipFill>
+        <p:spPr bwMode="auto">
+          <a:xfrm>
+            <a:off x="1743075" y="2609850"/>
+            <a:ext cx="5657850" cy="1638300"/>
+          </a:xfrm>
+          <a:prstGeom prst="rect">
+            <a:avLst/>
+          </a:prstGeom>
+          <a:noFill/>
+          <a:ln w="9525">
+            <a:noFill/>
+            <a:miter lim="800000"/>
+            <a:headEnd/>
+            <a:tailEnd/>
+          </a:ln>
+          <a:effectLst/>
+        </p:spPr>
+      </p:pic>
+    </p:spTree>
+  </p:cSld>
+  <p:clrMapOvr>
+    <a:masterClrMapping/>
+  </p:clrMapOvr>
+  <p:timing>
+    <p:tnLst>
+      <p:par>
+        <p:cTn id="1" dur="indefinite" restart="never" nodeType="tmRoot"/>
+      </p:par>
+    </p:tnLst>
+  </p:timing>
+</p:sld>
+</file>
+
+<file path=ppt/slides/slide41.xml><?xml version="1.0" encoding="utf-8"?>
+<p:sld xmlns:a="http://schemas.openxmlformats.org/drawingml/2006/main" xmlns:r="http://schemas.openxmlformats.org/officeDocument/2006/relationships" xmlns:p="http://schemas.openxmlformats.org/presentationml/2006/main">
+  <p:cSld>
+    <p:spTree>
+      <p:nvGrpSpPr>
+        <p:cNvPr id="1" name=""/>
+        <p:cNvGrpSpPr/>
+        <p:nvPr/>
+      </p:nvGrpSpPr>
+      <p:grpSpPr>
+        <a:xfrm>
+          <a:off x="0" y="0"/>
+          <a:ext cx="0" cy="0"/>
+          <a:chOff x="0" y="0"/>
+          <a:chExt cx="0" cy="0"/>
+        </a:xfrm>
+      </p:grpSpPr>
+      <p:sp>
+        <p:nvSpPr>
+          <p:cNvPr id="3" name="内容占位符 2"/>
+          <p:cNvSpPr>
+            <a:spLocks noGrp="1"/>
+          </p:cNvSpPr>
+          <p:nvPr>
+            <p:ph idx="1"/>
+          </p:nvPr>
+        </p:nvSpPr>
+        <p:spPr/>
+        <p:txBody>
+          <a:bodyPr>
+            <a:normAutofit/>
+          </a:bodyPr>
+          <a:lstStyle/>
+          <a:p>
+            <a:r>
+              <a:rPr lang="zh-CN" altLang="en-US" dirty="0" smtClean="0"/>
+              <a:t>编写更好的</a:t>
+            </a:r>
+            <a:r>
+              <a:rPr lang="en-US" altLang="zh-CN" dirty="0" err="1" smtClean="0"/>
+              <a:t>jQuery</a:t>
+            </a:r>
+            <a:r>
+              <a:rPr lang="zh-CN" altLang="en-US" dirty="0" smtClean="0"/>
+              <a:t>代码的建议</a:t>
+            </a:r>
+          </a:p>
+          <a:p>
+            <a:pPr>
+              <a:buNone/>
+            </a:pPr>
+            <a:r>
+              <a:rPr lang="en-US" altLang="zh-CN" dirty="0" smtClean="0">
+                <a:hlinkClick r:id="rId2"/>
+              </a:rPr>
+              <a:t>http://blog.jobbole.com/52770/</a:t>
+            </a:r>
+            <a:endParaRPr lang="en-US" altLang="zh-CN" dirty="0" smtClean="0"/>
+          </a:p>
+          <a:p>
+            <a:r>
+              <a:rPr lang="en-US" altLang="zh-CN" dirty="0" smtClean="0"/>
+              <a:t>50</a:t>
+            </a:r>
+            <a:r>
+              <a:rPr lang="zh-CN" altLang="en-US" dirty="0" smtClean="0"/>
+              <a:t>个</a:t>
+            </a:r>
+            <a:r>
+              <a:rPr lang="en-US" altLang="zh-CN" dirty="0" err="1" smtClean="0"/>
+              <a:t>jQuery</a:t>
+            </a:r>
+            <a:r>
+              <a:rPr lang="zh-CN" altLang="en-US" dirty="0" smtClean="0"/>
+              <a:t>代码段帮你成为更出色的</a:t>
+            </a:r>
+            <a:r>
+              <a:rPr lang="en-US" altLang="zh-CN" dirty="0" smtClean="0"/>
+              <a:t>JS</a:t>
+            </a:r>
+            <a:r>
+              <a:rPr lang="zh-CN" altLang="en-US" dirty="0" smtClean="0"/>
+              <a:t>开发者</a:t>
+            </a:r>
+            <a:r>
+              <a:rPr lang="en-US" altLang="zh-CN" dirty="0" smtClean="0">
+                <a:hlinkClick r:id="rId3"/>
+              </a:rPr>
+              <a:t>http://blog.jobbole.com/18513/</a:t>
+            </a:r>
+            <a:endParaRPr lang="en-US" altLang="zh-CN" dirty="0" smtClean="0"/>
+          </a:p>
+          <a:p>
+            <a:r>
+              <a:rPr lang="zh-CN" altLang="en-US" dirty="0" smtClean="0"/>
+              <a:t>了解</a:t>
+            </a:r>
+            <a:r>
+              <a:rPr lang="en-US" altLang="zh-CN" dirty="0" err="1" smtClean="0"/>
+              <a:t>jQuery</a:t>
+            </a:r>
+            <a:r>
+              <a:rPr lang="zh-CN" altLang="en-US" dirty="0" smtClean="0"/>
+              <a:t>技巧来提高你的代码</a:t>
+            </a:r>
+            <a:r>
+              <a:rPr lang="en-US" altLang="zh-CN" dirty="0" smtClean="0"/>
+              <a:t>http://blog.bingo929.com/jquery-javascript-tips-to-improve-code.html</a:t>
+            </a:r>
+            <a:endParaRPr lang="zh-CN" altLang="en-US" dirty="0"/>
+          </a:p>
+        </p:txBody>
+      </p:sp>
+      <p:sp>
+        <p:nvSpPr>
+          <p:cNvPr id="2" name="标题 1"/>
+          <p:cNvSpPr>
+            <a:spLocks noGrp="1"/>
+          </p:cNvSpPr>
+          <p:nvPr>
+            <p:ph type="title"/>
+          </p:nvPr>
+        </p:nvSpPr>
+        <p:spPr/>
+        <p:txBody>
+          <a:bodyPr/>
+          <a:lstStyle/>
+          <a:p>
+            <a:r>
+              <a:rPr lang="en-US" altLang="zh-CN" dirty="0" err="1" smtClean="0"/>
+              <a:t>jQuery</a:t>
+            </a:r>
+            <a:r>
+              <a:rPr lang="zh-CN" altLang="en-US" dirty="0" smtClean="0"/>
+              <a:t>使用编码</a:t>
+            </a:r>
+            <a:r>
+              <a:rPr lang="zh-CN" altLang="en-US" dirty="0" smtClean="0"/>
+              <a:t>技巧</a:t>
+            </a:r>
+            <a:endParaRPr lang="zh-CN" altLang="en-US" dirty="0"/>
+          </a:p>
+        </p:txBody>
+      </p:sp>
+    </p:spTree>
+  </p:cSld>
+  <p:clrMapOvr>
+    <a:masterClrMapping/>
+  </p:clrMapOvr>
+  <p:timing>
+    <p:tnLst>
+      <p:par>
+        <p:cTn id="1" dur="indefinite" restart="never" nodeType="tmRoot"/>
+      </p:par>
+    </p:tnLst>
+  </p:timing>
+</p:sld>
+</file>
+
+<file path=ppt/slides/slide42.xml><?xml version="1.0" encoding="utf-8"?>
+<p:sld xmlns:a="http://schemas.openxmlformats.org/drawingml/2006/main" xmlns:r="http://schemas.openxmlformats.org/officeDocument/2006/relationships" xmlns:p="http://schemas.openxmlformats.org/presentationml/2006/main">
+  <p:cSld>
+    <p:spTree>
+      <p:nvGrpSpPr>
+        <p:cNvPr id="1" name=""/>
+        <p:cNvGrpSpPr/>
+        <p:nvPr/>
+      </p:nvGrpSpPr>
+      <p:grpSpPr>
+        <a:xfrm>
+          <a:off x="0" y="0"/>
+          <a:ext cx="0" cy="0"/>
+          <a:chOff x="0" y="0"/>
+          <a:chExt cx="0" cy="0"/>
+        </a:xfrm>
+      </p:grpSpPr>
+      <p:sp>
+        <p:nvSpPr>
+          <p:cNvPr id="2" name="标题 1"/>
+          <p:cNvSpPr>
+            <a:spLocks noGrp="1"/>
+          </p:cNvSpPr>
+          <p:nvPr>
+            <p:ph type="title"/>
+          </p:nvPr>
+        </p:nvSpPr>
+        <p:spPr/>
+        <p:txBody>
+          <a:bodyPr>
+            <a:normAutofit/>
+          </a:bodyPr>
+          <a:lstStyle/>
+          <a:p>
+            <a:r>
+              <a:rPr lang="zh-CN" altLang="en-US" b="1" dirty="0" smtClean="0"/>
+              <a:t>缓存变量</a:t>
+            </a:r>
+            <a:endParaRPr lang="zh-CN" altLang="en-US" dirty="0"/>
+          </a:p>
+        </p:txBody>
+      </p:sp>
+      <p:pic>
+        <p:nvPicPr>
+          <p:cNvPr id="1026" name="Picture 2"/>
+          <p:cNvPicPr>
+            <a:picLocks noChangeAspect="1" noChangeArrowheads="1"/>
+          </p:cNvPicPr>
+          <p:nvPr/>
+        </p:nvPicPr>
+        <p:blipFill>
+          <a:blip r:embed="rId2"/>
+          <a:srcRect/>
+          <a:stretch>
+            <a:fillRect/>
+          </a:stretch>
+        </p:blipFill>
+        <p:spPr bwMode="auto">
+          <a:xfrm>
+            <a:off x="1433513" y="2219325"/>
+            <a:ext cx="6276975" cy="2419350"/>
+          </a:xfrm>
+          <a:prstGeom prst="rect">
+            <a:avLst/>
+          </a:prstGeom>
+          <a:noFill/>
+          <a:ln w="9525">
+            <a:noFill/>
+            <a:miter lim="800000"/>
+            <a:headEnd/>
+            <a:tailEnd/>
+          </a:ln>
+          <a:effectLst/>
+        </p:spPr>
+      </p:pic>
+    </p:spTree>
+  </p:cSld>
+  <p:clrMapOvr>
+    <a:masterClrMapping/>
+  </p:clrMapOvr>
+  <p:timing>
+    <p:tnLst>
+      <p:par>
+        <p:cTn id="1" dur="indefinite" restart="never" nodeType="tmRoot"/>
+      </p:par>
+    </p:tnLst>
+  </p:timing>
+</p:sld>
+</file>
+
+<file path=ppt/slides/slide43.xml><?xml version="1.0" encoding="utf-8"?>
+<p:sld xmlns:a="http://schemas.openxmlformats.org/drawingml/2006/main" xmlns:r="http://schemas.openxmlformats.org/officeDocument/2006/relationships" xmlns:p="http://schemas.openxmlformats.org/presentationml/2006/main">
+  <p:cSld>
+    <p:spTree>
+      <p:nvGrpSpPr>
+        <p:cNvPr id="1" name=""/>
+        <p:cNvGrpSpPr/>
+        <p:nvPr/>
+      </p:nvGrpSpPr>
+      <p:grpSpPr>
+        <a:xfrm>
+          <a:off x="0" y="0"/>
+          <a:ext cx="0" cy="0"/>
+          <a:chOff x="0" y="0"/>
+          <a:chExt cx="0" cy="0"/>
+        </a:xfrm>
+      </p:grpSpPr>
+      <p:sp>
+        <p:nvSpPr>
+          <p:cNvPr id="2" name="标题 1"/>
+          <p:cNvSpPr>
+            <a:spLocks noGrp="1"/>
+          </p:cNvSpPr>
+          <p:nvPr>
+            <p:ph type="title"/>
+          </p:nvPr>
+        </p:nvSpPr>
+        <p:spPr/>
+        <p:txBody>
+          <a:bodyPr>
+            <a:normAutofit/>
+          </a:bodyPr>
+          <a:lstStyle/>
+          <a:p>
+            <a:r>
+              <a:rPr lang="zh-CN" altLang="en-US" b="1" dirty="0" smtClean="0"/>
+              <a:t>使用匈牙利命名法</a:t>
+            </a:r>
+            <a:endParaRPr lang="zh-CN" altLang="en-US" dirty="0"/>
+          </a:p>
+        </p:txBody>
+      </p:sp>
+      <p:pic>
+        <p:nvPicPr>
+          <p:cNvPr id="2050" name="Picture 2"/>
+          <p:cNvPicPr>
+            <a:picLocks noChangeAspect="1" noChangeArrowheads="1"/>
+          </p:cNvPicPr>
+          <p:nvPr/>
+        </p:nvPicPr>
+        <p:blipFill>
+          <a:blip r:embed="rId2"/>
+          <a:srcRect/>
+          <a:stretch>
+            <a:fillRect/>
+          </a:stretch>
+        </p:blipFill>
+        <p:spPr bwMode="auto">
+          <a:xfrm>
+            <a:off x="1557338" y="2233613"/>
+            <a:ext cx="6029325" cy="2390775"/>
+          </a:xfrm>
+          <a:prstGeom prst="rect">
+            <a:avLst/>
+          </a:prstGeom>
+          <a:noFill/>
+          <a:ln w="9525">
+            <a:noFill/>
+            <a:miter lim="800000"/>
+            <a:headEnd/>
+            <a:tailEnd/>
+          </a:ln>
+          <a:effectLst/>
+        </p:spPr>
+      </p:pic>
+    </p:spTree>
+  </p:cSld>
+  <p:clrMapOvr>
+    <a:masterClrMapping/>
+  </p:clrMapOvr>
+  <p:timing>
+    <p:tnLst>
+      <p:par>
+        <p:cTn id="1" dur="indefinite" restart="never" nodeType="tmRoot"/>
+      </p:par>
+    </p:tnLst>
+  </p:timing>
+</p:sld>
+</file>
+
+<file path=ppt/slides/slide44.xml><?xml version="1.0" encoding="utf-8"?>
+<p:sld xmlns:a="http://schemas.openxmlformats.org/drawingml/2006/main" xmlns:r="http://schemas.openxmlformats.org/officeDocument/2006/relationships" xmlns:p="http://schemas.openxmlformats.org/presentationml/2006/main">
+  <p:cSld>
+    <p:spTree>
+      <p:nvGrpSpPr>
+        <p:cNvPr id="1" name=""/>
+        <p:cNvGrpSpPr/>
+        <p:nvPr/>
+      </p:nvGrpSpPr>
+      <p:grpSpPr>
+        <a:xfrm>
+          <a:off x="0" y="0"/>
+          <a:ext cx="0" cy="0"/>
+          <a:chOff x="0" y="0"/>
+          <a:chExt cx="0" cy="0"/>
+        </a:xfrm>
+      </p:grpSpPr>
+      <p:sp>
+        <p:nvSpPr>
+          <p:cNvPr id="2" name="标题 1"/>
+          <p:cNvSpPr>
+            <a:spLocks noGrp="1"/>
+          </p:cNvSpPr>
+          <p:nvPr>
+            <p:ph type="title"/>
+          </p:nvPr>
+        </p:nvSpPr>
+        <p:spPr/>
+        <p:txBody>
+          <a:bodyPr>
+            <a:normAutofit/>
+          </a:bodyPr>
+          <a:lstStyle/>
+          <a:p>
+            <a:r>
+              <a:rPr lang="zh-CN" altLang="en-US" b="1" dirty="0" smtClean="0"/>
+              <a:t>请使用’</a:t>
+            </a:r>
+            <a:r>
+              <a:rPr lang="en-US" b="1" dirty="0" smtClean="0"/>
+              <a:t>On’</a:t>
+            </a:r>
+            <a:endParaRPr lang="zh-CN" altLang="en-US" dirty="0"/>
+          </a:p>
+        </p:txBody>
+      </p:sp>
+      <p:pic>
+        <p:nvPicPr>
+          <p:cNvPr id="3074" name="Picture 2"/>
+          <p:cNvPicPr>
+            <a:picLocks noChangeAspect="1" noChangeArrowheads="1"/>
+          </p:cNvPicPr>
+          <p:nvPr/>
+        </p:nvPicPr>
+        <p:blipFill>
+          <a:blip r:embed="rId2"/>
+          <a:srcRect/>
+          <a:stretch>
+            <a:fillRect/>
+          </a:stretch>
+        </p:blipFill>
+        <p:spPr bwMode="auto">
+          <a:xfrm>
+            <a:off x="1528763" y="1300163"/>
+            <a:ext cx="6086475" cy="4257675"/>
+          </a:xfrm>
+          <a:prstGeom prst="rect">
+            <a:avLst/>
+          </a:prstGeom>
+          <a:noFill/>
+          <a:ln w="9525">
+            <a:noFill/>
+            <a:miter lim="800000"/>
+            <a:headEnd/>
+            <a:tailEnd/>
+          </a:ln>
+          <a:effectLst/>
+        </p:spPr>
+      </p:pic>
+    </p:spTree>
+  </p:cSld>
+  <p:clrMapOvr>
+    <a:masterClrMapping/>
+  </p:clrMapOvr>
+  <p:timing>
+    <p:tnLst>
+      <p:par>
+        <p:cTn id="1" dur="indefinite" restart="never" nodeType="tmRoot"/>
+      </p:par>
+    </p:tnLst>
+  </p:timing>
+</p:sld>
+</file>
+
+<file path=ppt/slides/slide45.xml><?xml version="1.0" encoding="utf-8"?>
+<p:sld xmlns:a="http://schemas.openxmlformats.org/drawingml/2006/main" xmlns:r="http://schemas.openxmlformats.org/officeDocument/2006/relationships" xmlns:p="http://schemas.openxmlformats.org/presentationml/2006/main">
+  <p:cSld>
+    <p:spTree>
+      <p:nvGrpSpPr>
+        <p:cNvPr id="1" name=""/>
+        <p:cNvGrpSpPr/>
+        <p:nvPr/>
+      </p:nvGrpSpPr>
+      <p:grpSpPr>
+        <a:xfrm>
+          <a:off x="0" y="0"/>
+          <a:ext cx="0" cy="0"/>
+          <a:chOff x="0" y="0"/>
+          <a:chExt cx="0" cy="0"/>
+        </a:xfrm>
+      </p:grpSpPr>
+      <p:sp>
+        <p:nvSpPr>
+          <p:cNvPr id="3" name="内容占位符 2"/>
+          <p:cNvSpPr>
+            <a:spLocks noGrp="1"/>
+          </p:cNvSpPr>
+          <p:nvPr>
+            <p:ph idx="1"/>
+          </p:nvPr>
+        </p:nvSpPr>
+        <p:spPr/>
+        <p:txBody>
+          <a:bodyPr/>
+          <a:lstStyle/>
+          <a:p>
+            <a:endParaRPr lang="zh-CN" altLang="en-US"/>
+          </a:p>
+        </p:txBody>
+      </p:sp>
+      <p:sp>
+        <p:nvSpPr>
+          <p:cNvPr id="2" name="标题 1"/>
+          <p:cNvSpPr>
+            <a:spLocks noGrp="1"/>
+          </p:cNvSpPr>
+          <p:nvPr>
+            <p:ph type="title"/>
+          </p:nvPr>
+        </p:nvSpPr>
+        <p:spPr/>
+        <p:txBody>
+          <a:bodyPr>
+            <a:normAutofit/>
+          </a:bodyPr>
+          <a:lstStyle/>
+          <a:p>
+            <a:r>
+              <a:rPr lang="zh-CN" altLang="en-US" b="1" dirty="0" smtClean="0"/>
+              <a:t>链式操作</a:t>
+            </a:r>
+            <a:endParaRPr lang="zh-CN" altLang="en-US" dirty="0"/>
+          </a:p>
+        </p:txBody>
+      </p:sp>
+      <p:pic>
+        <p:nvPicPr>
+          <p:cNvPr id="5122" name="Picture 2"/>
+          <p:cNvPicPr>
+            <a:picLocks noChangeAspect="1" noChangeArrowheads="1"/>
+          </p:cNvPicPr>
+          <p:nvPr/>
+        </p:nvPicPr>
+        <p:blipFill>
+          <a:blip r:embed="rId2"/>
+          <a:srcRect/>
+          <a:stretch>
+            <a:fillRect/>
+          </a:stretch>
+        </p:blipFill>
+        <p:spPr bwMode="auto">
+          <a:xfrm>
+            <a:off x="1490663" y="1924050"/>
+            <a:ext cx="6162675" cy="3009900"/>
+          </a:xfrm>
+          <a:prstGeom prst="rect">
+            <a:avLst/>
+          </a:prstGeom>
+          <a:noFill/>
+          <a:ln w="9525">
+            <a:noFill/>
+            <a:miter lim="800000"/>
+            <a:headEnd/>
+            <a:tailEnd/>
+          </a:ln>
+          <a:effectLst/>
+        </p:spPr>
+      </p:pic>
+    </p:spTree>
+  </p:cSld>
+  <p:clrMapOvr>
+    <a:masterClrMapping/>
+  </p:clrMapOvr>
+  <p:timing>
+    <p:tnLst>
+      <p:par>
+        <p:cTn id="1" dur="indefinite" restart="never" nodeType="tmRoot"/>
+      </p:par>
+    </p:tnLst>
+  </p:timing>
+</p:sld>
+</file>
+
+<file path=ppt/slides/slide46.xml><?xml version="1.0" encoding="utf-8"?>
+<p:sld xmlns:a="http://schemas.openxmlformats.org/drawingml/2006/main" xmlns:r="http://schemas.openxmlformats.org/officeDocument/2006/relationships" xmlns:p="http://schemas.openxmlformats.org/presentationml/2006/main">
+  <p:cSld>
+    <p:spTree>
+      <p:nvGrpSpPr>
+        <p:cNvPr id="1" name=""/>
+        <p:cNvGrpSpPr/>
+        <p:nvPr/>
+      </p:nvGrpSpPr>
+      <p:grpSpPr>
+        <a:xfrm>
+          <a:off x="0" y="0"/>
+          <a:ext cx="0" cy="0"/>
+          <a:chOff x="0" y="0"/>
+          <a:chExt cx="0" cy="0"/>
+        </a:xfrm>
+      </p:grpSpPr>
+      <p:sp>
+        <p:nvSpPr>
+          <p:cNvPr id="3" name="内容占位符 2"/>
+          <p:cNvSpPr>
+            <a:spLocks noGrp="1"/>
+          </p:cNvSpPr>
+          <p:nvPr>
+            <p:ph idx="1"/>
+          </p:nvPr>
+        </p:nvSpPr>
+        <p:spPr/>
+        <p:txBody>
+          <a:bodyPr/>
+          <a:lstStyle/>
+          <a:p>
+            <a:endParaRPr lang="zh-CN" altLang="en-US"/>
+          </a:p>
+        </p:txBody>
+      </p:sp>
+      <p:sp>
+        <p:nvSpPr>
+          <p:cNvPr id="2" name="标题 1"/>
+          <p:cNvSpPr>
+            <a:spLocks noGrp="1"/>
+          </p:cNvSpPr>
+          <p:nvPr>
+            <p:ph type="title"/>
+          </p:nvPr>
+        </p:nvSpPr>
+        <p:spPr/>
+        <p:txBody>
+          <a:bodyPr>
+            <a:normAutofit/>
+          </a:bodyPr>
+          <a:lstStyle/>
+          <a:p>
+            <a:r>
+              <a:rPr lang="zh-CN" altLang="en-US" b="1" dirty="0" smtClean="0"/>
+              <a:t>维持代码的可读性</a:t>
+            </a:r>
+            <a:endParaRPr lang="zh-CN" altLang="en-US" dirty="0"/>
+          </a:p>
+        </p:txBody>
+      </p:sp>
+      <p:pic>
+        <p:nvPicPr>
+          <p:cNvPr id="4098" name="Picture 2"/>
+          <p:cNvPicPr>
+            <a:picLocks noChangeAspect="1" noChangeArrowheads="1"/>
+          </p:cNvPicPr>
+          <p:nvPr/>
+        </p:nvPicPr>
+        <p:blipFill>
+          <a:blip r:embed="rId2"/>
+          <a:srcRect/>
+          <a:stretch>
+            <a:fillRect/>
+          </a:stretch>
+        </p:blipFill>
+        <p:spPr bwMode="auto">
+          <a:xfrm>
+            <a:off x="1581150" y="1881188"/>
+            <a:ext cx="5981700" cy="3095625"/>
+          </a:xfrm>
+          <a:prstGeom prst="rect">
+            <a:avLst/>
+          </a:prstGeom>
+          <a:noFill/>
+          <a:ln w="9525">
+            <a:noFill/>
+            <a:miter lim="800000"/>
+            <a:headEnd/>
+            <a:tailEnd/>
+          </a:ln>
+          <a:effectLst/>
+        </p:spPr>
+      </p:pic>
+    </p:spTree>
+  </p:cSld>
+  <p:clrMapOvr>
+    <a:masterClrMapping/>
+  </p:clrMapOvr>
+  <p:timing>
+    <p:tnLst>
+      <p:par>
+        <p:cTn id="1" dur="indefinite" restart="never" nodeType="tmRoot"/>
+      </p:par>
+    </p:tnLst>
+  </p:timing>
+</p:sld>
+</file>
+
+<file path=ppt/slides/slide47.xml><?xml version="1.0" encoding="utf-8"?>
+<p:sld xmlns:a="http://schemas.openxmlformats.org/drawingml/2006/main" xmlns:r="http://schemas.openxmlformats.org/officeDocument/2006/relationships" xmlns:p="http://schemas.openxmlformats.org/presentationml/2006/main">
+  <p:cSld>
+    <p:spTree>
+      <p:nvGrpSpPr>
+        <p:cNvPr id="1" name=""/>
+        <p:cNvGrpSpPr/>
+        <p:nvPr/>
+      </p:nvGrpSpPr>
+      <p:grpSpPr>
+        <a:xfrm>
+          <a:off x="0" y="0"/>
+          <a:ext cx="0" cy="0"/>
+          <a:chOff x="0" y="0"/>
+          <a:chExt cx="0" cy="0"/>
+        </a:xfrm>
+      </p:grpSpPr>
+      <p:sp>
+        <p:nvSpPr>
+          <p:cNvPr id="3" name="内容占位符 2"/>
+          <p:cNvSpPr>
+            <a:spLocks noGrp="1"/>
+          </p:cNvSpPr>
+          <p:nvPr>
+            <p:ph idx="1"/>
+          </p:nvPr>
+        </p:nvSpPr>
+        <p:spPr/>
+        <p:txBody>
+          <a:bodyPr/>
+          <a:lstStyle/>
+          <a:p>
+            <a:endParaRPr lang="zh-CN" altLang="en-US"/>
+          </a:p>
+        </p:txBody>
+      </p:sp>
+      <p:sp>
+        <p:nvSpPr>
+          <p:cNvPr id="2" name="标题 1"/>
+          <p:cNvSpPr>
+            <a:spLocks noGrp="1"/>
+          </p:cNvSpPr>
+          <p:nvPr>
+            <p:ph type="title"/>
+          </p:nvPr>
+        </p:nvSpPr>
+        <p:spPr/>
+        <p:txBody>
+          <a:bodyPr>
+            <a:normAutofit/>
+          </a:bodyPr>
+          <a:lstStyle/>
+          <a:p>
+            <a:r>
+              <a:rPr lang="zh-CN" altLang="en-US" b="1" dirty="0" smtClean="0"/>
+              <a:t>繁重的操作中分离元素</a:t>
+            </a:r>
+            <a:endParaRPr lang="zh-CN" altLang="en-US" dirty="0"/>
+          </a:p>
+        </p:txBody>
+      </p:sp>
+      <p:pic>
+        <p:nvPicPr>
+          <p:cNvPr id="6146" name="Picture 2"/>
+          <p:cNvPicPr>
+            <a:picLocks noChangeAspect="1" noChangeArrowheads="1"/>
+          </p:cNvPicPr>
+          <p:nvPr/>
+        </p:nvPicPr>
+        <p:blipFill>
+          <a:blip r:embed="rId2"/>
+          <a:srcRect/>
+          <a:stretch>
+            <a:fillRect/>
+          </a:stretch>
+        </p:blipFill>
+        <p:spPr bwMode="auto">
+          <a:xfrm>
+            <a:off x="1428728" y="1357298"/>
+            <a:ext cx="6296025" cy="4762500"/>
+          </a:xfrm>
+          <a:prstGeom prst="rect">
+            <a:avLst/>
+          </a:prstGeom>
+          <a:noFill/>
+          <a:ln w="9525">
+            <a:noFill/>
+            <a:miter lim="800000"/>
+            <a:headEnd/>
+            <a:tailEnd/>
+          </a:ln>
+          <a:effectLst/>
+        </p:spPr>
+      </p:pic>
+    </p:spTree>
+  </p:cSld>
+  <p:clrMapOvr>
+    <a:masterClrMapping/>
+  </p:clrMapOvr>
+  <p:timing>
+    <p:tnLst>
+      <p:par>
+        <p:cTn id="1" dur="indefinite" restart="never" nodeType="tmRoot"/>
+      </p:par>
+    </p:tnLst>
+  </p:timing>
+</p:sld>
+</file>
+
+<file path=ppt/slides/slide48.xml><?xml version="1.0" encoding="utf-8"?>
+<p:sld xmlns:a="http://schemas.openxmlformats.org/drawingml/2006/main" xmlns:r="http://schemas.openxmlformats.org/officeDocument/2006/relationships" xmlns:p="http://schemas.openxmlformats.org/presentationml/2006/main">
+  <p:cSld>
+    <p:spTree>
+      <p:nvGrpSpPr>
+        <p:cNvPr id="1" name=""/>
+        <p:cNvGrpSpPr/>
+        <p:nvPr/>
+      </p:nvGrpSpPr>
+      <p:grpSpPr>
+        <a:xfrm>
+          <a:off x="0" y="0"/>
+          <a:ext cx="0" cy="0"/>
+          <a:chOff x="0" y="0"/>
+          <a:chExt cx="0" cy="0"/>
+        </a:xfrm>
+      </p:grpSpPr>
+      <p:sp>
+        <p:nvSpPr>
+          <p:cNvPr id="2" name="内容占位符 1"/>
+          <p:cNvSpPr>
+            <a:spLocks noGrp="1"/>
+          </p:cNvSpPr>
+          <p:nvPr>
+            <p:ph idx="1"/>
+          </p:nvPr>
+        </p:nvSpPr>
+        <p:spPr/>
+        <p:txBody>
+          <a:bodyPr/>
+          <a:lstStyle/>
+          <a:p>
+            <a:r>
+              <a:rPr lang="en-US" altLang="zh-CN" dirty="0" smtClean="0"/>
+              <a:t>《JavaScript </a:t>
+            </a:r>
+            <a:r>
+              <a:rPr lang="zh-CN" altLang="en-US" dirty="0" smtClean="0"/>
+              <a:t>忍者秘籍</a:t>
+            </a:r>
+            <a:r>
+              <a:rPr lang="en-US" altLang="zh-CN" dirty="0" smtClean="0"/>
+              <a:t>》</a:t>
+            </a:r>
+          </a:p>
+          <a:p>
+            <a:r>
+              <a:rPr lang="en-US" altLang="zh-CN" dirty="0" smtClean="0"/>
+              <a:t>《JavaScript </a:t>
+            </a:r>
+            <a:r>
+              <a:rPr lang="zh-CN" altLang="en-US" dirty="0" smtClean="0"/>
+              <a:t>设计模式</a:t>
+            </a:r>
+            <a:r>
+              <a:rPr lang="en-US" altLang="zh-CN" dirty="0" smtClean="0"/>
+              <a:t>》</a:t>
+            </a:r>
+            <a:r>
+              <a:rPr lang="zh-CN" altLang="en-US" dirty="0" smtClean="0"/>
+              <a:t>涉及</a:t>
+            </a:r>
+            <a:r>
+              <a:rPr lang="en-US" altLang="zh-CN" dirty="0" err="1" smtClean="0"/>
+              <a:t>jQuery</a:t>
+            </a:r>
+            <a:r>
+              <a:rPr lang="zh-CN" altLang="en-US" dirty="0" smtClean="0"/>
+              <a:t>的部分</a:t>
+            </a:r>
+            <a:endParaRPr lang="en-US" altLang="zh-CN" dirty="0" smtClean="0"/>
+          </a:p>
+          <a:p>
+            <a:r>
+              <a:rPr lang="en-US" altLang="zh-CN" dirty="0" smtClean="0"/>
+              <a:t>http://</a:t>
+            </a:r>
+            <a:r>
+              <a:rPr lang="en-US" altLang="zh-CN" dirty="0" smtClean="0"/>
+              <a:t>www.cnblogs.com/coco1s/p/5261646.html</a:t>
+            </a:r>
+            <a:r>
+              <a:rPr lang="en-US" altLang="zh-CN" b="1" dirty="0" smtClean="0">
+                <a:hlinkClick r:id="rId2"/>
+              </a:rPr>
+              <a:t>【</a:t>
+            </a:r>
+            <a:r>
+              <a:rPr lang="zh-CN" altLang="en-US" b="1" dirty="0" smtClean="0">
+                <a:hlinkClick r:id="rId2"/>
+              </a:rPr>
+              <a:t>深入浅出</a:t>
+            </a:r>
+            <a:r>
+              <a:rPr lang="en-US" altLang="zh-CN" b="1" dirty="0" err="1" smtClean="0">
+                <a:hlinkClick r:id="rId2"/>
+              </a:rPr>
+              <a:t>jQuery</a:t>
+            </a:r>
+            <a:r>
+              <a:rPr lang="en-US" altLang="zh-CN" b="1" dirty="0" smtClean="0">
+                <a:hlinkClick r:id="rId2"/>
+              </a:rPr>
+              <a:t>】</a:t>
+            </a:r>
+            <a:r>
+              <a:rPr lang="zh-CN" altLang="en-US" b="1" dirty="0" smtClean="0">
+                <a:hlinkClick r:id="rId2"/>
+              </a:rPr>
+              <a:t>源码浅析</a:t>
+            </a:r>
+            <a:r>
+              <a:rPr lang="en-US" altLang="zh-CN" b="1" dirty="0" smtClean="0">
+                <a:hlinkClick r:id="rId2"/>
+              </a:rPr>
+              <a:t>--</a:t>
+            </a:r>
+            <a:r>
+              <a:rPr lang="zh-CN" altLang="en-US" b="1" dirty="0" smtClean="0">
+                <a:hlinkClick r:id="rId2"/>
+              </a:rPr>
+              <a:t>整体架构</a:t>
+            </a:r>
+            <a:endParaRPr lang="zh-CN" altLang="en-US" dirty="0" smtClean="0"/>
+          </a:p>
+          <a:p>
+            <a:r>
+              <a:rPr lang="en-US" altLang="zh-CN" dirty="0" smtClean="0"/>
+              <a:t>http://</a:t>
+            </a:r>
+            <a:r>
+              <a:rPr lang="en-US" altLang="zh-CN" dirty="0" smtClean="0"/>
+              <a:t>www.cnblogs.com/aaronjs/p/3279314.html</a:t>
+            </a:r>
+            <a:r>
+              <a:rPr lang="en-US" b="1" dirty="0" smtClean="0">
+                <a:hlinkClick r:id="rId3"/>
+              </a:rPr>
+              <a:t>jQuery</a:t>
+            </a:r>
+            <a:r>
+              <a:rPr lang="zh-CN" altLang="en-US" b="1" dirty="0" smtClean="0">
+                <a:hlinkClick r:id="rId3"/>
+              </a:rPr>
+              <a:t>源码分析系列</a:t>
+            </a:r>
+            <a:endParaRPr lang="zh-CN" altLang="en-US" b="1" dirty="0" smtClean="0"/>
+          </a:p>
+          <a:p>
+            <a:endParaRPr lang="zh-CN" altLang="en-US" dirty="0"/>
+          </a:p>
+        </p:txBody>
+      </p:sp>
+      <p:sp>
+        <p:nvSpPr>
+          <p:cNvPr id="3" name="标题 2"/>
+          <p:cNvSpPr>
+            <a:spLocks noGrp="1"/>
+          </p:cNvSpPr>
+          <p:nvPr>
+            <p:ph type="title"/>
+          </p:nvPr>
+        </p:nvSpPr>
+        <p:spPr/>
+        <p:txBody>
+          <a:bodyPr/>
+          <a:lstStyle/>
+          <a:p>
+            <a:r>
+              <a:rPr lang="zh-CN" altLang="en-US" dirty="0" smtClean="0"/>
+              <a:t>参考资料</a:t>
+            </a:r>
+            <a:endParaRPr lang="zh-CN" altLang="en-US" dirty="0"/>
+          </a:p>
+        </p:txBody>
+      </p:sp>
+    </p:spTree>
+  </p:cSld>
+  <p:clrMapOvr>
+    <a:masterClrMapping/>
+  </p:clrMapOvr>
+  <p:timing>
+    <p:tnLst>
+      <p:par>
+        <p:cTn id="1" dur="indefinite" restart="never" nodeType="tmRoot"/>
+      </p:par>
+    </p:tnLst>
+  </p:timing>
+</p:sld>
+</file>
+
+<file path=ppt/slides/slide5.xml><?xml version="1.0" encoding="utf-8"?>
+<p:sld xmlns:a="http://schemas.openxmlformats.org/drawingml/2006/main" xmlns:r="http://schemas.openxmlformats.org/officeDocument/2006/relationships" xmlns:p="http://schemas.openxmlformats.org/presentationml/2006/main">
+  <p:cSld>
+    <p:spTree>
+      <p:nvGrpSpPr>
+        <p:cNvPr id="1" name=""/>
+        <p:cNvGrpSpPr/>
+        <p:nvPr/>
+      </p:nvGrpSpPr>
+      <p:grpSpPr>
+        <a:xfrm>
+          <a:off x="0" y="0"/>
+          <a:ext cx="0" cy="0"/>
+          <a:chOff x="0" y="0"/>
+          <a:chExt cx="0" cy="0"/>
+        </a:xfrm>
+      </p:grpSpPr>
+      <p:sp>
+        <p:nvSpPr>
           <p:cNvPr id="3" name="标题 2"/>
           <p:cNvSpPr>
             <a:spLocks noGrp="1"/>
@@ -7261,7 +11086,7 @@
         </p:nvGraphicFramePr>
         <p:xfrm>
           <a:off x="998419" y="2138641"/>
-          <a:ext cx="7216920" cy="2644551"/>
+          <a:ext cx="7216920" cy="3132231"/>
         </p:xfrm>
         <a:graphic>
           <a:graphicData uri="http://schemas.openxmlformats.org/drawingml/2006/table">
@@ -7548,6 +11373,13 @@
                     </a:p>
                     <a:p>
                       <a:r>
+                        <a:rPr lang="en-US" sz="1600" dirty="0" err="1" smtClean="0"/>
+                        <a:t>querySelectorAll</a:t>
+                      </a:r>
+                      <a:endParaRPr lang="en-US" altLang="zh-CN" sz="1600" dirty="0" smtClean="0"/>
+                    </a:p>
+                    <a:p>
+                      <a:r>
                         <a:rPr lang="en-US" altLang="zh-CN" sz="1600" dirty="0" smtClean="0"/>
                         <a:t>$.</a:t>
                       </a:r>
@@ -7668,206 +11500,13 @@
   <p:clrMapOvr>
     <a:masterClrMapping/>
   </p:clrMapOvr>
-</p:sld>
-</file>
-
-<file path=ppt/slides/slide5.xml><?xml version="1.0" encoding="utf-8"?>
-<p:sld xmlns:a="http://schemas.openxmlformats.org/drawingml/2006/main" xmlns:r="http://schemas.openxmlformats.org/officeDocument/2006/relationships" xmlns:p="http://schemas.openxmlformats.org/presentationml/2006/main">
-  <p:cSld>
-    <p:spTree>
-      <p:nvGrpSpPr>
-        <p:cNvPr id="1" name=""/>
-        <p:cNvGrpSpPr/>
-        <p:nvPr/>
-      </p:nvGrpSpPr>
-      <p:grpSpPr>
-        <a:xfrm>
-          <a:off x="0" y="0"/>
-          <a:ext cx="0" cy="0"/>
-          <a:chOff x="0" y="0"/>
-          <a:chExt cx="0" cy="0"/>
-        </a:xfrm>
-      </p:grpSpPr>
-      <p:sp>
-        <p:nvSpPr>
-          <p:cNvPr id="3" name="内容占位符 2"/>
-          <p:cNvSpPr>
-            <a:spLocks noGrp="1"/>
-          </p:cNvSpPr>
-          <p:nvPr>
-            <p:ph idx="1"/>
-          </p:nvPr>
-        </p:nvSpPr>
-        <p:spPr/>
-        <p:txBody>
-          <a:bodyPr/>
-          <a:lstStyle/>
-          <a:p>
-            <a:r>
-              <a:rPr lang="zh-CN" altLang="en-US" dirty="0" smtClean="0"/>
-              <a:t>生成</a:t>
-            </a:r>
-            <a:endParaRPr lang="en-US" altLang="zh-CN" dirty="0" smtClean="0"/>
-          </a:p>
-          <a:p>
-            <a:pPr lvl="1"/>
-            <a:r>
-              <a:rPr lang="zh-CN" altLang="en-US" dirty="0" smtClean="0"/>
-              <a:t>节点包装后</a:t>
-            </a:r>
-            <a:r>
-              <a:rPr lang="en-US" altLang="zh-CN" dirty="0" smtClean="0"/>
-              <a:t>return</a:t>
-            </a:r>
-            <a:r>
-              <a:rPr lang="zh-CN" altLang="en-US" dirty="0" smtClean="0"/>
-              <a:t>，</a:t>
-            </a:r>
-            <a:r>
-              <a:rPr lang="en-US" altLang="zh-CN" sz="2400" dirty="0" smtClean="0"/>
-              <a:t> $.</a:t>
-            </a:r>
-            <a:r>
-              <a:rPr lang="en-US" altLang="zh-CN" sz="2400" dirty="0" err="1" smtClean="0"/>
-              <a:t>makeArray</a:t>
-            </a:r>
-            <a:r>
-              <a:rPr lang="en-US" altLang="zh-CN" sz="2400" dirty="0" smtClean="0"/>
-              <a:t>-$.merge</a:t>
-            </a:r>
-            <a:endParaRPr lang="en-US" altLang="zh-CN" dirty="0" smtClean="0"/>
-          </a:p>
-          <a:p>
-            <a:pPr lvl="1"/>
-            <a:r>
-              <a:rPr lang="en-US" altLang="zh-CN" dirty="0" smtClean="0"/>
-              <a:t>Html</a:t>
-            </a:r>
-            <a:r>
-              <a:rPr lang="zh-CN" altLang="en-US" dirty="0" smtClean="0"/>
-              <a:t>转换为节点包装</a:t>
-            </a:r>
-            <a:r>
-              <a:rPr lang="en-US" altLang="zh-CN" dirty="0" smtClean="0"/>
-              <a:t>return</a:t>
-            </a:r>
-            <a:r>
-              <a:rPr lang="zh-CN" altLang="en-US" dirty="0" smtClean="0"/>
-              <a:t>，</a:t>
-            </a:r>
-            <a:r>
-              <a:rPr lang="en-US" altLang="zh-CN" dirty="0" smtClean="0"/>
-              <a:t>$.</a:t>
-            </a:r>
-            <a:r>
-              <a:rPr lang="en-US" altLang="zh-CN" dirty="0" err="1" smtClean="0"/>
-              <a:t>parseHTML-buildFragment</a:t>
-            </a:r>
-            <a:endParaRPr lang="en-US" altLang="zh-CN" dirty="0" smtClean="0"/>
-          </a:p>
-          <a:p>
-            <a:pPr lvl="1"/>
-            <a:r>
-              <a:rPr lang="zh-CN" altLang="en-US" dirty="0" smtClean="0"/>
-              <a:t>选择器转换为节点后包装</a:t>
-            </a:r>
-            <a:r>
-              <a:rPr lang="en-US" altLang="zh-CN" dirty="0" smtClean="0"/>
-              <a:t>return</a:t>
-            </a:r>
-            <a:r>
-              <a:rPr lang="zh-CN" altLang="en-US" dirty="0" smtClean="0"/>
-              <a:t>，</a:t>
-            </a:r>
-            <a:r>
-              <a:rPr lang="en-US" altLang="zh-CN" dirty="0" smtClean="0"/>
-              <a:t>$.</a:t>
-            </a:r>
-            <a:r>
-              <a:rPr lang="en-US" altLang="zh-CN" dirty="0" err="1" smtClean="0"/>
-              <a:t>prototype.find</a:t>
-            </a:r>
-            <a:r>
-              <a:rPr lang="en-US" altLang="zh-CN" dirty="0" smtClean="0"/>
-              <a:t>-Sizzle</a:t>
-            </a:r>
-          </a:p>
-          <a:p>
-            <a:r>
-              <a:rPr lang="zh-CN" altLang="en-US" dirty="0" smtClean="0"/>
-              <a:t>操作</a:t>
-            </a:r>
-            <a:endParaRPr lang="en-US" altLang="zh-CN" dirty="0" smtClean="0"/>
-          </a:p>
-          <a:p>
-            <a:pPr lvl="1"/>
-            <a:r>
-              <a:rPr lang="zh-CN" altLang="en-US" dirty="0" smtClean="0"/>
-              <a:t>设置后</a:t>
-            </a:r>
-            <a:r>
-              <a:rPr lang="en-US" altLang="zh-CN" dirty="0" smtClean="0"/>
-              <a:t>return this</a:t>
-            </a:r>
-          </a:p>
-          <a:p>
-            <a:pPr lvl="1"/>
-            <a:r>
-              <a:rPr lang="zh-CN" altLang="en-US" dirty="0" smtClean="0"/>
-              <a:t>遍历时</a:t>
-            </a:r>
-            <a:r>
-              <a:rPr lang="en-US" altLang="zh-CN" dirty="0" smtClean="0"/>
-              <a:t>return </a:t>
-            </a:r>
-            <a:r>
-              <a:rPr lang="en-US" altLang="zh-CN" dirty="0" err="1" smtClean="0"/>
-              <a:t>jQuery</a:t>
-            </a:r>
-            <a:r>
-              <a:rPr lang="zh-CN" altLang="en-US" dirty="0" smtClean="0"/>
-              <a:t>包装对象</a:t>
-            </a:r>
-            <a:endParaRPr lang="zh-CN" altLang="en-US" dirty="0"/>
-          </a:p>
-        </p:txBody>
-      </p:sp>
-      <p:sp>
-        <p:nvSpPr>
-          <p:cNvPr id="2" name="标题 1"/>
-          <p:cNvSpPr>
-            <a:spLocks noGrp="1"/>
-          </p:cNvSpPr>
-          <p:nvPr>
-            <p:ph type="title"/>
-          </p:nvPr>
-        </p:nvSpPr>
-        <p:spPr/>
-        <p:txBody>
-          <a:bodyPr/>
-          <a:lstStyle/>
-          <a:p>
-            <a:r>
-              <a:rPr lang="zh-CN" altLang="en-US" dirty="0" smtClean="0"/>
-              <a:t>链式调用</a:t>
-            </a:r>
-            <a:r>
-              <a:rPr lang="en-US" altLang="zh-CN" dirty="0" smtClean="0"/>
-              <a:t>-</a:t>
-            </a:r>
-            <a:r>
-              <a:rPr lang="zh-CN" altLang="en-US" dirty="0" smtClean="0"/>
-              <a:t>生成、操作</a:t>
-            </a:r>
-            <a:endParaRPr lang="zh-CN" altLang="en-US" dirty="0"/>
-          </a:p>
-        </p:txBody>
-      </p:sp>
-    </p:spTree>
-  </p:cSld>
-  <p:clrMapOvr>
-    <a:masterClrMapping/>
-  </p:clrMapOvr>
+  <p:timing>
+    <p:tnLst>
+      <p:par>
+        <p:cTn id="1" dur="indefinite" restart="never" nodeType="tmRoot"/>
+      </p:par>
+    </p:tnLst>
+  </p:timing>
 </p:sld>
 </file>
 
@@ -7898,25 +11537,136 @@
             <p:ph idx="1"/>
           </p:nvPr>
         </p:nvSpPr>
-        <p:spPr>
-          <a:xfrm>
-            <a:off x="457200" y="4286256"/>
-            <a:ext cx="8229600" cy="1839907"/>
-          </a:xfrm>
-        </p:spPr>
-        <p:txBody>
-          <a:bodyPr>
-            <a:normAutofit/>
-          </a:bodyPr>
+        <p:spPr/>
+        <p:txBody>
+          <a:bodyPr/>
           <a:lstStyle/>
           <a:p>
             <a:r>
               <a:rPr lang="zh-CN" altLang="en-US" dirty="0" smtClean="0"/>
-              <a:t>工厂模式</a:t>
+              <a:t>生成</a:t>
             </a:r>
             <a:endParaRPr lang="en-US" altLang="zh-CN" dirty="0" smtClean="0"/>
           </a:p>
           <a:p>
+            <a:pPr lvl="1"/>
+            <a:r>
+              <a:rPr lang="zh-CN" altLang="en-US" dirty="0" smtClean="0"/>
+              <a:t>节点包装后</a:t>
+            </a:r>
+            <a:r>
+              <a:rPr lang="en-US" altLang="zh-CN" dirty="0" smtClean="0"/>
+              <a:t>return</a:t>
+            </a:r>
+            <a:r>
+              <a:rPr lang="zh-CN" altLang="en-US" dirty="0" smtClean="0"/>
+              <a:t>，</a:t>
+            </a:r>
+            <a:r>
+              <a:rPr lang="en-US" altLang="zh-CN" sz="2400" dirty="0" smtClean="0"/>
+              <a:t> $.</a:t>
+            </a:r>
+            <a:r>
+              <a:rPr lang="en-US" altLang="zh-CN" sz="2400" dirty="0" err="1" smtClean="0"/>
+              <a:t>makeArray</a:t>
+            </a:r>
+            <a:r>
+              <a:rPr lang="en-US" altLang="zh-CN" sz="2400" dirty="0" smtClean="0"/>
+              <a:t>-$.merge</a:t>
+            </a:r>
+            <a:endParaRPr lang="en-US" altLang="zh-CN" dirty="0" smtClean="0"/>
+          </a:p>
+          <a:p>
+            <a:pPr lvl="1"/>
+            <a:r>
+              <a:rPr lang="en-US" altLang="zh-CN" dirty="0" smtClean="0"/>
+              <a:t>Html</a:t>
+            </a:r>
+            <a:r>
+              <a:rPr lang="zh-CN" altLang="en-US" dirty="0" smtClean="0"/>
+              <a:t>转换为节点包装</a:t>
+            </a:r>
+            <a:r>
+              <a:rPr lang="en-US" altLang="zh-CN" dirty="0" smtClean="0"/>
+              <a:t>return</a:t>
+            </a:r>
+            <a:r>
+              <a:rPr lang="zh-CN" altLang="en-US" dirty="0" smtClean="0"/>
+              <a:t>，</a:t>
+            </a:r>
+            <a:r>
+              <a:rPr lang="en-US" altLang="zh-CN" dirty="0" smtClean="0"/>
+              <a:t>$.</a:t>
+            </a:r>
+            <a:r>
+              <a:rPr lang="en-US" altLang="zh-CN" dirty="0" err="1" smtClean="0"/>
+              <a:t>parseHTML-buildFragment</a:t>
+            </a:r>
+            <a:endParaRPr lang="en-US" altLang="zh-CN" dirty="0" smtClean="0"/>
+          </a:p>
+          <a:p>
+            <a:pPr lvl="1"/>
+            <a:r>
+              <a:rPr lang="zh-CN" altLang="en-US" dirty="0" smtClean="0"/>
+              <a:t>选择器转换为节点后包装</a:t>
+            </a:r>
+            <a:r>
+              <a:rPr lang="en-US" altLang="zh-CN" dirty="0" smtClean="0"/>
+              <a:t>return</a:t>
+            </a:r>
+            <a:r>
+              <a:rPr lang="zh-CN" altLang="en-US" dirty="0" smtClean="0"/>
+              <a:t>，</a:t>
+            </a:r>
+            <a:r>
+              <a:rPr lang="en-US" altLang="zh-CN" dirty="0" smtClean="0"/>
+              <a:t>$.</a:t>
+            </a:r>
+            <a:r>
+              <a:rPr lang="en-US" altLang="zh-CN" dirty="0" err="1" smtClean="0"/>
+              <a:t>prototype.find</a:t>
+            </a:r>
+            <a:r>
+              <a:rPr lang="en-US" altLang="zh-CN" dirty="0" smtClean="0"/>
+              <a:t>-Sizzle</a:t>
+            </a:r>
+          </a:p>
+          <a:p>
+            <a:r>
+              <a:rPr lang="zh-CN" altLang="en-US" dirty="0" smtClean="0"/>
+              <a:t>操作</a:t>
+            </a:r>
+            <a:endParaRPr lang="en-US" altLang="zh-CN" dirty="0" smtClean="0"/>
+          </a:p>
+          <a:p>
+            <a:pPr lvl="1"/>
+            <a:r>
+              <a:rPr lang="zh-CN" altLang="en-US" dirty="0" smtClean="0"/>
+              <a:t>设置后</a:t>
+            </a:r>
+            <a:r>
+              <a:rPr lang="en-US" altLang="zh-CN" dirty="0" smtClean="0"/>
+              <a:t>return this</a:t>
+            </a:r>
+          </a:p>
+          <a:p>
+            <a:pPr lvl="1"/>
+            <a:r>
+              <a:rPr lang="zh-CN" altLang="en-US" dirty="0" smtClean="0"/>
+              <a:t>遍历时</a:t>
+            </a:r>
+            <a:r>
+              <a:rPr lang="en-US" altLang="zh-CN" dirty="0" smtClean="0"/>
+              <a:t>return </a:t>
+            </a:r>
+            <a:r>
+              <a:rPr lang="en-US" altLang="zh-CN" dirty="0" err="1" smtClean="0"/>
+              <a:t>jQuery</a:t>
+            </a:r>
+            <a:r>
+              <a:rPr lang="zh-CN" altLang="en-US" dirty="0" smtClean="0"/>
+              <a:t>包装对象</a:t>
+            </a:r>
             <a:endParaRPr lang="zh-CN" altLang="en-US" dirty="0"/>
           </a:p>
         </p:txBody>
@@ -7938,50 +11688,32 @@
           <a:p>
             <a:r>
               <a:rPr lang="zh-CN" altLang="en-US" dirty="0" smtClean="0"/>
-              <a:t>代码结构</a:t>
+              <a:t>链式调用</a:t>
+            </a:r>
+            <a:r>
+              <a:rPr lang="en-US" altLang="zh-CN" dirty="0" smtClean="0"/>
+              <a:t>-</a:t>
+            </a:r>
+            <a:r>
+              <a:rPr lang="zh-CN" altLang="en-US" dirty="0" smtClean="0"/>
+              <a:t>生成、操作</a:t>
             </a:r>
             <a:endParaRPr lang="zh-CN" altLang="en-US" dirty="0"/>
           </a:p>
         </p:txBody>
       </p:sp>
-      <p:pic>
-        <p:nvPicPr>
-          <p:cNvPr id="1027" name="Picture 3"/>
-          <p:cNvPicPr>
-            <a:picLocks noChangeAspect="1" noChangeArrowheads="1"/>
-          </p:cNvPicPr>
-          <p:nvPr/>
-        </p:nvPicPr>
-        <p:blipFill>
-          <a:blip r:embed="rId2"/>
-          <a:srcRect/>
-          <a:stretch>
-            <a:fillRect/>
-          </a:stretch>
-        </p:blipFill>
-        <p:spPr bwMode="auto">
-          <a:xfrm>
-            <a:off x="1785918" y="1214422"/>
-            <a:ext cx="5972175" cy="2857500"/>
-          </a:xfrm>
-          <a:prstGeom prst="rect">
-            <a:avLst/>
-          </a:prstGeom>
-          <a:noFill/>
-          <a:ln w="9525">
-            <a:noFill/>
-            <a:miter lim="800000"/>
-            <a:headEnd/>
-            <a:tailEnd/>
-          </a:ln>
-          <a:effectLst/>
-        </p:spPr>
-      </p:pic>
     </p:spTree>
   </p:cSld>
   <p:clrMapOvr>
     <a:masterClrMapping/>
   </p:clrMapOvr>
+  <p:timing>
+    <p:tnLst>
+      <p:par>
+        <p:cTn id="1" dur="indefinite" restart="never" nodeType="tmRoot"/>
+      </p:par>
+    </p:tnLst>
+  </p:timing>
 </p:sld>
 </file>
 
@@ -8004,6 +11736,39 @@
       </p:grpSpPr>
       <p:sp>
         <p:nvSpPr>
+          <p:cNvPr id="3" name="内容占位符 2"/>
+          <p:cNvSpPr>
+            <a:spLocks noGrp="1"/>
+          </p:cNvSpPr>
+          <p:nvPr>
+            <p:ph idx="1"/>
+          </p:nvPr>
+        </p:nvSpPr>
+        <p:spPr>
+          <a:xfrm>
+            <a:off x="457200" y="4286256"/>
+            <a:ext cx="8229600" cy="1839907"/>
+          </a:xfrm>
+        </p:spPr>
+        <p:txBody>
+          <a:bodyPr>
+            <a:normAutofit/>
+          </a:bodyPr>
+          <a:lstStyle/>
+          <a:p>
+            <a:r>
+              <a:rPr lang="zh-CN" altLang="en-US" dirty="0" smtClean="0"/>
+              <a:t>工厂模式</a:t>
+            </a:r>
+            <a:endParaRPr lang="en-US" altLang="zh-CN" dirty="0" smtClean="0"/>
+          </a:p>
+          <a:p>
+            <a:endParaRPr lang="zh-CN" altLang="en-US" dirty="0"/>
+          </a:p>
+        </p:txBody>
+      </p:sp>
+      <p:sp>
+        <p:nvSpPr>
           <p:cNvPr id="2" name="标题 1"/>
           <p:cNvSpPr>
             <a:spLocks noGrp="1"/>
@@ -8018,8 +11783,8 @@
           <a:lstStyle/>
           <a:p>
             <a:r>
-              <a:rPr lang="en-US" altLang="zh-CN" dirty="0" smtClean="0"/>
-              <a:t>init</a:t>
+              <a:rPr lang="zh-CN" altLang="en-US" dirty="0" smtClean="0"/>
+              <a:t>代码结构</a:t>
             </a:r>
             <a:endParaRPr lang="zh-CN" altLang="en-US" dirty="0"/>
           </a:p>
@@ -8027,7 +11792,7 @@
       </p:sp>
       <p:pic>
         <p:nvPicPr>
-          <p:cNvPr id="2050" name="Picture 2"/>
+          <p:cNvPr id="1027" name="Picture 3"/>
           <p:cNvPicPr>
             <a:picLocks noChangeAspect="1" noChangeArrowheads="1"/>
           </p:cNvPicPr>
@@ -8042,8 +11807,8 @@
         </p:blipFill>
         <p:spPr bwMode="auto">
           <a:xfrm>
-            <a:off x="2143108" y="1142984"/>
-            <a:ext cx="5400684" cy="5306922"/>
+            <a:off x="1785918" y="1214422"/>
+            <a:ext cx="5972175" cy="2857500"/>
           </a:xfrm>
           <a:prstGeom prst="rect">
             <a:avLst/>
@@ -8058,57 +11823,18 @@
           <a:effectLst/>
         </p:spPr>
       </p:pic>
-      <p:sp>
-        <p:nvSpPr>
-          <p:cNvPr id="8" name="矩形 7"/>
-          <p:cNvSpPr/>
-          <p:nvPr/>
-        </p:nvSpPr>
-        <p:spPr>
-          <a:xfrm>
-            <a:off x="2143108" y="6143644"/>
-            <a:ext cx="2214578" cy="357190"/>
-          </a:xfrm>
-          <a:prstGeom prst="rect">
-            <a:avLst/>
-          </a:prstGeom>
-          <a:noFill/>
-          <a:ln>
-            <a:solidFill>
-              <a:srgbClr val="FF0000"/>
-            </a:solidFill>
-          </a:ln>
-        </p:spPr>
-        <p:style>
-          <a:lnRef idx="2">
-            <a:schemeClr val="accent1">
-              <a:shade val="50000"/>
-            </a:schemeClr>
-          </a:lnRef>
-          <a:fillRef idx="1">
-            <a:schemeClr val="accent1"/>
-          </a:fillRef>
-          <a:effectRef idx="0">
-            <a:schemeClr val="accent1"/>
-          </a:effectRef>
-          <a:fontRef idx="minor">
-            <a:schemeClr val="lt1"/>
-          </a:fontRef>
-        </p:style>
-        <p:txBody>
-          <a:bodyPr rtlCol="0" anchor="ctr"/>
-          <a:lstStyle/>
-          <a:p>
-            <a:pPr algn="ctr"/>
-            <a:endParaRPr lang="zh-CN" altLang="en-US"/>
-          </a:p>
-        </p:txBody>
-      </p:sp>
     </p:spTree>
   </p:cSld>
   <p:clrMapOvr>
     <a:masterClrMapping/>
   </p:clrMapOvr>
+  <p:timing>
+    <p:tnLst>
+      <p:par>
+        <p:cTn id="1" dur="indefinite" restart="never" nodeType="tmRoot"/>
+      </p:par>
+    </p:tnLst>
+  </p:timing>
 </p:sld>
 </file>
 
@@ -8146,7 +11872,7 @@
           <a:p>
             <a:r>
               <a:rPr lang="en-US" altLang="zh-CN" dirty="0" smtClean="0"/>
-              <a:t>string</a:t>
+              <a:t>init</a:t>
             </a:r>
             <a:endParaRPr lang="zh-CN" altLang="en-US" dirty="0"/>
           </a:p>
@@ -8154,7 +11880,7 @@
       </p:sp>
       <p:pic>
         <p:nvPicPr>
-          <p:cNvPr id="3075" name="Picture 3"/>
+          <p:cNvPr id="2050" name="Picture 2"/>
           <p:cNvPicPr>
             <a:picLocks noChangeAspect="1" noChangeArrowheads="1"/>
           </p:cNvPicPr>
@@ -8169,8 +11895,8 @@
         </p:blipFill>
         <p:spPr bwMode="auto">
           <a:xfrm>
-            <a:off x="2643174" y="1000108"/>
-            <a:ext cx="5000660" cy="5661956"/>
+            <a:off x="2143108" y="1142984"/>
+            <a:ext cx="5400684" cy="5306922"/>
           </a:xfrm>
           <a:prstGeom prst="rect">
             <a:avLst/>
@@ -8185,11 +11911,64 @@
           <a:effectLst/>
         </p:spPr>
       </p:pic>
+      <p:sp>
+        <p:nvSpPr>
+          <p:cNvPr id="8" name="矩形 7"/>
+          <p:cNvSpPr/>
+          <p:nvPr/>
+        </p:nvSpPr>
+        <p:spPr>
+          <a:xfrm>
+            <a:off x="2143108" y="6143644"/>
+            <a:ext cx="2214578" cy="357190"/>
+          </a:xfrm>
+          <a:prstGeom prst="rect">
+            <a:avLst/>
+          </a:prstGeom>
+          <a:noFill/>
+          <a:ln>
+            <a:solidFill>
+              <a:srgbClr val="FF0000"/>
+            </a:solidFill>
+          </a:ln>
+        </p:spPr>
+        <p:style>
+          <a:lnRef idx="2">
+            <a:schemeClr val="accent1">
+              <a:shade val="50000"/>
+            </a:schemeClr>
+          </a:lnRef>
+          <a:fillRef idx="1">
+            <a:schemeClr val="accent1"/>
+          </a:fillRef>
+          <a:effectRef idx="0">
+            <a:schemeClr val="accent1"/>
+          </a:effectRef>
+          <a:fontRef idx="minor">
+            <a:schemeClr val="lt1"/>
+          </a:fontRef>
+        </p:style>
+        <p:txBody>
+          <a:bodyPr rtlCol="0" anchor="ctr"/>
+          <a:lstStyle/>
+          <a:p>
+            <a:pPr algn="ctr"/>
+            <a:endParaRPr lang="zh-CN" altLang="en-US"/>
+          </a:p>
+        </p:txBody>
+      </p:sp>
     </p:spTree>
   </p:cSld>
   <p:clrMapOvr>
     <a:masterClrMapping/>
   </p:clrMapOvr>
+  <p:timing>
+    <p:tnLst>
+      <p:par>
+        <p:cTn id="1" dur="indefinite" restart="never" nodeType="tmRoot"/>
+      </p:par>
+    </p:tnLst>
+  </p:timing>
 </p:sld>
 </file>
 
@@ -8227,15 +12006,7 @@
           <a:p>
             <a:r>
               <a:rPr lang="en-US" altLang="zh-CN" dirty="0" smtClean="0"/>
-              <a:t>$.</a:t>
-            </a:r>
-            <a:r>
-              <a:rPr lang="en-US" altLang="zh-CN" dirty="0" err="1" smtClean="0"/>
-              <a:t>makeArray</a:t>
-            </a:r>
-            <a:r>
-              <a:rPr lang="en-US" altLang="zh-CN" dirty="0" smtClean="0"/>
-              <a:t>-$.merge</a:t>
+              <a:t>string</a:t>
             </a:r>
             <a:endParaRPr lang="zh-CN" altLang="en-US" dirty="0"/>
           </a:p>
@@ -8243,7 +12014,7 @@
       </p:sp>
       <p:pic>
         <p:nvPicPr>
-          <p:cNvPr id="5123" name="Picture 3"/>
+          <p:cNvPr id="3075" name="Picture 3"/>
           <p:cNvPicPr>
             <a:picLocks noChangeAspect="1" noChangeArrowheads="1"/>
           </p:cNvPicPr>
@@ -8258,8 +12029,8 @@
         </p:blipFill>
         <p:spPr bwMode="auto">
           <a:xfrm>
-            <a:off x="1647825" y="1333500"/>
-            <a:ext cx="5848350" cy="4191000"/>
+            <a:off x="2643174" y="1000108"/>
+            <a:ext cx="5000660" cy="5661956"/>
           </a:xfrm>
           <a:prstGeom prst="rect">
             <a:avLst/>
@@ -8279,6 +12050,13 @@
   <p:clrMapOvr>
     <a:masterClrMapping/>
   </p:clrMapOvr>
+  <p:timing>
+    <p:tnLst>
+      <p:par>
+        <p:cTn id="1" dur="indefinite" restart="never" nodeType="tmRoot"/>
+      </p:par>
+    </p:tnLst>
+  </p:timing>
 </p:sld>
 </file>
 
